--- a/Physics/Lectures and Tutorials/Chapter3-Kinematics/MS864M_Chapter 3 - Kinematics_new design.pptx
+++ b/Physics/Lectures and Tutorials/Chapter3-Kinematics/MS864M_Chapter 3 - Kinematics_new design.pptx
@@ -251,7 +251,7 @@
           <a:p>
             <a:fld id="{3054530E-66E8-4EEF-8660-8A53FF529BDE}" type="datetimeFigureOut">
               <a:rPr lang="en-SG" smtClean="0"/>
-              <a:t>6/10/2018</a:t>
+              <a:t>22/10/2018</a:t>
             </a:fld>
             <a:endParaRPr lang="en-SG"/>
           </a:p>
@@ -315,35 +315,35 @@
           <a:p>
             <a:pPr lvl="0"/>
             <a:r>
-              <a:rPr lang="en-US" smtClean="0"/>
+              <a:rPr lang="en-US"/>
               <a:t>Edit Master text styles</a:t>
             </a:r>
           </a:p>
           <a:p>
             <a:pPr lvl="1"/>
             <a:r>
-              <a:rPr lang="en-US" smtClean="0"/>
+              <a:rPr lang="en-US"/>
               <a:t>Second level</a:t>
             </a:r>
           </a:p>
           <a:p>
             <a:pPr lvl="2"/>
             <a:r>
-              <a:rPr lang="en-US" smtClean="0"/>
+              <a:rPr lang="en-US"/>
               <a:t>Third level</a:t>
             </a:r>
           </a:p>
           <a:p>
             <a:pPr lvl="3"/>
             <a:r>
-              <a:rPr lang="en-US" smtClean="0"/>
+              <a:rPr lang="en-US"/>
               <a:t>Fourth level</a:t>
             </a:r>
           </a:p>
           <a:p>
             <a:pPr lvl="4"/>
             <a:r>
-              <a:rPr lang="en-US" smtClean="0"/>
+              <a:rPr lang="en-US"/>
               <a:t>Fifth level</a:t>
             </a:r>
             <a:endParaRPr lang="en-SG"/>
@@ -564,7 +564,7 @@
           <a:lstStyle/>
           <a:p>
             <a:r>
-              <a:rPr lang="en-GB" dirty="0" smtClean="0"/>
+              <a:rPr lang="en-GB" dirty="0"/>
               <a:t>a) x =  43m,  v = 23 m/s b)   x = 55 m</a:t>
             </a:r>
             <a:endParaRPr lang="en-US" dirty="0"/>
@@ -669,22 +669,22 @@
               <a:defRPr/>
             </a:pPr>
             <a:r>
-              <a:rPr lang="en-GB" dirty="0" smtClean="0"/>
+              <a:rPr lang="en-GB" dirty="0"/>
               <a:t>a) (4.5 m, -1.2 m)</a:t>
             </a:r>
             <a:r>
-              <a:rPr lang="en-GB" baseline="0" dirty="0" smtClean="0"/>
+              <a:rPr lang="en-GB" baseline="0" dirty="0"/>
               <a:t> b) 4.7 m c) 10.2 m/s, 29</a:t>
             </a:r>
             <a:r>
-              <a:rPr lang="en-GB" baseline="30000" dirty="0" smtClean="0"/>
+              <a:rPr lang="en-GB" baseline="30000" dirty="0"/>
               <a:t>o</a:t>
             </a:r>
             <a:r>
-              <a:rPr lang="en-GB" baseline="0" dirty="0" smtClean="0"/>
+              <a:rPr lang="en-GB" baseline="0" dirty="0"/>
               <a:t> below horizontal</a:t>
             </a:r>
-            <a:endParaRPr lang="en-US" dirty="0" smtClean="0"/>
+            <a:endParaRPr lang="en-US" dirty="0"/>
           </a:p>
         </p:txBody>
       </p:sp>
@@ -786,86 +786,86 @@
               <a:defRPr/>
             </a:pPr>
             <a:r>
-              <a:rPr lang="en-GB" dirty="0" smtClean="0"/>
+              <a:rPr lang="en-GB" dirty="0"/>
               <a:t>a)  v</a:t>
             </a:r>
             <a:r>
-              <a:rPr lang="en-GB" baseline="-25000" dirty="0" smtClean="0"/>
+              <a:rPr lang="en-GB" baseline="-25000" dirty="0"/>
               <a:t>0</a:t>
             </a:r>
             <a:r>
-              <a:rPr lang="en-GB" baseline="30000" dirty="0" smtClean="0"/>
+              <a:rPr lang="en-GB" baseline="30000" dirty="0"/>
               <a:t>2</a:t>
             </a:r>
             <a:r>
-              <a:rPr lang="en-GB" baseline="0" dirty="0" smtClean="0"/>
+              <a:rPr lang="en-GB" baseline="0" dirty="0"/>
               <a:t>sin</a:t>
             </a:r>
             <a:r>
-              <a:rPr lang="en-GB" baseline="30000" dirty="0" smtClean="0"/>
+              <a:rPr lang="en-GB" baseline="30000" dirty="0"/>
               <a:t>2</a:t>
             </a:r>
             <a:r>
-              <a:rPr lang="el-GR" sz="1200" dirty="0" smtClean="0"/>
+              <a:rPr lang="el-GR" sz="1200" dirty="0"/>
               <a:t>α</a:t>
             </a:r>
             <a:r>
-              <a:rPr lang="en-GB" sz="1200" baseline="-25000" dirty="0" smtClean="0"/>
+              <a:rPr lang="en-GB" sz="1200" baseline="-25000" dirty="0"/>
               <a:t>0</a:t>
             </a:r>
             <a:r>
-              <a:rPr lang="en-GB" sz="1200" baseline="0" dirty="0" smtClean="0"/>
+              <a:rPr lang="en-GB" sz="1200" baseline="0" dirty="0"/>
               <a:t>/2g,  </a:t>
             </a:r>
             <a:r>
-              <a:rPr lang="en-GB" dirty="0" smtClean="0"/>
+              <a:rPr lang="en-GB" dirty="0"/>
               <a:t>v</a:t>
             </a:r>
             <a:r>
-              <a:rPr lang="en-GB" baseline="-25000" dirty="0" smtClean="0"/>
+              <a:rPr lang="en-GB" baseline="-25000" dirty="0"/>
               <a:t>0</a:t>
             </a:r>
             <a:r>
-              <a:rPr lang="en-GB" baseline="30000" dirty="0" smtClean="0"/>
+              <a:rPr lang="en-GB" baseline="30000" dirty="0"/>
               <a:t>2</a:t>
             </a:r>
             <a:r>
-              <a:rPr lang="en-GB" baseline="0" dirty="0" smtClean="0"/>
+              <a:rPr lang="en-GB" baseline="0" dirty="0"/>
               <a:t>sin2</a:t>
             </a:r>
             <a:r>
-              <a:rPr lang="el-GR" sz="1200" dirty="0" smtClean="0"/>
+              <a:rPr lang="el-GR" sz="1200" dirty="0"/>
               <a:t>α</a:t>
             </a:r>
             <a:r>
-              <a:rPr lang="en-GB" sz="1200" baseline="-25000" dirty="0" smtClean="0"/>
+              <a:rPr lang="en-GB" sz="1200" baseline="-25000" dirty="0"/>
               <a:t>0</a:t>
             </a:r>
             <a:r>
-              <a:rPr lang="en-GB" sz="1200" baseline="0" dirty="0" smtClean="0"/>
+              <a:rPr lang="en-GB" sz="1200" baseline="0" dirty="0"/>
               <a:t>/g    b) 90</a:t>
             </a:r>
             <a:r>
-              <a:rPr lang="en-GB" sz="1200" baseline="30000" dirty="0" smtClean="0"/>
+              <a:rPr lang="en-GB" sz="1200" baseline="30000" dirty="0"/>
               <a:t>o</a:t>
             </a:r>
             <a:r>
-              <a:rPr lang="en-GB" sz="1200" baseline="0" dirty="0" smtClean="0"/>
+              <a:rPr lang="en-GB" sz="1200" baseline="0" dirty="0"/>
               <a:t>  c)</a:t>
             </a:r>
             <a:r>
-              <a:rPr lang="en-GB" dirty="0" smtClean="0"/>
+              <a:rPr lang="en-GB" dirty="0"/>
               <a:t> </a:t>
             </a:r>
             <a:r>
-              <a:rPr lang="en-GB" sz="1200" baseline="0" dirty="0" smtClean="0"/>
+              <a:rPr lang="en-GB" sz="1200" baseline="0" dirty="0"/>
               <a:t>45</a:t>
             </a:r>
             <a:r>
-              <a:rPr lang="en-GB" sz="1200" baseline="30000" dirty="0" smtClean="0"/>
+              <a:rPr lang="en-GB" sz="1200" baseline="30000" dirty="0"/>
               <a:t>o</a:t>
             </a:r>
-            <a:endParaRPr lang="en-US" baseline="0" dirty="0" smtClean="0"/>
+            <a:endParaRPr lang="en-US" baseline="0" dirty="0"/>
           </a:p>
         </p:txBody>
       </p:sp>
@@ -953,79 +953,79 @@
               <a:buAutoNum type="alphaLcParenR"/>
             </a:pPr>
             <a:r>
-              <a:rPr lang="en-GB" sz="1200" dirty="0" err="1" smtClean="0"/>
+              <a:rPr lang="en-GB" sz="1200" dirty="0" err="1"/>
               <a:t>v</a:t>
             </a:r>
             <a:r>
-              <a:rPr lang="en-GB" sz="1200" baseline="-25000" dirty="0" err="1" smtClean="0"/>
+              <a:rPr lang="en-GB" sz="1200" baseline="-25000" dirty="0" err="1"/>
               <a:t>x</a:t>
             </a:r>
             <a:r>
-              <a:rPr lang="en-GB" sz="1200" dirty="0" smtClean="0"/>
+              <a:rPr lang="en-GB" sz="1200" dirty="0"/>
               <a:t>  = 10 m/s + (2.0 m/s</a:t>
             </a:r>
             <a:r>
-              <a:rPr lang="en-GB" sz="1200" baseline="30000" dirty="0" smtClean="0"/>
+              <a:rPr lang="en-GB" sz="1200" baseline="30000" dirty="0"/>
               <a:t>2</a:t>
             </a:r>
             <a:r>
-              <a:rPr lang="en-GB" sz="1200" dirty="0" smtClean="0"/>
+              <a:rPr lang="en-GB" sz="1200" dirty="0"/>
               <a:t>) t - (0.5 m/s</a:t>
             </a:r>
             <a:r>
-              <a:rPr lang="en-GB" sz="1200" baseline="30000" dirty="0" smtClean="0"/>
+              <a:rPr lang="en-GB" sz="1200" baseline="30000" dirty="0"/>
               <a:t>3</a:t>
             </a:r>
             <a:r>
-              <a:rPr lang="en-GB" sz="1200" dirty="0" smtClean="0"/>
+              <a:rPr lang="en-GB" sz="1200" dirty="0"/>
               <a:t>)t</a:t>
             </a:r>
             <a:r>
-              <a:rPr lang="en-GB" sz="1200" baseline="30000" dirty="0" smtClean="0"/>
+              <a:rPr lang="en-GB" sz="1200" baseline="30000" dirty="0"/>
               <a:t>2 </a:t>
             </a:r>
             <a:r>
-              <a:rPr lang="en-GB" sz="1200" baseline="0" dirty="0" smtClean="0"/>
+              <a:rPr lang="en-GB" sz="1200" baseline="0" dirty="0"/>
               <a:t>, x =50 m + (1</a:t>
             </a:r>
             <a:r>
-              <a:rPr lang="en-GB" sz="1200" dirty="0" smtClean="0"/>
+              <a:rPr lang="en-GB" sz="1200" dirty="0"/>
               <a:t>0 m/s)t + (2.0 m/s</a:t>
             </a:r>
             <a:r>
-              <a:rPr lang="en-GB" sz="1200" baseline="30000" dirty="0" smtClean="0"/>
+              <a:rPr lang="en-GB" sz="1200" baseline="30000" dirty="0"/>
               <a:t>2</a:t>
             </a:r>
             <a:r>
-              <a:rPr lang="en-GB" sz="1200" dirty="0" smtClean="0"/>
+              <a:rPr lang="en-GB" sz="1200" dirty="0"/>
               <a:t>) t</a:t>
             </a:r>
             <a:r>
-              <a:rPr lang="en-GB" sz="1200" baseline="30000" dirty="0" smtClean="0"/>
+              <a:rPr lang="en-GB" sz="1200" baseline="30000" dirty="0"/>
               <a:t>2</a:t>
             </a:r>
             <a:r>
-              <a:rPr lang="en-GB" sz="1200" dirty="0" smtClean="0"/>
+              <a:rPr lang="en-GB" sz="1200" dirty="0"/>
               <a:t>/2 - (0.5 m/s</a:t>
             </a:r>
             <a:r>
-              <a:rPr lang="en-GB" sz="1200" baseline="30000" dirty="0" smtClean="0"/>
+              <a:rPr lang="en-GB" sz="1200" baseline="30000" dirty="0"/>
               <a:t>3</a:t>
             </a:r>
             <a:r>
-              <a:rPr lang="en-GB" sz="1200" dirty="0" smtClean="0"/>
+              <a:rPr lang="en-GB" sz="1200" dirty="0"/>
               <a:t>)t</a:t>
             </a:r>
             <a:r>
-              <a:rPr lang="en-GB" sz="1200" baseline="30000" dirty="0" smtClean="0"/>
+              <a:rPr lang="en-GB" sz="1200" baseline="30000" dirty="0"/>
               <a:t>3</a:t>
             </a:r>
             <a:r>
-              <a:rPr lang="en-GB" sz="1200" dirty="0" smtClean="0"/>
+              <a:rPr lang="en-GB" sz="1200" dirty="0"/>
               <a:t>/6</a:t>
             </a:r>
             <a:r>
-              <a:rPr lang="en-GB" sz="1200" baseline="0" dirty="0" smtClean="0"/>
+              <a:rPr lang="en-GB" sz="1200" baseline="0" dirty="0"/>
               <a:t>  b)  20 s </a:t>
             </a:r>
           </a:p>
@@ -1034,10 +1034,10 @@
               <a:buNone/>
             </a:pPr>
             <a:r>
-              <a:rPr lang="en-GB" sz="1200" baseline="0" dirty="0" smtClean="0"/>
+              <a:rPr lang="en-GB" sz="1200" baseline="0" dirty="0"/>
               <a:t>c)   30 m/s d) 517 m</a:t>
             </a:r>
-            <a:endParaRPr lang="en-US" baseline="30000" dirty="0" smtClean="0"/>
+            <a:endParaRPr lang="en-US" baseline="30000" dirty="0"/>
           </a:p>
         </p:txBody>
       </p:sp>
@@ -1139,14 +1139,14 @@
               <a:defRPr/>
             </a:pPr>
             <a:r>
-              <a:rPr lang="en-GB" dirty="0" smtClean="0"/>
+              <a:rPr lang="en-GB" dirty="0"/>
               <a:t>a) 10 s</a:t>
             </a:r>
             <a:r>
-              <a:rPr lang="en-GB" baseline="0" dirty="0" smtClean="0"/>
+              <a:rPr lang="en-GB" baseline="0" dirty="0"/>
               <a:t> b) 150 m</a:t>
             </a:r>
-            <a:endParaRPr lang="en-US" dirty="0" smtClean="0"/>
+            <a:endParaRPr lang="en-US" dirty="0"/>
           </a:p>
           <a:p>
             <a:endParaRPr lang="en-SG" dirty="0"/>
@@ -1234,23 +1234,23 @@
           <a:lstStyle/>
           <a:p>
             <a:r>
-              <a:rPr lang="en-GB" dirty="0" smtClean="0"/>
+              <a:rPr lang="en-GB" dirty="0"/>
               <a:t>a) +10.1m, +5.2 m/s,  -18.4 m, -24.2</a:t>
             </a:r>
             <a:r>
-              <a:rPr lang="en-GB" baseline="0" dirty="0" smtClean="0"/>
+              <a:rPr lang="en-GB" baseline="0" dirty="0"/>
               <a:t> m/s  b) +11.3 m/s, -11.3 m/s  c) +11.5 m  d) -9.80 m/s</a:t>
             </a:r>
             <a:r>
-              <a:rPr lang="en-GB" baseline="30000" dirty="0" smtClean="0"/>
+              <a:rPr lang="en-GB" baseline="30000" dirty="0"/>
               <a:t>2</a:t>
             </a:r>
             <a:r>
-              <a:rPr lang="en-GB" baseline="0" dirty="0" smtClean="0"/>
+              <a:rPr lang="en-GB" baseline="0" dirty="0"/>
               <a:t>  e) </a:t>
             </a:r>
             <a:r>
-              <a:rPr lang="en-GB" dirty="0" smtClean="0"/>
+              <a:rPr lang="en-GB" dirty="0"/>
               <a:t> 3.36 s</a:t>
             </a:r>
             <a:endParaRPr lang="en-US" dirty="0"/>
@@ -1338,23 +1338,23 @@
           <a:lstStyle/>
           <a:p>
             <a:r>
-              <a:rPr lang="en-GB" dirty="0" smtClean="0"/>
+              <a:rPr lang="en-GB" dirty="0"/>
               <a:t>a) +10.1m, +5.2 m/s,  -18.4 m, -24.2</a:t>
             </a:r>
             <a:r>
-              <a:rPr lang="en-GB" baseline="0" dirty="0" smtClean="0"/>
+              <a:rPr lang="en-GB" baseline="0" dirty="0"/>
               <a:t> m/s  b) +11.3 m/s, -11.3 m/s  c) +11.5 m  d) -9.80 m/s</a:t>
             </a:r>
             <a:r>
-              <a:rPr lang="en-GB" baseline="30000" dirty="0" smtClean="0"/>
+              <a:rPr lang="en-GB" baseline="30000" dirty="0"/>
               <a:t>2</a:t>
             </a:r>
             <a:r>
-              <a:rPr lang="en-GB" baseline="0" dirty="0" smtClean="0"/>
+              <a:rPr lang="en-GB" baseline="0" dirty="0"/>
               <a:t>  e) </a:t>
             </a:r>
             <a:r>
-              <a:rPr lang="en-GB" dirty="0" smtClean="0"/>
+              <a:rPr lang="en-GB" dirty="0"/>
               <a:t> 3.36 s</a:t>
             </a:r>
             <a:endParaRPr lang="en-US" dirty="0"/>
@@ -1459,22 +1459,22 @@
               <a:defRPr/>
             </a:pPr>
             <a:r>
-              <a:rPr lang="en-GB" dirty="0" smtClean="0"/>
+              <a:rPr lang="en-GB" dirty="0"/>
               <a:t>a) 15</a:t>
             </a:r>
             <a:r>
-              <a:rPr lang="en-GB" baseline="0" dirty="0" smtClean="0"/>
+              <a:rPr lang="en-GB" baseline="0" dirty="0"/>
               <a:t> m   b)  15 m/s  c) 10.5 m/s  d) (10 m/s</a:t>
             </a:r>
             <a:r>
-              <a:rPr lang="en-GB" baseline="30000" dirty="0" smtClean="0"/>
+              <a:rPr lang="en-GB" baseline="30000" dirty="0"/>
               <a:t>2</a:t>
             </a:r>
             <a:r>
-              <a:rPr lang="en-GB" baseline="0" dirty="0" smtClean="0"/>
+              <a:rPr lang="en-GB" baseline="0" dirty="0"/>
               <a:t>)t, 10 m/s, 20 m/s</a:t>
             </a:r>
-            <a:endParaRPr lang="en-US" baseline="30000" dirty="0" smtClean="0"/>
+            <a:endParaRPr lang="en-US" baseline="30000" dirty="0"/>
           </a:p>
         </p:txBody>
       </p:sp>
@@ -1576,58 +1576,58 @@
               <a:defRPr/>
             </a:pPr>
             <a:r>
-              <a:rPr lang="en-GB" dirty="0" smtClean="0"/>
+              <a:rPr lang="en-GB" dirty="0"/>
               <a:t>a) 4.0 m/s</a:t>
             </a:r>
             <a:r>
-              <a:rPr lang="en-GB" baseline="0" dirty="0" smtClean="0"/>
+              <a:rPr lang="en-GB" baseline="0" dirty="0"/>
               <a:t> b) 2.0 m/s</a:t>
             </a:r>
             <a:r>
-              <a:rPr lang="en-GB" baseline="30000" dirty="0" smtClean="0"/>
+              <a:rPr lang="en-GB" baseline="30000" dirty="0"/>
               <a:t>2</a:t>
             </a:r>
             <a:r>
-              <a:rPr lang="en-GB" baseline="0" dirty="0" smtClean="0"/>
+              <a:rPr lang="en-GB" baseline="0" dirty="0"/>
               <a:t> c) 1.05 m/s</a:t>
             </a:r>
             <a:r>
-              <a:rPr lang="en-GB" baseline="30000" dirty="0" smtClean="0"/>
+              <a:rPr lang="en-GB" baseline="30000" dirty="0"/>
               <a:t>2</a:t>
             </a:r>
             <a:r>
-              <a:rPr lang="en-GB" baseline="0" dirty="0" smtClean="0"/>
+              <a:rPr lang="en-GB" baseline="0" dirty="0"/>
               <a:t>  d) (1.0 m/s</a:t>
             </a:r>
             <a:r>
-              <a:rPr lang="en-GB" baseline="30000" dirty="0" smtClean="0"/>
+              <a:rPr lang="en-GB" baseline="30000" dirty="0"/>
               <a:t>3</a:t>
             </a:r>
             <a:r>
-              <a:rPr lang="en-GB" baseline="0" dirty="0" smtClean="0"/>
+              <a:rPr lang="en-GB" baseline="0" dirty="0"/>
               <a:t>) t, 1.0m/s</a:t>
             </a:r>
             <a:r>
-              <a:rPr lang="en-GB" baseline="30000" dirty="0" smtClean="0"/>
+              <a:rPr lang="en-GB" baseline="30000" dirty="0"/>
               <a:t>2</a:t>
             </a:r>
             <a:r>
-              <a:rPr lang="en-GB" baseline="0" dirty="0" smtClean="0"/>
+              <a:rPr lang="en-GB" baseline="0" dirty="0"/>
               <a:t>,</a:t>
             </a:r>
             <a:r>
-              <a:rPr lang="en-GB" baseline="30000" dirty="0" smtClean="0"/>
+              <a:rPr lang="en-GB" baseline="30000" dirty="0"/>
               <a:t> </a:t>
             </a:r>
             <a:r>
-              <a:rPr lang="en-GB" baseline="0" dirty="0" smtClean="0"/>
+              <a:rPr lang="en-GB" baseline="0" dirty="0"/>
               <a:t>3.0m/s</a:t>
             </a:r>
             <a:r>
-              <a:rPr lang="en-GB" baseline="30000" dirty="0" smtClean="0"/>
+              <a:rPr lang="en-GB" baseline="30000" dirty="0"/>
               <a:t>2</a:t>
             </a:r>
-            <a:endParaRPr lang="en-US" dirty="0" smtClean="0"/>
+            <a:endParaRPr lang="en-US" dirty="0"/>
           </a:p>
         </p:txBody>
       </p:sp>
@@ -1715,141 +1715,141 @@
               <a:buAutoNum type="alphaLcParenR"/>
             </a:pPr>
             <a:r>
-              <a:rPr lang="en-GB" dirty="0" smtClean="0"/>
+              <a:rPr lang="en-GB" dirty="0"/>
               <a:t>(1.0m,</a:t>
             </a:r>
             <a:r>
-              <a:rPr lang="en-GB" baseline="0" dirty="0" smtClean="0"/>
+              <a:rPr lang="en-GB" baseline="0" dirty="0"/>
               <a:t> 2.2m), 2.4 m  b) (-1.0 m)</a:t>
             </a:r>
             <a:r>
-              <a:rPr lang="en-GB" b="1" baseline="0" dirty="0" err="1" smtClean="0"/>
+              <a:rPr lang="en-GB" b="1" baseline="0" dirty="0" err="1"/>
               <a:t>i</a:t>
             </a:r>
             <a:r>
-              <a:rPr lang="en-GB" b="1" baseline="0" dirty="0" smtClean="0"/>
+              <a:rPr lang="en-GB" b="1" baseline="0" dirty="0"/>
               <a:t> </a:t>
             </a:r>
             <a:r>
-              <a:rPr lang="en-GB" b="0" baseline="0" dirty="0" smtClean="0"/>
+              <a:rPr lang="en-GB" b="0" baseline="0" dirty="0"/>
               <a:t>+ (2.2 m)</a:t>
             </a:r>
             <a:r>
-              <a:rPr lang="en-GB" b="1" baseline="0" dirty="0" smtClean="0"/>
+              <a:rPr lang="en-GB" b="1" baseline="0" dirty="0"/>
               <a:t>j</a:t>
             </a:r>
             <a:r>
-              <a:rPr lang="en-GB" b="0" baseline="0" dirty="0" smtClean="0"/>
+              <a:rPr lang="en-GB" b="0" baseline="0" dirty="0"/>
               <a:t>,</a:t>
             </a:r>
             <a:r>
-              <a:rPr lang="en-GB" b="1" baseline="0" dirty="0" smtClean="0"/>
+              <a:rPr lang="en-GB" b="1" baseline="0" dirty="0"/>
               <a:t> </a:t>
             </a:r>
             <a:r>
-              <a:rPr lang="en-GB" baseline="0" dirty="0" smtClean="0"/>
+              <a:rPr lang="en-GB" baseline="0" dirty="0"/>
               <a:t>(-0.50 m/s)</a:t>
             </a:r>
             <a:r>
-              <a:rPr lang="en-GB" b="1" baseline="0" dirty="0" err="1" smtClean="0"/>
+              <a:rPr lang="en-GB" b="1" baseline="0" dirty="0" err="1"/>
               <a:t>i</a:t>
             </a:r>
             <a:r>
-              <a:rPr lang="en-GB" b="1" baseline="0" dirty="0" smtClean="0"/>
+              <a:rPr lang="en-GB" b="1" baseline="0" dirty="0"/>
               <a:t> </a:t>
             </a:r>
             <a:r>
-              <a:rPr lang="en-GB" b="0" baseline="0" dirty="0" smtClean="0"/>
+              <a:rPr lang="en-GB" b="0" baseline="0" dirty="0"/>
               <a:t>+ (1.1 m/s)</a:t>
             </a:r>
             <a:r>
-              <a:rPr lang="en-GB" b="1" baseline="0" dirty="0" smtClean="0"/>
+              <a:rPr lang="en-GB" b="1" baseline="0" dirty="0"/>
               <a:t>j</a:t>
             </a:r>
             <a:r>
-              <a:rPr lang="en-GB" b="0" baseline="0" dirty="0" smtClean="0"/>
+              <a:rPr lang="en-GB" b="0" baseline="0" dirty="0"/>
               <a:t>,</a:t>
             </a:r>
             <a:r>
-              <a:rPr lang="en-GB" b="1" baseline="0" dirty="0" smtClean="0"/>
+              <a:rPr lang="en-GB" b="1" baseline="0" dirty="0"/>
               <a:t> </a:t>
             </a:r>
             <a:r>
-              <a:rPr lang="en-GB" b="0" baseline="0" dirty="0" smtClean="0"/>
+              <a:rPr lang="en-GB" b="0" baseline="0" dirty="0"/>
               <a:t>c) </a:t>
             </a:r>
             <a:r>
-              <a:rPr lang="en-GB" baseline="0" dirty="0" smtClean="0"/>
+              <a:rPr lang="en-GB" baseline="0" dirty="0"/>
               <a:t>(-0.50 m/s</a:t>
             </a:r>
             <a:r>
-              <a:rPr lang="en-GB" baseline="30000" dirty="0" smtClean="0"/>
+              <a:rPr lang="en-GB" baseline="30000" dirty="0"/>
               <a:t>2</a:t>
             </a:r>
             <a:r>
-              <a:rPr lang="en-GB" baseline="0" dirty="0" smtClean="0"/>
+              <a:rPr lang="en-GB" baseline="0" dirty="0"/>
               <a:t>)</a:t>
             </a:r>
             <a:r>
-              <a:rPr lang="en-GB" baseline="0" dirty="0" err="1" smtClean="0"/>
+              <a:rPr lang="en-GB" baseline="0" dirty="0" err="1"/>
               <a:t>t</a:t>
             </a:r>
             <a:r>
-              <a:rPr lang="en-GB" b="1" baseline="0" dirty="0" err="1" smtClean="0"/>
+              <a:rPr lang="en-GB" b="1" baseline="0" dirty="0" err="1"/>
               <a:t>i</a:t>
             </a:r>
             <a:r>
-              <a:rPr lang="en-GB" b="1" baseline="0" dirty="0" smtClean="0"/>
+              <a:rPr lang="en-GB" b="1" baseline="0" dirty="0"/>
               <a:t> </a:t>
             </a:r>
             <a:r>
-              <a:rPr lang="en-GB" b="0" baseline="0" dirty="0" smtClean="0"/>
+              <a:rPr lang="en-GB" b="0" baseline="0" dirty="0"/>
               <a:t>+ [(1.0 m/s) + </a:t>
             </a:r>
             <a:r>
-              <a:rPr lang="en-GB" baseline="0" dirty="0" smtClean="0"/>
+              <a:rPr lang="en-GB" baseline="0" dirty="0"/>
               <a:t>(0.075 m/s</a:t>
             </a:r>
             <a:r>
-              <a:rPr lang="en-GB" baseline="30000" dirty="0" smtClean="0"/>
+              <a:rPr lang="en-GB" baseline="30000" dirty="0"/>
               <a:t>3</a:t>
             </a:r>
             <a:r>
-              <a:rPr lang="en-GB" baseline="0" dirty="0" smtClean="0"/>
+              <a:rPr lang="en-GB" baseline="0" dirty="0"/>
               <a:t>)t</a:t>
             </a:r>
             <a:r>
-              <a:rPr lang="en-GB" baseline="30000" dirty="0" smtClean="0"/>
+              <a:rPr lang="en-GB" baseline="30000" dirty="0"/>
               <a:t>2</a:t>
             </a:r>
             <a:r>
-              <a:rPr lang="en-GB" baseline="0" dirty="0" smtClean="0"/>
+              <a:rPr lang="en-GB" baseline="0" dirty="0"/>
               <a:t>]</a:t>
             </a:r>
             <a:r>
-              <a:rPr lang="en-GB" b="0" baseline="0" dirty="0" smtClean="0"/>
+              <a:rPr lang="en-GB" b="0" baseline="0" dirty="0"/>
               <a:t>  </a:t>
             </a:r>
             <a:r>
-              <a:rPr lang="en-GB" b="1" baseline="0" dirty="0" smtClean="0"/>
+              <a:rPr lang="en-GB" b="1" baseline="0" dirty="0"/>
               <a:t>j</a:t>
             </a:r>
-            <a:endParaRPr lang="en-GB" b="0" baseline="0" dirty="0" smtClean="0"/>
+            <a:endParaRPr lang="en-GB" b="0" baseline="0" dirty="0"/>
           </a:p>
           <a:p>
             <a:pPr marL="228600" indent="-228600">
               <a:buNone/>
             </a:pPr>
             <a:r>
-              <a:rPr lang="en-GB" b="0" baseline="0" dirty="0" smtClean="0"/>
+              <a:rPr lang="en-GB" b="0" baseline="0" dirty="0"/>
               <a:t>d)  -1.0 m/s, 1.3 m/s,     1.6 m/s,  38</a:t>
             </a:r>
             <a:r>
-              <a:rPr lang="en-GB" b="0" baseline="30000" dirty="0" smtClean="0"/>
+              <a:rPr lang="en-GB" b="0" baseline="30000" dirty="0"/>
               <a:t>o</a:t>
             </a:r>
             <a:r>
-              <a:rPr lang="en-GB" b="0" baseline="0" dirty="0" smtClean="0"/>
+              <a:rPr lang="en-GB" b="0" baseline="0" dirty="0"/>
               <a:t> west of north</a:t>
             </a:r>
           </a:p>
@@ -1939,62 +1939,62 @@
               <a:buAutoNum type="alphaLcParenR"/>
             </a:pPr>
             <a:r>
-              <a:rPr lang="en-GB" baseline="0" dirty="0" smtClean="0"/>
+              <a:rPr lang="en-GB" baseline="0" dirty="0"/>
               <a:t>-0.50 m/s</a:t>
             </a:r>
             <a:r>
-              <a:rPr lang="en-GB" baseline="30000" dirty="0" smtClean="0"/>
+              <a:rPr lang="en-GB" baseline="30000" dirty="0"/>
               <a:t>2</a:t>
             </a:r>
             <a:r>
-              <a:rPr lang="en-GB" baseline="0" dirty="0" smtClean="0"/>
+              <a:rPr lang="en-GB" baseline="0" dirty="0"/>
               <a:t>, 0.15 m/s</a:t>
             </a:r>
             <a:r>
-              <a:rPr lang="en-GB" baseline="30000" dirty="0" smtClean="0"/>
+              <a:rPr lang="en-GB" baseline="30000" dirty="0"/>
               <a:t>2</a:t>
             </a:r>
             <a:r>
-              <a:rPr lang="en-GB" baseline="0" dirty="0" smtClean="0"/>
+              <a:rPr lang="en-GB" baseline="0" dirty="0"/>
               <a:t> b) (-0.50 m/s</a:t>
             </a:r>
             <a:r>
-              <a:rPr lang="en-GB" baseline="30000" dirty="0" smtClean="0"/>
+              <a:rPr lang="en-GB" baseline="30000" dirty="0"/>
               <a:t>2</a:t>
             </a:r>
             <a:r>
-              <a:rPr lang="en-GB" baseline="0" dirty="0" smtClean="0"/>
+              <a:rPr lang="en-GB" baseline="0" dirty="0"/>
               <a:t>)</a:t>
             </a:r>
             <a:r>
-              <a:rPr lang="en-GB" b="1" baseline="0" dirty="0" err="1" smtClean="0"/>
+              <a:rPr lang="en-GB" b="1" baseline="0" dirty="0" err="1"/>
               <a:t>i</a:t>
             </a:r>
             <a:r>
-              <a:rPr lang="en-GB" b="1" baseline="0" dirty="0" smtClean="0"/>
+              <a:rPr lang="en-GB" b="1" baseline="0" dirty="0"/>
               <a:t> </a:t>
             </a:r>
             <a:r>
-              <a:rPr lang="en-GB" b="0" baseline="0" dirty="0" smtClean="0"/>
+              <a:rPr lang="en-GB" b="0" baseline="0" dirty="0"/>
               <a:t>+ </a:t>
             </a:r>
             <a:r>
-              <a:rPr lang="en-GB" baseline="0" dirty="0" smtClean="0"/>
+              <a:rPr lang="en-GB" baseline="0" dirty="0"/>
               <a:t>(0.30 m/s</a:t>
             </a:r>
             <a:r>
-              <a:rPr lang="en-GB" baseline="30000" dirty="0" smtClean="0"/>
+              <a:rPr lang="en-GB" baseline="30000" dirty="0"/>
               <a:t>2</a:t>
             </a:r>
             <a:r>
-              <a:rPr lang="en-GB" b="0" baseline="0" dirty="0" smtClean="0"/>
+              <a:rPr lang="en-GB" b="0" baseline="0" dirty="0"/>
               <a:t>)</a:t>
             </a:r>
             <a:r>
-              <a:rPr lang="en-GB" b="1" baseline="0" dirty="0" smtClean="0"/>
+              <a:rPr lang="en-GB" b="1" baseline="0" dirty="0"/>
               <a:t>j</a:t>
             </a:r>
-            <a:endParaRPr lang="en-GB" b="0" baseline="0" dirty="0" smtClean="0"/>
+            <a:endParaRPr lang="en-GB" b="0" baseline="0" dirty="0"/>
           </a:p>
         </p:txBody>
       </p:sp>
@@ -2096,18 +2096,18 @@
               <a:defRPr/>
             </a:pPr>
             <a:r>
-              <a:rPr lang="en-GB" dirty="0" smtClean="0"/>
+              <a:rPr lang="en-GB" dirty="0"/>
               <a:t>a) (44.4 m, 39.6 m), 24.4 m/s, 24.2</a:t>
             </a:r>
             <a:r>
-              <a:rPr lang="en-GB" baseline="30000" dirty="0" smtClean="0"/>
+              <a:rPr lang="en-GB" baseline="30000" dirty="0"/>
               <a:t>o</a:t>
             </a:r>
             <a:r>
-              <a:rPr lang="en-GB" baseline="0" dirty="0" smtClean="0"/>
+              <a:rPr lang="en-GB" baseline="0" dirty="0"/>
               <a:t> above the horizontal  b) 3.02 s,  44.7 m  c) 134 m</a:t>
             </a:r>
-            <a:endParaRPr lang="en-US" baseline="30000" dirty="0" smtClean="0"/>
+            <a:endParaRPr lang="en-US" baseline="30000" dirty="0"/>
           </a:p>
         </p:txBody>
       </p:sp>
@@ -2203,7 +2203,7 @@
           </a:lstStyle>
           <a:p>
             <a:r>
-              <a:rPr lang="en-US" smtClean="0"/>
+              <a:rPr lang="en-US"/>
               <a:t>Click to edit Master title style</a:t>
             </a:r>
             <a:endParaRPr lang="en-US" dirty="0"/>
@@ -2276,7 +2276,7 @@
           </a:lstStyle>
           <a:p>
             <a:r>
-              <a:rPr lang="en-US" smtClean="0"/>
+              <a:rPr lang="en-US"/>
               <a:t>Click to edit Master subtitle style</a:t>
             </a:r>
             <a:endParaRPr lang="en-US" dirty="0"/>
@@ -2300,7 +2300,7 @@
           <a:p>
             <a:fld id="{C9C4BACD-157C-49D0-94EF-AA1F6A6AD876}" type="datetime1">
               <a:rPr lang="en-US" smtClean="0"/>
-              <a:t>10/6/2018</a:t>
+              <a:t>10/22/2018</a:t>
             </a:fld>
             <a:endParaRPr lang="en-US" dirty="0"/>
           </a:p>
@@ -2394,7 +2394,7 @@
           </a:lstStyle>
           <a:p>
             <a:r>
-              <a:rPr lang="en-US" dirty="0" smtClean="0"/>
+              <a:rPr lang="en-US" dirty="0"/>
               <a:t>Page </a:t>
             </a:r>
             <a:fld id="{8171E6F6-E6A4-4115-9778-B0A1DA8DDBEB}" type="slidenum">
@@ -2416,13 +2416,6 @@
   <p:clrMapOvr>
     <a:masterClrMapping/>
   </p:clrMapOvr>
-  <p:timing>
-    <p:tnLst>
-      <p:par>
-        <p:cTn id="1" dur="indefinite" restart="never" nodeType="tmRoot"/>
-      </p:par>
-    </p:tnLst>
-  </p:timing>
 </p:sldLayout>
 </file>
 
@@ -2459,7 +2452,7 @@
           <a:lstStyle/>
           <a:p>
             <a:r>
-              <a:rPr lang="en-US" smtClean="0"/>
+              <a:rPr lang="en-US"/>
               <a:t>Click to edit Master title style</a:t>
             </a:r>
             <a:endParaRPr lang="en-US" dirty="0"/>
@@ -2483,35 +2476,35 @@
           <a:p>
             <a:pPr lvl="0"/>
             <a:r>
-              <a:rPr lang="en-US" smtClean="0"/>
+              <a:rPr lang="en-US"/>
               <a:t>Edit Master text styles</a:t>
             </a:r>
           </a:p>
           <a:p>
             <a:pPr lvl="1"/>
             <a:r>
-              <a:rPr lang="en-US" smtClean="0"/>
+              <a:rPr lang="en-US"/>
               <a:t>Second level</a:t>
             </a:r>
           </a:p>
           <a:p>
             <a:pPr lvl="2"/>
             <a:r>
-              <a:rPr lang="en-US" smtClean="0"/>
+              <a:rPr lang="en-US"/>
               <a:t>Third level</a:t>
             </a:r>
           </a:p>
           <a:p>
             <a:pPr lvl="3"/>
             <a:r>
-              <a:rPr lang="en-US" smtClean="0"/>
+              <a:rPr lang="en-US"/>
               <a:t>Fourth level</a:t>
             </a:r>
           </a:p>
           <a:p>
             <a:pPr lvl="4"/>
             <a:r>
-              <a:rPr lang="en-US" smtClean="0"/>
+              <a:rPr lang="en-US"/>
               <a:t>Fifth level</a:t>
             </a:r>
             <a:endParaRPr lang="en-US" dirty="0"/>
@@ -2535,7 +2528,7 @@
           <a:p>
             <a:fld id="{2EA1A6BC-11B1-4E16-919A-AFB5EDCD6744}" type="datetime1">
               <a:rPr lang="en-US" smtClean="0"/>
-              <a:t>10/6/2018</a:t>
+              <a:t>10/22/2018</a:t>
             </a:fld>
             <a:endParaRPr lang="en-US" dirty="0"/>
           </a:p>
@@ -2584,7 +2577,7 @@
           </a:lstStyle>
           <a:p>
             <a:r>
-              <a:rPr lang="en-US" smtClean="0"/>
+              <a:rPr lang="en-US"/>
               <a:t>Page </a:t>
             </a:r>
             <a:fld id="{D57F1E4F-1CFF-5643-939E-217C01CDF565}" type="slidenum">
@@ -2606,13 +2599,6 @@
   <p:clrMapOvr>
     <a:masterClrMapping/>
   </p:clrMapOvr>
-  <p:timing>
-    <p:tnLst>
-      <p:par>
-        <p:cTn id="1" dur="indefinite" restart="never" nodeType="tmRoot"/>
-      </p:par>
-    </p:tnLst>
-  </p:timing>
 </p:sldLayout>
 </file>
 
@@ -2654,7 +2640,7 @@
           <a:lstStyle/>
           <a:p>
             <a:r>
-              <a:rPr lang="en-US" smtClean="0"/>
+              <a:rPr lang="en-US"/>
               <a:t>Click to edit Master title style</a:t>
             </a:r>
             <a:endParaRPr lang="en-US" dirty="0"/>
@@ -2683,35 +2669,35 @@
           <a:p>
             <a:pPr lvl="0"/>
             <a:r>
-              <a:rPr lang="en-US" smtClean="0"/>
+              <a:rPr lang="en-US"/>
               <a:t>Edit Master text styles</a:t>
             </a:r>
           </a:p>
           <a:p>
             <a:pPr lvl="1"/>
             <a:r>
-              <a:rPr lang="en-US" smtClean="0"/>
+              <a:rPr lang="en-US"/>
               <a:t>Second level</a:t>
             </a:r>
           </a:p>
           <a:p>
             <a:pPr lvl="2"/>
             <a:r>
-              <a:rPr lang="en-US" smtClean="0"/>
+              <a:rPr lang="en-US"/>
               <a:t>Third level</a:t>
             </a:r>
           </a:p>
           <a:p>
             <a:pPr lvl="3"/>
             <a:r>
-              <a:rPr lang="en-US" smtClean="0"/>
+              <a:rPr lang="en-US"/>
               <a:t>Fourth level</a:t>
             </a:r>
           </a:p>
           <a:p>
             <a:pPr lvl="4"/>
             <a:r>
-              <a:rPr lang="en-US" smtClean="0"/>
+              <a:rPr lang="en-US"/>
               <a:t>Fifth level</a:t>
             </a:r>
             <a:endParaRPr lang="en-US" dirty="0"/>
@@ -2735,7 +2721,7 @@
           <a:p>
             <a:fld id="{7D6B57A0-298C-4132-B714-B2E4F7F5DAD3}" type="datetime1">
               <a:rPr lang="en-US" smtClean="0"/>
-              <a:t>10/6/2018</a:t>
+              <a:t>10/22/2018</a:t>
             </a:fld>
             <a:endParaRPr lang="en-US" dirty="0"/>
           </a:p>
@@ -2794,13 +2780,6 @@
   <p:clrMapOvr>
     <a:masterClrMapping/>
   </p:clrMapOvr>
-  <p:timing>
-    <p:tnLst>
-      <p:par>
-        <p:cTn id="1" dur="indefinite" restart="never" nodeType="tmRoot"/>
-      </p:par>
-    </p:tnLst>
-  </p:timing>
 </p:sldLayout>
 </file>
 
@@ -2848,10 +2827,9 @@
           </a:lstStyle>
           <a:p>
             <a:r>
-              <a:rPr lang="en-US" dirty="0" smtClean="0"/>
+              <a:rPr lang="en-US" dirty="0"/>
               <a:t>Click to edit Master title style</a:t>
             </a:r>
-            <a:endParaRPr lang="en-US" dirty="0"/>
           </a:p>
         </p:txBody>
       </p:sp>
@@ -2937,14 +2915,14 @@
           <a:p>
             <a:pPr lvl="0"/>
             <a:r>
-              <a:rPr lang="en-US" dirty="0" smtClean="0"/>
+              <a:rPr lang="en-US" dirty="0"/>
               <a:t>Edit Master text styles</a:t>
             </a:r>
           </a:p>
           <a:p>
             <a:pPr lvl="1"/>
             <a:r>
-              <a:rPr lang="en-US" dirty="0" smtClean="0"/>
+              <a:rPr lang="en-US" dirty="0"/>
               <a:t>Second level</a:t>
             </a:r>
           </a:p>
@@ -2967,7 +2945,7 @@
           <a:p>
             <a:fld id="{784773E5-5F31-491B-89B9-F93C36036A5D}" type="datetime1">
               <a:rPr lang="en-US" smtClean="0"/>
-              <a:t>10/6/2018</a:t>
+              <a:t>10/22/2018</a:t>
             </a:fld>
             <a:endParaRPr lang="en-US" dirty="0"/>
           </a:p>
@@ -3018,7 +2996,7 @@
           </a:lstStyle>
           <a:p>
             <a:r>
-              <a:rPr lang="en-US" dirty="0" smtClean="0"/>
+              <a:rPr lang="en-US" dirty="0"/>
               <a:t> Page </a:t>
             </a:r>
             <a:fld id="{D57F1E4F-1CFF-5643-939E-217C01CDF565}" type="slidenum">
@@ -3040,13 +3018,6 @@
   <p:clrMapOvr>
     <a:masterClrMapping/>
   </p:clrMapOvr>
-  <p:timing>
-    <p:tnLst>
-      <p:par>
-        <p:cTn id="1" dur="indefinite" restart="never" nodeType="tmRoot"/>
-      </p:par>
-    </p:tnLst>
-  </p:timing>
 </p:sldLayout>
 </file>
 
@@ -3114,10 +3085,9 @@
           </a:lstStyle>
           <a:p>
             <a:r>
-              <a:rPr lang="en-US" dirty="0" smtClean="0"/>
+              <a:rPr lang="en-US" dirty="0"/>
               <a:t>Click to edit Master title style</a:t>
             </a:r>
-            <a:endParaRPr lang="en-US" dirty="0"/>
           </a:p>
         </p:txBody>
       </p:sp>
@@ -3236,7 +3206,7 @@
           <a:p>
             <a:pPr lvl="0"/>
             <a:r>
-              <a:rPr lang="en-US" smtClean="0"/>
+              <a:rPr lang="en-US"/>
               <a:t>Edit Master text styles</a:t>
             </a:r>
           </a:p>
@@ -3259,7 +3229,7 @@
           <a:p>
             <a:fld id="{53800E3F-A486-4059-9240-A559DDCADE81}" type="datetime1">
               <a:rPr lang="en-US" smtClean="0"/>
-              <a:t>10/6/2018</a:t>
+              <a:t>10/22/2018</a:t>
             </a:fld>
             <a:endParaRPr lang="en-US" dirty="0"/>
           </a:p>
@@ -3308,7 +3278,7 @@
           </a:lstStyle>
           <a:p>
             <a:r>
-              <a:rPr lang="en-US" smtClean="0"/>
+              <a:rPr lang="en-US"/>
               <a:t>Page </a:t>
             </a:r>
             <a:fld id="{D57F1E4F-1CFF-5643-939E-217C01CDF565}" type="slidenum">
@@ -3368,13 +3338,6 @@
   <p:clrMapOvr>
     <a:masterClrMapping/>
   </p:clrMapOvr>
-  <p:timing>
-    <p:tnLst>
-      <p:par>
-        <p:cTn id="1" dur="indefinite" restart="never" nodeType="tmRoot"/>
-      </p:par>
-    </p:tnLst>
-  </p:timing>
 </p:sldLayout>
 </file>
 
@@ -3416,7 +3379,7 @@
           <a:lstStyle/>
           <a:p>
             <a:r>
-              <a:rPr lang="en-US" smtClean="0"/>
+              <a:rPr lang="en-US"/>
               <a:t>Click to edit Master title style</a:t>
             </a:r>
             <a:endParaRPr lang="en-US" dirty="0"/>
@@ -3445,35 +3408,35 @@
           <a:p>
             <a:pPr lvl="0"/>
             <a:r>
-              <a:rPr lang="en-US" smtClean="0"/>
+              <a:rPr lang="en-US"/>
               <a:t>Edit Master text styles</a:t>
             </a:r>
           </a:p>
           <a:p>
             <a:pPr lvl="1"/>
             <a:r>
-              <a:rPr lang="en-US" smtClean="0"/>
+              <a:rPr lang="en-US"/>
               <a:t>Second level</a:t>
             </a:r>
           </a:p>
           <a:p>
             <a:pPr lvl="2"/>
             <a:r>
-              <a:rPr lang="en-US" smtClean="0"/>
+              <a:rPr lang="en-US"/>
               <a:t>Third level</a:t>
             </a:r>
           </a:p>
           <a:p>
             <a:pPr lvl="3"/>
             <a:r>
-              <a:rPr lang="en-US" smtClean="0"/>
+              <a:rPr lang="en-US"/>
               <a:t>Fourth level</a:t>
             </a:r>
           </a:p>
           <a:p>
             <a:pPr lvl="4"/>
             <a:r>
-              <a:rPr lang="en-US" smtClean="0"/>
+              <a:rPr lang="en-US"/>
               <a:t>Fifth level</a:t>
             </a:r>
             <a:endParaRPr lang="en-US" dirty="0"/>
@@ -3502,35 +3465,35 @@
           <a:p>
             <a:pPr lvl="0"/>
             <a:r>
-              <a:rPr lang="en-US" smtClean="0"/>
+              <a:rPr lang="en-US"/>
               <a:t>Edit Master text styles</a:t>
             </a:r>
           </a:p>
           <a:p>
             <a:pPr lvl="1"/>
             <a:r>
-              <a:rPr lang="en-US" smtClean="0"/>
+              <a:rPr lang="en-US"/>
               <a:t>Second level</a:t>
             </a:r>
           </a:p>
           <a:p>
             <a:pPr lvl="2"/>
             <a:r>
-              <a:rPr lang="en-US" smtClean="0"/>
+              <a:rPr lang="en-US"/>
               <a:t>Third level</a:t>
             </a:r>
           </a:p>
           <a:p>
             <a:pPr lvl="3"/>
             <a:r>
-              <a:rPr lang="en-US" smtClean="0"/>
+              <a:rPr lang="en-US"/>
               <a:t>Fourth level</a:t>
             </a:r>
           </a:p>
           <a:p>
             <a:pPr lvl="4"/>
             <a:r>
-              <a:rPr lang="en-US" smtClean="0"/>
+              <a:rPr lang="en-US"/>
               <a:t>Fifth level</a:t>
             </a:r>
             <a:endParaRPr lang="en-US" dirty="0"/>
@@ -3554,7 +3517,7 @@
           <a:p>
             <a:fld id="{A9CAAD29-F102-4008-BC34-B05BB0FD2B67}" type="datetime1">
               <a:rPr lang="en-US" smtClean="0"/>
-              <a:t>10/6/2018</a:t>
+              <a:t>10/22/2018</a:t>
             </a:fld>
             <a:endParaRPr lang="en-US" dirty="0"/>
           </a:p>
@@ -3613,13 +3576,6 @@
   <p:clrMapOvr>
     <a:masterClrMapping/>
   </p:clrMapOvr>
-  <p:timing>
-    <p:tnLst>
-      <p:par>
-        <p:cTn id="1" dur="indefinite" restart="never" nodeType="tmRoot"/>
-      </p:par>
-    </p:tnLst>
-  </p:timing>
 </p:sldLayout>
 </file>
 
@@ -3661,7 +3617,7 @@
           <a:lstStyle/>
           <a:p>
             <a:r>
-              <a:rPr lang="en-US" smtClean="0"/>
+              <a:rPr lang="en-US"/>
               <a:t>Click to edit Master title style</a:t>
             </a:r>
             <a:endParaRPr lang="en-US" dirty="0"/>
@@ -3733,7 +3689,7 @@
           <a:p>
             <a:pPr lvl="0"/>
             <a:r>
-              <a:rPr lang="en-US" smtClean="0"/>
+              <a:rPr lang="en-US"/>
               <a:t>Edit Master text styles</a:t>
             </a:r>
           </a:p>
@@ -3761,35 +3717,35 @@
           <a:p>
             <a:pPr lvl="0"/>
             <a:r>
-              <a:rPr lang="en-US" smtClean="0"/>
+              <a:rPr lang="en-US"/>
               <a:t>Edit Master text styles</a:t>
             </a:r>
           </a:p>
           <a:p>
             <a:pPr lvl="1"/>
             <a:r>
-              <a:rPr lang="en-US" smtClean="0"/>
+              <a:rPr lang="en-US"/>
               <a:t>Second level</a:t>
             </a:r>
           </a:p>
           <a:p>
             <a:pPr lvl="2"/>
             <a:r>
-              <a:rPr lang="en-US" smtClean="0"/>
+              <a:rPr lang="en-US"/>
               <a:t>Third level</a:t>
             </a:r>
           </a:p>
           <a:p>
             <a:pPr lvl="3"/>
             <a:r>
-              <a:rPr lang="en-US" smtClean="0"/>
+              <a:rPr lang="en-US"/>
               <a:t>Fourth level</a:t>
             </a:r>
           </a:p>
           <a:p>
             <a:pPr lvl="4"/>
             <a:r>
-              <a:rPr lang="en-US" smtClean="0"/>
+              <a:rPr lang="en-US"/>
               <a:t>Fifth level</a:t>
             </a:r>
             <a:endParaRPr lang="en-US" dirty="0"/>
@@ -3861,7 +3817,7 @@
           <a:p>
             <a:pPr lvl="0"/>
             <a:r>
-              <a:rPr lang="en-US" smtClean="0"/>
+              <a:rPr lang="en-US"/>
               <a:t>Edit Master text styles</a:t>
             </a:r>
           </a:p>
@@ -3889,35 +3845,35 @@
           <a:p>
             <a:pPr lvl="0"/>
             <a:r>
-              <a:rPr lang="en-US" smtClean="0"/>
+              <a:rPr lang="en-US"/>
               <a:t>Edit Master text styles</a:t>
             </a:r>
           </a:p>
           <a:p>
             <a:pPr lvl="1"/>
             <a:r>
-              <a:rPr lang="en-US" smtClean="0"/>
+              <a:rPr lang="en-US"/>
               <a:t>Second level</a:t>
             </a:r>
           </a:p>
           <a:p>
             <a:pPr lvl="2"/>
             <a:r>
-              <a:rPr lang="en-US" smtClean="0"/>
+              <a:rPr lang="en-US"/>
               <a:t>Third level</a:t>
             </a:r>
           </a:p>
           <a:p>
             <a:pPr lvl="3"/>
             <a:r>
-              <a:rPr lang="en-US" smtClean="0"/>
+              <a:rPr lang="en-US"/>
               <a:t>Fourth level</a:t>
             </a:r>
           </a:p>
           <a:p>
             <a:pPr lvl="4"/>
             <a:r>
-              <a:rPr lang="en-US" smtClean="0"/>
+              <a:rPr lang="en-US"/>
               <a:t>Fifth level</a:t>
             </a:r>
             <a:endParaRPr lang="en-US" dirty="0"/>
@@ -3941,7 +3897,7 @@
           <a:p>
             <a:fld id="{D93354DC-EF94-4EEC-9481-FB469B037A91}" type="datetime1">
               <a:rPr lang="en-US" smtClean="0"/>
-              <a:t>10/6/2018</a:t>
+              <a:t>10/22/2018</a:t>
             </a:fld>
             <a:endParaRPr lang="en-US" dirty="0"/>
           </a:p>
@@ -4000,13 +3956,6 @@
   <p:clrMapOvr>
     <a:masterClrMapping/>
   </p:clrMapOvr>
-  <p:timing>
-    <p:tnLst>
-      <p:par>
-        <p:cTn id="1" dur="indefinite" restart="never" nodeType="tmRoot"/>
-      </p:par>
-    </p:tnLst>
-  </p:timing>
 </p:sldLayout>
 </file>
 
@@ -4043,7 +3992,7 @@
           <a:lstStyle/>
           <a:p>
             <a:r>
-              <a:rPr lang="en-US" smtClean="0"/>
+              <a:rPr lang="en-US"/>
               <a:t>Click to edit Master title style</a:t>
             </a:r>
             <a:endParaRPr lang="en-US" dirty="0"/>
@@ -4067,7 +4016,7 @@
           <a:p>
             <a:fld id="{D9254362-7AEE-43C5-AEE4-AC33DABFA22C}" type="datetime1">
               <a:rPr lang="en-US" smtClean="0"/>
-              <a:t>10/6/2018</a:t>
+              <a:t>10/22/2018</a:t>
             </a:fld>
             <a:endParaRPr lang="en-US" dirty="0"/>
           </a:p>
@@ -4116,7 +4065,7 @@
           </a:lstStyle>
           <a:p>
             <a:r>
-              <a:rPr lang="en-US" smtClean="0"/>
+              <a:rPr lang="en-US"/>
               <a:t>Page </a:t>
             </a:r>
             <a:fld id="{D57F1E4F-1CFF-5643-939E-217C01CDF565}" type="slidenum">
@@ -4138,13 +4087,6 @@
   <p:clrMapOvr>
     <a:masterClrMapping/>
   </p:clrMapOvr>
-  <p:timing>
-    <p:tnLst>
-      <p:par>
-        <p:cTn id="1" dur="indefinite" restart="never" nodeType="tmRoot"/>
-      </p:par>
-    </p:tnLst>
-  </p:timing>
 </p:sldLayout>
 </file>
 
@@ -4182,7 +4124,7 @@
           <a:p>
             <a:fld id="{11099A4A-02E7-4A08-B2C5-E4EBFFB64A84}" type="datetime1">
               <a:rPr lang="en-US" smtClean="0"/>
-              <a:t>10/6/2018</a:t>
+              <a:t>10/22/2018</a:t>
             </a:fld>
             <a:endParaRPr lang="en-US" dirty="0"/>
           </a:p>
@@ -4239,7 +4181,7 @@
           </a:lstStyle>
           <a:p>
             <a:r>
-              <a:rPr lang="en-US" smtClean="0"/>
+              <a:rPr lang="en-US"/>
               <a:t>Page </a:t>
             </a:r>
             <a:fld id="{D57F1E4F-1CFF-5643-939E-217C01CDF565}" type="slidenum">
@@ -4261,13 +4203,6 @@
   <p:clrMapOvr>
     <a:masterClrMapping/>
   </p:clrMapOvr>
-  <p:timing>
-    <p:tnLst>
-      <p:par>
-        <p:cTn id="1" dur="indefinite" restart="never" nodeType="tmRoot"/>
-      </p:par>
-    </p:tnLst>
-  </p:timing>
 </p:sldLayout>
 </file>
 
@@ -4395,7 +4330,7 @@
           </a:lstStyle>
           <a:p>
             <a:r>
-              <a:rPr lang="en-US" smtClean="0"/>
+              <a:rPr lang="en-US"/>
               <a:t>Click to edit Master title style</a:t>
             </a:r>
             <a:endParaRPr lang="en-US" dirty="0"/>
@@ -4424,35 +4359,35 @@
           <a:p>
             <a:pPr lvl="0"/>
             <a:r>
-              <a:rPr lang="en-US" smtClean="0"/>
+              <a:rPr lang="en-US"/>
               <a:t>Edit Master text styles</a:t>
             </a:r>
           </a:p>
           <a:p>
             <a:pPr lvl="1"/>
             <a:r>
-              <a:rPr lang="en-US" smtClean="0"/>
+              <a:rPr lang="en-US"/>
               <a:t>Second level</a:t>
             </a:r>
           </a:p>
           <a:p>
             <a:pPr lvl="2"/>
             <a:r>
-              <a:rPr lang="en-US" smtClean="0"/>
+              <a:rPr lang="en-US"/>
               <a:t>Third level</a:t>
             </a:r>
           </a:p>
           <a:p>
             <a:pPr lvl="3"/>
             <a:r>
-              <a:rPr lang="en-US" smtClean="0"/>
+              <a:rPr lang="en-US"/>
               <a:t>Fourth level</a:t>
             </a:r>
           </a:p>
           <a:p>
             <a:pPr lvl="4"/>
             <a:r>
-              <a:rPr lang="en-US" smtClean="0"/>
+              <a:rPr lang="en-US"/>
               <a:t>Fifth level</a:t>
             </a:r>
             <a:endParaRPr lang="en-US" dirty="0"/>
@@ -4524,7 +4459,7 @@
           <a:p>
             <a:pPr lvl="0"/>
             <a:r>
-              <a:rPr lang="en-US" smtClean="0"/>
+              <a:rPr lang="en-US"/>
               <a:t>Edit Master text styles</a:t>
             </a:r>
           </a:p>
@@ -4556,7 +4491,7 @@
           <a:p>
             <a:fld id="{39203F7C-D20A-49F8-B888-2E46A7855A5C}" type="datetime1">
               <a:rPr lang="en-US" smtClean="0"/>
-              <a:t>10/6/2018</a:t>
+              <a:t>10/22/2018</a:t>
             </a:fld>
             <a:endParaRPr lang="en-US" dirty="0"/>
           </a:p>
@@ -4636,13 +4571,6 @@
   <p:clrMapOvr>
     <a:masterClrMapping/>
   </p:clrMapOvr>
-  <p:timing>
-    <p:tnLst>
-      <p:par>
-        <p:cTn id="1" dur="indefinite" restart="never" nodeType="tmRoot"/>
-      </p:par>
-    </p:tnLst>
-  </p:timing>
 </p:sldLayout>
 </file>
 
@@ -4770,7 +4698,7 @@
           </a:lstStyle>
           <a:p>
             <a:r>
-              <a:rPr lang="en-US" smtClean="0"/>
+              <a:rPr lang="en-US"/>
               <a:t>Click to edit Master title style</a:t>
             </a:r>
             <a:endParaRPr lang="en-US" dirty="0"/>
@@ -4845,7 +4773,7 @@
           </a:lstStyle>
           <a:p>
             <a:r>
-              <a:rPr lang="en-US" smtClean="0"/>
+              <a:rPr lang="en-US"/>
               <a:t>Click icon to add picture</a:t>
             </a:r>
             <a:endParaRPr lang="en-US" dirty="0"/>
@@ -4923,7 +4851,7 @@
           <a:p>
             <a:pPr lvl="0"/>
             <a:r>
-              <a:rPr lang="en-US" smtClean="0"/>
+              <a:rPr lang="en-US"/>
               <a:t>Edit Master text styles</a:t>
             </a:r>
           </a:p>
@@ -4946,7 +4874,7 @@
           <a:p>
             <a:fld id="{748DD5FD-15BD-4496-BE9E-D1DBB8EB5739}" type="datetime1">
               <a:rPr lang="en-US" smtClean="0"/>
-              <a:t>10/6/2018</a:t>
+              <a:t>10/22/2018</a:t>
             </a:fld>
             <a:endParaRPr lang="en-US" dirty="0"/>
           </a:p>
@@ -5005,13 +4933,6 @@
   <p:clrMapOvr>
     <a:masterClrMapping/>
   </p:clrMapOvr>
-  <p:timing>
-    <p:tnLst>
-      <p:par>
-        <p:cTn id="1" dur="indefinite" restart="never" nodeType="tmRoot"/>
-      </p:par>
-    </p:tnLst>
-  </p:timing>
 </p:sldLayout>
 </file>
 
@@ -5063,10 +4984,9 @@
           <a:lstStyle/>
           <a:p>
             <a:r>
-              <a:rPr lang="en-US" dirty="0" smtClean="0"/>
+              <a:rPr lang="en-US" dirty="0"/>
               <a:t>Click to edit Master title style</a:t>
             </a:r>
-            <a:endParaRPr lang="en-US" dirty="0"/>
           </a:p>
         </p:txBody>
       </p:sp>
@@ -5097,38 +5017,37 @@
           <a:p>
             <a:pPr lvl="0"/>
             <a:r>
-              <a:rPr lang="en-US" dirty="0" smtClean="0"/>
+              <a:rPr lang="en-US" dirty="0"/>
               <a:t>Edit Master text styles</a:t>
             </a:r>
           </a:p>
           <a:p>
             <a:pPr lvl="1"/>
             <a:r>
-              <a:rPr lang="en-US" dirty="0" smtClean="0"/>
+              <a:rPr lang="en-US" dirty="0"/>
               <a:t>Second level</a:t>
             </a:r>
           </a:p>
           <a:p>
             <a:pPr lvl="2"/>
             <a:r>
-              <a:rPr lang="en-US" dirty="0" smtClean="0"/>
+              <a:rPr lang="en-US" dirty="0"/>
               <a:t>Third level</a:t>
             </a:r>
           </a:p>
           <a:p>
             <a:pPr lvl="3"/>
             <a:r>
-              <a:rPr lang="en-US" dirty="0" smtClean="0"/>
+              <a:rPr lang="en-US" dirty="0"/>
               <a:t>Fourth level</a:t>
             </a:r>
           </a:p>
           <a:p>
             <a:pPr lvl="4"/>
             <a:r>
-              <a:rPr lang="en-US" dirty="0" smtClean="0"/>
+              <a:rPr lang="en-US" dirty="0"/>
               <a:t>Fifth level</a:t>
             </a:r>
-            <a:endParaRPr lang="en-US" dirty="0"/>
           </a:p>
         </p:txBody>
       </p:sp>
@@ -5165,7 +5084,7 @@
           <a:p>
             <a:fld id="{4D3E5F9C-F2B8-4D4B-8FB9-614589F410D4}" type="datetime1">
               <a:rPr lang="en-US" smtClean="0"/>
-              <a:t>10/6/2018</a:t>
+              <a:t>10/22/2018</a:t>
             </a:fld>
             <a:endParaRPr lang="en-US" dirty="0"/>
           </a:p>
@@ -5302,13 +5221,6 @@
     <p:sldLayoutId id="2147483675" r:id="rId10"/>
     <p:sldLayoutId id="2147483676" r:id="rId11"/>
   </p:sldLayoutIdLst>
-  <p:timing>
-    <p:tnLst>
-      <p:par>
-        <p:cTn id="1" dur="indefinite" restart="never" nodeType="tmRoot"/>
-      </p:par>
-    </p:tnLst>
-  </p:timing>
   <p:hf hdr="0" ftr="0" dt="0"/>
   <p:txStyles>
     <p:titleStyle>
@@ -5737,10 +5649,9 @@
           <a:lstStyle/>
           <a:p>
             <a:r>
-              <a:rPr lang="en-SG" dirty="0" smtClean="0"/>
+              <a:rPr lang="en-SG" dirty="0"/>
               <a:t>Kinematics</a:t>
             </a:r>
-            <a:endParaRPr lang="en-SG" dirty="0"/>
           </a:p>
         </p:txBody>
       </p:sp>
@@ -5760,7 +5671,7 @@
           <a:lstStyle/>
           <a:p>
             <a:r>
-              <a:rPr lang="en-US" smtClean="0"/>
+              <a:rPr lang="en-US"/>
               <a:t>Page </a:t>
             </a:r>
             <a:fld id="{8171E6F6-E6A4-4115-9778-B0A1DA8DDBEB}" type="slidenum">
@@ -5782,13 +5693,6 @@
   <p:clrMapOvr>
     <a:masterClrMapping/>
   </p:clrMapOvr>
-  <p:timing>
-    <p:tnLst>
-      <p:par>
-        <p:cTn id="1" dur="indefinite" restart="never" nodeType="tmRoot"/>
-      </p:par>
-    </p:tnLst>
-  </p:timing>
 </p:sld>
 </file>
 
@@ -5867,7 +5771,7 @@
           <a:lstStyle/>
           <a:p>
             <a:r>
-              <a:rPr lang="en-US" smtClean="0"/>
+              <a:rPr lang="en-US"/>
               <a:t> Page </a:t>
             </a:r>
             <a:fld id="{D57F1E4F-1CFF-5643-939E-217C01CDF565}" type="slidenum">
@@ -5901,7 +5805,7 @@
           <a:graphicData uri="http://schemas.openxmlformats.org/presentationml/2006/ole">
             <mc:AlternateContent xmlns:mc="http://schemas.openxmlformats.org/markup-compatibility/2006">
               <mc:Choice xmlns:v="urn:schemas-microsoft-com:vml" Requires="v">
-                <p:oleObj spid="_x0000_s305362" name="Equation" r:id="rId3" imgW="3213000" imgH="711000" progId="Equation.DSMT4">
+                <p:oleObj spid="_x0000_s305390" name="Equation" r:id="rId3" imgW="3213000" imgH="711000" progId="Equation.DSMT4">
                   <p:embed/>
                 </p:oleObj>
               </mc:Choice>
@@ -5964,7 +5868,7 @@
           <a:graphicData uri="http://schemas.openxmlformats.org/presentationml/2006/ole">
             <mc:AlternateContent xmlns:mc="http://schemas.openxmlformats.org/markup-compatibility/2006">
               <mc:Choice xmlns:v="urn:schemas-microsoft-com:vml" Requires="v">
-                <p:oleObj spid="_x0000_s305363" name="Equation" r:id="rId5" imgW="3390840" imgH="711000" progId="Equation.DSMT4">
+                <p:oleObj spid="_x0000_s305391" name="Equation" r:id="rId5" imgW="3390840" imgH="711000" progId="Equation.DSMT4">
                   <p:embed/>
                 </p:oleObj>
               </mc:Choice>
@@ -6541,7 +6445,7 @@
             <a:graphicData uri="http://schemas.openxmlformats.org/presentationml/2006/ole">
               <mc:AlternateContent xmlns:mc="http://schemas.openxmlformats.org/markup-compatibility/2006">
                 <mc:Choice xmlns:v="urn:schemas-microsoft-com:vml" Requires="v">
-                  <p:oleObj spid="_x0000_s305364" name="Equation" r:id="rId8" imgW="342720" imgH="317160" progId="Equation.DSMT4">
+                  <p:oleObj spid="_x0000_s305392" name="Equation" r:id="rId8" imgW="342720" imgH="317160" progId="Equation.DSMT4">
                     <p:embed/>
                   </p:oleObj>
                 </mc:Choice>
@@ -7125,7 +7029,7 @@
             <a:graphicData uri="http://schemas.openxmlformats.org/presentationml/2006/ole">
               <mc:AlternateContent xmlns:mc="http://schemas.openxmlformats.org/markup-compatibility/2006">
                 <mc:Choice xmlns:v="urn:schemas-microsoft-com:vml" Requires="v">
-                  <p:oleObj spid="_x0000_s305365" name="Equation" r:id="rId10" imgW="482400" imgH="317160" progId="Equation.DSMT4">
+                  <p:oleObj spid="_x0000_s305393" name="Equation" r:id="rId10" imgW="482400" imgH="317160" progId="Equation.DSMT4">
                     <p:embed/>
                   </p:oleObj>
                 </mc:Choice>
@@ -7177,13 +7081,6 @@
   <p:clrMapOvr>
     <a:masterClrMapping/>
   </p:clrMapOvr>
-  <p:timing>
-    <p:tnLst>
-      <p:par>
-        <p:cTn id="1" dur="indefinite" restart="never" nodeType="tmRoot"/>
-      </p:par>
-    </p:tnLst>
-  </p:timing>
 </p:sld>
 </file>
 
@@ -7368,7 +7265,7 @@
           <a:lstStyle/>
           <a:p>
             <a:r>
-              <a:rPr lang="en-US" smtClean="0"/>
+              <a:rPr lang="en-US"/>
               <a:t> Page </a:t>
             </a:r>
             <a:fld id="{D57F1E4F-1CFF-5643-939E-217C01CDF565}" type="slidenum">
@@ -7422,13 +7319,6 @@
   <p:clrMapOvr>
     <a:masterClrMapping/>
   </p:clrMapOvr>
-  <p:timing>
-    <p:tnLst>
-      <p:par>
-        <p:cTn id="1" dur="indefinite" restart="never" nodeType="tmRoot"/>
-      </p:par>
-    </p:tnLst>
-  </p:timing>
 </p:sld>
 </file>
 
@@ -7625,7 +7515,7 @@
           <a:lstStyle/>
           <a:p>
             <a:r>
-              <a:rPr lang="en-US" smtClean="0"/>
+              <a:rPr lang="en-US"/>
               <a:t> Page </a:t>
             </a:r>
             <a:fld id="{D57F1E4F-1CFF-5643-939E-217C01CDF565}" type="slidenum">
@@ -7659,7 +7549,7 @@
           <a:graphicData uri="http://schemas.openxmlformats.org/presentationml/2006/ole">
             <mc:AlternateContent xmlns:mc="http://schemas.openxmlformats.org/markup-compatibility/2006">
               <mc:Choice xmlns:v="urn:schemas-microsoft-com:vml" Requires="v">
-                <p:oleObj spid="_x0000_s306229" name="Equation" r:id="rId3" imgW="2070000" imgH="787320" progId="Equation.DSMT4">
+                <p:oleObj spid="_x0000_s306236" name="Equation" r:id="rId3" imgW="2070000" imgH="787320" progId="Equation.DSMT4">
                   <p:embed/>
                 </p:oleObj>
               </mc:Choice>
@@ -7742,13 +7632,6 @@
   <p:clrMapOvr>
     <a:masterClrMapping/>
   </p:clrMapOvr>
-  <p:timing>
-    <p:tnLst>
-      <p:par>
-        <p:cTn id="1" dur="indefinite" restart="never" nodeType="tmRoot"/>
-      </p:par>
-    </p:tnLst>
-  </p:timing>
 </p:sld>
 </file>
 
@@ -7933,7 +7816,7 @@
           <a:lstStyle/>
           <a:p>
             <a:r>
-              <a:rPr lang="en-US" smtClean="0"/>
+              <a:rPr lang="en-US"/>
               <a:t> Page </a:t>
             </a:r>
             <a:fld id="{D57F1E4F-1CFF-5643-939E-217C01CDF565}" type="slidenum">
@@ -7987,13 +7870,6 @@
   <p:clrMapOvr>
     <a:masterClrMapping/>
   </p:clrMapOvr>
-  <p:timing>
-    <p:tnLst>
-      <p:par>
-        <p:cTn id="1" dur="indefinite" restart="never" nodeType="tmRoot"/>
-      </p:par>
-    </p:tnLst>
-  </p:timing>
 </p:sld>
 </file>
 
@@ -8246,7 +8122,7 @@
           <a:lstStyle/>
           <a:p>
             <a:r>
-              <a:rPr lang="en-US" smtClean="0"/>
+              <a:rPr lang="en-US"/>
               <a:t> Page </a:t>
             </a:r>
             <a:fld id="{D57F1E4F-1CFF-5643-939E-217C01CDF565}" type="slidenum">
@@ -8280,7 +8156,7 @@
           <a:graphicData uri="http://schemas.openxmlformats.org/presentationml/2006/ole">
             <mc:AlternateContent xmlns:mc="http://schemas.openxmlformats.org/markup-compatibility/2006">
               <mc:Choice xmlns:v="urn:schemas-microsoft-com:vml" Requires="v">
-                <p:oleObj spid="_x0000_s307251" name="Equation" r:id="rId3" imgW="6108480" imgH="2565360" progId="Equation.DSMT4">
+                <p:oleObj spid="_x0000_s307258" name="Equation" r:id="rId3" imgW="6108480" imgH="2565360" progId="Equation.DSMT4">
                   <p:embed/>
                 </p:oleObj>
               </mc:Choice>
@@ -8331,13 +8207,6 @@
   <p:clrMapOvr>
     <a:masterClrMapping/>
   </p:clrMapOvr>
-  <p:timing>
-    <p:tnLst>
-      <p:par>
-        <p:cTn id="1" dur="indefinite" restart="never" nodeType="tmRoot"/>
-      </p:par>
-    </p:tnLst>
-  </p:timing>
 </p:sld>
 </file>
 
@@ -8445,20 +8314,12 @@
               <a:rPr lang="en-GB" sz="2000" dirty="0"/>
               <a:t>. </a:t>
             </a:r>
-            <a:r>
-              <a:rPr lang="en-GB" sz="2000" dirty="0" smtClean="0"/>
-              <a:t/>
-            </a:r>
             <a:br>
-              <a:rPr lang="en-GB" sz="2000" dirty="0" smtClean="0"/>
+              <a:rPr lang="en-GB" sz="2000" dirty="0"/>
             </a:br>
             <a:r>
-              <a:rPr lang="en-GB" sz="2000" dirty="0" smtClean="0"/>
-              <a:t>a</a:t>
-            </a:r>
-            <a:r>
               <a:rPr lang="en-GB" sz="2000" dirty="0"/>
-              <a:t>)	What is</a:t>
+              <a:t>a)	What is</a:t>
             </a:r>
             <a:endParaRPr lang="en-GB" sz="2000" baseline="30000" dirty="0"/>
           </a:p>
@@ -8621,12 +8482,8 @@
               </a:tabLst>
             </a:pPr>
             <a:r>
-              <a:rPr lang="en-GB" sz="2000" dirty="0" smtClean="0"/>
-              <a:t>b)</a:t>
-            </a:r>
-            <a:r>
               <a:rPr lang="en-GB" sz="2000" dirty="0"/>
-              <a:t>	Instantaneous velocity function = 6</a:t>
+              <a:t>b)	Instantaneous velocity function = 6</a:t>
             </a:r>
             <a:r>
               <a:rPr lang="en-GB" sz="2000" i="1" dirty="0"/>
@@ -8691,7 +8548,7 @@
           <a:lstStyle/>
           <a:p>
             <a:r>
-              <a:rPr lang="en-US" smtClean="0"/>
+              <a:rPr lang="en-US"/>
               <a:t> Page </a:t>
             </a:r>
             <a:fld id="{D57F1E4F-1CFF-5643-939E-217C01CDF565}" type="slidenum">
@@ -8725,7 +8582,7 @@
           <a:graphicData uri="http://schemas.openxmlformats.org/presentationml/2006/ole">
             <mc:AlternateContent xmlns:mc="http://schemas.openxmlformats.org/markup-compatibility/2006">
               <mc:Choice xmlns:v="urn:schemas-microsoft-com:vml" Requires="v">
-                <p:oleObj spid="_x0000_s308373" name="Equation" r:id="rId3" imgW="3098520" imgH="406080" progId="Equation.DSMT4">
+                <p:oleObj spid="_x0000_s308394" name="Equation" r:id="rId3" imgW="3098520" imgH="406080" progId="Equation.DSMT4">
                   <p:embed/>
                 </p:oleObj>
               </mc:Choice>
@@ -8788,7 +8645,7 @@
           <a:graphicData uri="http://schemas.openxmlformats.org/presentationml/2006/ole">
             <mc:AlternateContent xmlns:mc="http://schemas.openxmlformats.org/markup-compatibility/2006">
               <mc:Choice xmlns:v="urn:schemas-microsoft-com:vml" Requires="v">
-                <p:oleObj spid="_x0000_s308374" name="Equation" r:id="rId5" imgW="1549080" imgH="380880" progId="Equation.DSMT4">
+                <p:oleObj spid="_x0000_s308395" name="Equation" r:id="rId5" imgW="1549080" imgH="380880" progId="Equation.DSMT4">
                   <p:embed/>
                 </p:oleObj>
               </mc:Choice>
@@ -8851,7 +8708,7 @@
           <a:graphicData uri="http://schemas.openxmlformats.org/presentationml/2006/ole">
             <mc:AlternateContent xmlns:mc="http://schemas.openxmlformats.org/markup-compatibility/2006">
               <mc:Choice xmlns:v="urn:schemas-microsoft-com:vml" Requires="v">
-                <p:oleObj spid="_x0000_s308375" name="Equation" r:id="rId7" imgW="1701720" imgH="380880" progId="Equation.DSMT4">
+                <p:oleObj spid="_x0000_s308396" name="Equation" r:id="rId7" imgW="1701720" imgH="380880" progId="Equation.DSMT4">
                   <p:embed/>
                 </p:oleObj>
               </mc:Choice>
@@ -8902,13 +8759,6 @@
   <p:clrMapOvr>
     <a:masterClrMapping/>
   </p:clrMapOvr>
-  <p:timing>
-    <p:tnLst>
-      <p:par>
-        <p:cTn id="1" dur="indefinite" restart="never" nodeType="tmRoot"/>
-      </p:par>
-    </p:tnLst>
-  </p:timing>
 </p:sld>
 </file>
 
@@ -9000,24 +8850,16 @@
               <a:t>average </a:t>
             </a:r>
             <a:r>
-              <a:rPr lang="en-US" dirty="0" smtClean="0"/>
+              <a:rPr lang="en-US" dirty="0"/>
               <a:t>acceleration</a:t>
             </a:r>
             <a:r>
-              <a:rPr lang="en-US" dirty="0" smtClean="0">
+              <a:rPr lang="en-US" dirty="0">
                 <a:solidFill>
                   <a:schemeClr val="tx1"/>
                 </a:solidFill>
               </a:rPr>
-              <a:t> </a:t>
-            </a:r>
-            <a:r>
-              <a:rPr lang="en-US" dirty="0">
-                <a:solidFill>
-                  <a:schemeClr val="tx1"/>
-                </a:solidFill>
-              </a:rPr>
-              <a:t>is defined as the change in </a:t>
+              <a:t> is defined as the change in </a:t>
             </a:r>
             <a:r>
               <a:rPr lang="en-US" dirty="0">
@@ -9070,20 +8912,12 @@
               <a:buChar char=""/>
             </a:pPr>
             <a:r>
-              <a:rPr lang="en-US" sz="2400" dirty="0" smtClean="0">
+              <a:rPr lang="en-US" sz="2400" dirty="0">
                 <a:solidFill>
                   <a:schemeClr val="tx1"/>
                 </a:solidFill>
               </a:rPr>
-              <a:t>Hence </a:t>
-            </a:r>
-            <a:r>
-              <a:rPr lang="en-US" sz="2400" dirty="0">
-                <a:solidFill>
-                  <a:schemeClr val="tx1"/>
-                </a:solidFill>
-              </a:rPr>
-              <a:t>average acceleration </a:t>
+              <a:t>Hence average acceleration </a:t>
             </a:r>
             <a:r>
               <a:rPr lang="en-US" sz="2400" dirty="0">
@@ -9117,37 +8951,24 @@
                   <a:schemeClr val="tx1"/>
                 </a:solidFill>
               </a:rPr>
-              <a:t>The SI unit of average acceleration is </a:t>
-            </a:r>
-            <a:r>
-              <a:rPr lang="en-US" sz="2400" dirty="0" smtClean="0">
+              <a:t>The SI unit of average acceleration is m/s</a:t>
+            </a:r>
+            <a:r>
+              <a:rPr lang="en-US" sz="2400" baseline="30000" dirty="0">
                 <a:solidFill>
                   <a:schemeClr val="tx1"/>
                 </a:solidFill>
               </a:rPr>
-              <a:t>m/s</a:t>
-            </a:r>
-            <a:r>
-              <a:rPr lang="en-US" sz="2400" baseline="30000" dirty="0" smtClean="0">
+              <a:t>2</a:t>
+            </a:r>
+            <a:r>
+              <a:rPr lang="en-US" sz="2400" dirty="0">
                 <a:solidFill>
                   <a:schemeClr val="tx1"/>
                 </a:solidFill>
               </a:rPr>
-              <a:t>2</a:t>
-            </a:r>
-            <a:r>
-              <a:rPr lang="en-US" sz="2400" dirty="0" smtClean="0">
-                <a:solidFill>
-                  <a:schemeClr val="tx1"/>
-                </a:solidFill>
-              </a:rPr>
               <a:t>.</a:t>
             </a:r>
-            <a:endParaRPr lang="en-US" sz="2400" dirty="0">
-              <a:solidFill>
-                <a:schemeClr val="tx1"/>
-              </a:solidFill>
-            </a:endParaRPr>
           </a:p>
           <a:p>
             <a:pPr marL="381000" lvl="1" indent="-381000">
@@ -9180,15 +9001,7 @@
                   <a:schemeClr val="tx1"/>
                 </a:solidFill>
               </a:rPr>
-              <a:t>, then the acceleration is constant and written as     </a:t>
-            </a:r>
-            <a:r>
-              <a:rPr lang="en-US" sz="2400" dirty="0" smtClean="0">
-                <a:solidFill>
-                  <a:schemeClr val="tx1"/>
-                </a:solidFill>
-              </a:rPr>
-              <a:t>.</a:t>
+              <a:t>, then the acceleration is constant and written as     .</a:t>
             </a:r>
             <a:endParaRPr lang="en-GB" sz="2400" dirty="0">
               <a:solidFill>
@@ -9217,7 +9030,7 @@
           <a:lstStyle/>
           <a:p>
             <a:r>
-              <a:rPr lang="en-US" smtClean="0"/>
+              <a:rPr lang="en-US"/>
               <a:t> Page </a:t>
             </a:r>
             <a:fld id="{D57F1E4F-1CFF-5643-939E-217C01CDF565}" type="slidenum">
@@ -9251,7 +9064,7 @@
           <a:graphicData uri="http://schemas.openxmlformats.org/presentationml/2006/ole">
             <mc:AlternateContent xmlns:mc="http://schemas.openxmlformats.org/markup-compatibility/2006">
               <mc:Choice xmlns:v="urn:schemas-microsoft-com:vml" Requires="v">
-                <p:oleObj spid="_x0000_s309398" name="Equation" r:id="rId3" imgW="2806560" imgH="863280" progId="Equation.DSMT4">
+                <p:oleObj spid="_x0000_s309419" name="Equation" r:id="rId3" imgW="2806560" imgH="863280" progId="Equation.DSMT4">
                   <p:embed/>
                 </p:oleObj>
               </mc:Choice>
@@ -9314,7 +9127,7 @@
           <a:graphicData uri="http://schemas.openxmlformats.org/presentationml/2006/ole">
             <mc:AlternateContent xmlns:mc="http://schemas.openxmlformats.org/markup-compatibility/2006">
               <mc:Choice xmlns:v="urn:schemas-microsoft-com:vml" Requires="v">
-                <p:oleObj spid="_x0000_s309399" name="Equation" r:id="rId5" imgW="482400" imgH="380880" progId="Equation.DSMT4">
+                <p:oleObj spid="_x0000_s309420" name="Equation" r:id="rId5" imgW="482400" imgH="380880" progId="Equation.DSMT4">
                   <p:embed/>
                 </p:oleObj>
               </mc:Choice>
@@ -9377,7 +9190,7 @@
           <a:graphicData uri="http://schemas.openxmlformats.org/presentationml/2006/ole">
             <mc:AlternateContent xmlns:mc="http://schemas.openxmlformats.org/markup-compatibility/2006">
               <mc:Choice xmlns:v="urn:schemas-microsoft-com:vml" Requires="v">
-                <p:oleObj spid="_x0000_s309400" name="Equation" r:id="rId7" imgW="317160" imgH="380880" progId="Equation.DSMT4">
+                <p:oleObj spid="_x0000_s309421" name="Equation" r:id="rId7" imgW="317160" imgH="380880" progId="Equation.DSMT4">
                   <p:embed/>
                 </p:oleObj>
               </mc:Choice>
@@ -9428,13 +9241,6 @@
   <p:clrMapOvr>
     <a:masterClrMapping/>
   </p:clrMapOvr>
-  <p:timing>
-    <p:tnLst>
-      <p:par>
-        <p:cTn id="1" dur="indefinite" restart="never" nodeType="tmRoot"/>
-      </p:par>
-    </p:tnLst>
-  </p:timing>
 </p:sld>
 </file>
 
@@ -9472,11 +9278,7 @@
           <a:p>
             <a:r>
               <a:rPr lang="en-US" dirty="0"/>
-              <a:t>Equation of motion </a:t>
-            </a:r>
-            <a:r>
-              <a:rPr lang="en-US" dirty="0" smtClean="0"/>
-              <a:t>(constant acceleration)</a:t>
+              <a:t>Equation of motion (constant acceleration)</a:t>
             </a:r>
             <a:endParaRPr lang="en-SG" dirty="0"/>
           </a:p>
@@ -9734,7 +9536,7 @@
           <a:lstStyle/>
           <a:p>
             <a:r>
-              <a:rPr lang="en-US" smtClean="0"/>
+              <a:rPr lang="en-US"/>
               <a:t> Page </a:t>
             </a:r>
             <a:fld id="{D57F1E4F-1CFF-5643-939E-217C01CDF565}" type="slidenum">
@@ -9768,7 +9570,7 @@
           <a:graphicData uri="http://schemas.openxmlformats.org/presentationml/2006/ole">
             <mc:AlternateContent xmlns:mc="http://schemas.openxmlformats.org/markup-compatibility/2006">
               <mc:Choice xmlns:v="urn:schemas-microsoft-com:vml" Requires="v">
-                <p:oleObj spid="_x0000_s310362" name="Equation" r:id="rId3" imgW="1511280" imgH="723600" progId="Equation.DSMT4">
+                <p:oleObj spid="_x0000_s310376" name="Equation" r:id="rId3" imgW="1511280" imgH="723600" progId="Equation.DSMT4">
                   <p:embed/>
                 </p:oleObj>
               </mc:Choice>
@@ -9831,7 +9633,7 @@
           <a:graphicData uri="http://schemas.openxmlformats.org/presentationml/2006/ole">
             <mc:AlternateContent xmlns:mc="http://schemas.openxmlformats.org/markup-compatibility/2006">
               <mc:Choice xmlns:v="urn:schemas-microsoft-com:vml" Requires="v">
-                <p:oleObj spid="_x0000_s310363" name="Equation" r:id="rId5" imgW="3517560" imgH="380880" progId="Equation.DSMT4">
+                <p:oleObj spid="_x0000_s310377" name="Equation" r:id="rId5" imgW="3517560" imgH="380880" progId="Equation.DSMT4">
                   <p:embed/>
                 </p:oleObj>
               </mc:Choice>
@@ -9882,13 +9684,6 @@
   <p:clrMapOvr>
     <a:masterClrMapping/>
   </p:clrMapOvr>
-  <p:timing>
-    <p:tnLst>
-      <p:par>
-        <p:cTn id="1" dur="indefinite" restart="never" nodeType="tmRoot"/>
-      </p:par>
-    </p:tnLst>
-  </p:timing>
 </p:sld>
 </file>
 
@@ -9926,11 +9721,7 @@
           <a:p>
             <a:r>
               <a:rPr lang="en-US" dirty="0"/>
-              <a:t>Equation of motion </a:t>
-            </a:r>
-            <a:r>
-              <a:rPr lang="en-US" dirty="0" smtClean="0"/>
-              <a:t>(constant acceleration)</a:t>
+              <a:t>Equation of motion (constant acceleration)</a:t>
             </a:r>
             <a:endParaRPr lang="en-SG" dirty="0"/>
           </a:p>
@@ -10114,12 +9905,8 @@
               </a:lnSpc>
             </a:pPr>
             <a:r>
-              <a:rPr lang="en-GB" dirty="0" smtClean="0"/>
-              <a:t>Since </a:t>
-            </a:r>
-            <a:r>
               <a:rPr lang="en-GB" dirty="0"/>
-              <a:t>the acceleration is constant, </a:t>
+              <a:t>Since the acceleration is constant, </a:t>
             </a:r>
             <a:r>
               <a:rPr lang="en-GB" i="1" dirty="0" err="1"/>
@@ -10139,14 +9926,13 @@
             </a:r>
           </a:p>
           <a:p>
-            <a:endParaRPr lang="en-SG" dirty="0" smtClean="0"/>
-          </a:p>
-          <a:p>
-            <a:r>
-              <a:rPr lang="en-SG" dirty="0" smtClean="0"/>
+            <a:endParaRPr lang="en-SG" dirty="0"/>
+          </a:p>
+          <a:p>
+            <a:r>
+              <a:rPr lang="en-SG" dirty="0"/>
               <a:t>Hence</a:t>
             </a:r>
-            <a:endParaRPr lang="en-SG" dirty="0"/>
           </a:p>
         </p:txBody>
       </p:sp>
@@ -10166,7 +9952,7 @@
           <a:lstStyle/>
           <a:p>
             <a:r>
-              <a:rPr lang="en-US" smtClean="0"/>
+              <a:rPr lang="en-US"/>
               <a:t> Page </a:t>
             </a:r>
             <a:fld id="{D57F1E4F-1CFF-5643-939E-217C01CDF565}" type="slidenum">
@@ -10200,7 +9986,7 @@
           <a:graphicData uri="http://schemas.openxmlformats.org/presentationml/2006/ole">
             <mc:AlternateContent xmlns:mc="http://schemas.openxmlformats.org/markup-compatibility/2006">
               <mc:Choice xmlns:v="urn:schemas-microsoft-com:vml" Requires="v">
-                <p:oleObj spid="_x0000_s311427" name="Equation" r:id="rId3" imgW="1942920" imgH="723600" progId="Equation.DSMT4">
+                <p:oleObj spid="_x0000_s311448" name="Equation" r:id="rId3" imgW="1942920" imgH="723600" progId="Equation.DSMT4">
                   <p:embed/>
                 </p:oleObj>
               </mc:Choice>
@@ -10263,7 +10049,7 @@
           <a:graphicData uri="http://schemas.openxmlformats.org/presentationml/2006/ole">
             <mc:AlternateContent xmlns:mc="http://schemas.openxmlformats.org/markup-compatibility/2006">
               <mc:Choice xmlns:v="urn:schemas-microsoft-com:vml" Requires="v">
-                <p:oleObj spid="_x0000_s311428" name="Equation" r:id="rId5" imgW="2387520" imgH="723600" progId="Equation.DSMT4">
+                <p:oleObj spid="_x0000_s311449" name="Equation" r:id="rId5" imgW="2387520" imgH="723600" progId="Equation.DSMT4">
                   <p:embed/>
                 </p:oleObj>
               </mc:Choice>
@@ -10326,7 +10112,7 @@
           <a:graphicData uri="http://schemas.openxmlformats.org/presentationml/2006/ole">
             <mc:AlternateContent xmlns:mc="http://schemas.openxmlformats.org/markup-compatibility/2006">
               <mc:Choice xmlns:v="urn:schemas-microsoft-com:vml" Requires="v">
-                <p:oleObj spid="_x0000_s311429" name="Equation" r:id="rId7" imgW="2641320" imgH="723600" progId="Equation.DSMT4">
+                <p:oleObj spid="_x0000_s311450" name="Equation" r:id="rId7" imgW="2641320" imgH="723600" progId="Equation.DSMT4">
                   <p:embed/>
                 </p:oleObj>
               </mc:Choice>
@@ -10377,13 +10163,6 @@
   <p:clrMapOvr>
     <a:masterClrMapping/>
   </p:clrMapOvr>
-  <p:timing>
-    <p:tnLst>
-      <p:par>
-        <p:cTn id="1" dur="indefinite" restart="never" nodeType="tmRoot"/>
-      </p:par>
-    </p:tnLst>
-  </p:timing>
 </p:sld>
 </file>
 
@@ -10421,11 +10200,7 @@
           <a:p>
             <a:r>
               <a:rPr lang="en-US" dirty="0"/>
-              <a:t>Equation of motion </a:t>
-            </a:r>
-            <a:r>
-              <a:rPr lang="en-US" dirty="0" smtClean="0"/>
-              <a:t>(constant acceleration)</a:t>
+              <a:t>Equation of motion (constant acceleration)</a:t>
             </a:r>
             <a:endParaRPr lang="en-SG" dirty="0"/>
           </a:p>
@@ -10471,12 +10246,8 @@
               </a:lnSpc>
             </a:pPr>
             <a:r>
-              <a:rPr lang="en-GB" dirty="0" smtClean="0"/>
-              <a:t>Using </a:t>
-            </a:r>
-            <a:r>
               <a:rPr lang="en-GB" dirty="0"/>
-              <a:t>the formula                     , we get another useful relation.</a:t>
+              <a:t>Using the formula                     , we get another useful relation.</a:t>
             </a:r>
           </a:p>
           <a:p>
@@ -10498,12 +10269,8 @@
               </a:lnSpc>
             </a:pPr>
             <a:r>
-              <a:rPr lang="en-GB" dirty="0" smtClean="0"/>
-              <a:t>Note </a:t>
-            </a:r>
-            <a:r>
               <a:rPr lang="en-GB" dirty="0"/>
-              <a:t>that the equations we just derived are </a:t>
+              <a:t>Note that the equations we just derived are </a:t>
             </a:r>
             <a:r>
               <a:rPr lang="en-GB" dirty="0">
@@ -10551,7 +10318,7 @@
           <a:lstStyle/>
           <a:p>
             <a:r>
-              <a:rPr lang="en-US" smtClean="0"/>
+              <a:rPr lang="en-US"/>
               <a:t> Page </a:t>
             </a:r>
             <a:fld id="{D57F1E4F-1CFF-5643-939E-217C01CDF565}" type="slidenum">
@@ -10585,7 +10352,7 @@
           <a:graphicData uri="http://schemas.openxmlformats.org/presentationml/2006/ole">
             <mc:AlternateContent xmlns:mc="http://schemas.openxmlformats.org/markup-compatibility/2006">
               <mc:Choice xmlns:v="urn:schemas-microsoft-com:vml" Requires="v">
-                <p:oleObj spid="_x0000_s312445" name="Equation" r:id="rId3" imgW="2565360" imgH="469800" progId="Equation.DSMT4">
+                <p:oleObj spid="_x0000_s312466" name="Equation" r:id="rId3" imgW="2565360" imgH="469800" progId="Equation.DSMT4">
                   <p:embed/>
                 </p:oleObj>
               </mc:Choice>
@@ -10648,7 +10415,7 @@
           <a:graphicData uri="http://schemas.openxmlformats.org/presentationml/2006/ole">
             <mc:AlternateContent xmlns:mc="http://schemas.openxmlformats.org/markup-compatibility/2006">
               <mc:Choice xmlns:v="urn:schemas-microsoft-com:vml" Requires="v">
-                <p:oleObj spid="_x0000_s312446" name="Equation" r:id="rId5" imgW="1346040" imgH="799920" progId="Equation.DSMT4">
+                <p:oleObj spid="_x0000_s312467" name="Equation" r:id="rId5" imgW="1346040" imgH="799920" progId="Equation.DSMT4">
                   <p:embed/>
                 </p:oleObj>
               </mc:Choice>
@@ -10718,7 +10485,7 @@
           <a:graphicData uri="http://schemas.openxmlformats.org/presentationml/2006/ole">
             <mc:AlternateContent xmlns:mc="http://schemas.openxmlformats.org/markup-compatibility/2006">
               <mc:Choice xmlns:v="urn:schemas-microsoft-com:vml" Requires="v">
-                <p:oleObj spid="_x0000_s312447" name="Equation" r:id="rId7" imgW="2463480" imgH="723600" progId="Equation.DSMT4">
+                <p:oleObj spid="_x0000_s312468" name="Equation" r:id="rId7" imgW="2463480" imgH="723600" progId="Equation.DSMT4">
                   <p:embed/>
                 </p:oleObj>
               </mc:Choice>
@@ -10799,13 +10566,6 @@
   <p:clrMapOvr>
     <a:masterClrMapping/>
   </p:clrMapOvr>
-  <p:timing>
-    <p:tnLst>
-      <p:par>
-        <p:cTn id="1" dur="indefinite" restart="never" nodeType="tmRoot"/>
-      </p:par>
-    </p:tnLst>
-  </p:timing>
 </p:sld>
 </file>
 
@@ -10842,10 +10602,9 @@
           <a:lstStyle/>
           <a:p>
             <a:r>
-              <a:rPr lang="en-SG" dirty="0" smtClean="0"/>
+              <a:rPr lang="en-SG" dirty="0"/>
               <a:t>Kinematics</a:t>
             </a:r>
-            <a:endParaRPr lang="en-SG" dirty="0"/>
           </a:p>
         </p:txBody>
       </p:sp>
@@ -10965,7 +10724,7 @@
           <a:lstStyle/>
           <a:p>
             <a:r>
-              <a:rPr lang="en-US" smtClean="0"/>
+              <a:rPr lang="en-US"/>
               <a:t> Page </a:t>
             </a:r>
             <a:fld id="{D57F1E4F-1CFF-5643-939E-217C01CDF565}" type="slidenum">
@@ -11011,13 +10770,6 @@
   <p:clrMapOvr>
     <a:masterClrMapping/>
   </p:clrMapOvr>
-  <p:timing>
-    <p:tnLst>
-      <p:par>
-        <p:cTn id="1" dur="indefinite" restart="never" nodeType="tmRoot"/>
-      </p:par>
-    </p:tnLst>
-  </p:timing>
 </p:sld>
 </file>
 
@@ -11096,7 +10848,7 @@
           <a:lstStyle/>
           <a:p>
             <a:r>
-              <a:rPr lang="en-US" smtClean="0"/>
+              <a:rPr lang="en-US"/>
               <a:t> Page </a:t>
             </a:r>
             <a:fld id="{D57F1E4F-1CFF-5643-939E-217C01CDF565}" type="slidenum">
@@ -12043,13 +11795,6 @@
   <p:clrMapOvr>
     <a:masterClrMapping/>
   </p:clrMapOvr>
-  <p:timing>
-    <p:tnLst>
-      <p:par>
-        <p:cTn id="1" dur="indefinite" restart="never" nodeType="tmRoot"/>
-      </p:par>
-    </p:tnLst>
-  </p:timing>
 </p:sld>
 </file>
 
@@ -12128,7 +11873,7 @@
           <a:lstStyle/>
           <a:p>
             <a:r>
-              <a:rPr lang="en-US" smtClean="0"/>
+              <a:rPr lang="en-US"/>
               <a:t> Page </a:t>
             </a:r>
             <a:fld id="{D57F1E4F-1CFF-5643-939E-217C01CDF565}" type="slidenum">
@@ -13212,13 +12957,6 @@
   <p:clrMapOvr>
     <a:masterClrMapping/>
   </p:clrMapOvr>
-  <p:timing>
-    <p:tnLst>
-      <p:par>
-        <p:cTn id="1" dur="indefinite" restart="never" nodeType="tmRoot"/>
-      </p:par>
-    </p:tnLst>
-  </p:timing>
 </p:sld>
 </file>
 
@@ -13353,7 +13091,7 @@
           <a:lstStyle/>
           <a:p>
             <a:r>
-              <a:rPr lang="en-US" smtClean="0"/>
+              <a:rPr lang="en-US"/>
               <a:t> Page </a:t>
             </a:r>
             <a:fld id="{D57F1E4F-1CFF-5643-939E-217C01CDF565}" type="slidenum">
@@ -13407,13 +13145,6 @@
   <p:clrMapOvr>
     <a:masterClrMapping/>
   </p:clrMapOvr>
-  <p:timing>
-    <p:tnLst>
-      <p:par>
-        <p:cTn id="1" dur="indefinite" restart="never" nodeType="tmRoot"/>
-      </p:par>
-    </p:tnLst>
-  </p:timing>
 </p:sld>
 </file>
 
@@ -13451,9 +13182,21 @@
           <a:p>
             <a:r>
               <a:rPr lang="en-US" dirty="0"/>
-              <a:t>Example 3</a:t>
-            </a:r>
-            <a:endParaRPr lang="en-SG" dirty="0"/>
+              <a:t>Example 3 </a:t>
+            </a:r>
+            <a:r>
+              <a:rPr lang="en-US" dirty="0">
+                <a:solidFill>
+                  <a:srgbClr val="FF0000"/>
+                </a:solidFill>
+              </a:rPr>
+              <a:t>Done</a:t>
+            </a:r>
+            <a:endParaRPr lang="en-SG" dirty="0">
+              <a:solidFill>
+                <a:srgbClr val="FF0000"/>
+              </a:solidFill>
+            </a:endParaRPr>
           </a:p>
         </p:txBody>
       </p:sp>
@@ -13467,7 +13210,12 @@
             <p:ph idx="1"/>
           </p:nvPr>
         </p:nvSpPr>
-        <p:spPr/>
+        <p:spPr>
+          <a:xfrm>
+            <a:off x="200416" y="1439998"/>
+            <a:ext cx="11991584" cy="5418001"/>
+          </a:xfrm>
+        </p:spPr>
         <p:txBody>
           <a:bodyPr/>
           <a:lstStyle/>
@@ -13507,14 +13255,14 @@
             </a:pPr>
             <a:r>
               <a:rPr lang="en-GB" sz="2000" dirty="0"/>
-              <a:t>a) 	How much time elapses before the officer passes the motorist?</a:t>
+              <a:t>a) 	How much time elapses before the officer passes the motorist?	T = 10s</a:t>
             </a:r>
             <a:br>
               <a:rPr lang="en-GB" sz="2000" dirty="0"/>
             </a:br>
             <a:r>
               <a:rPr lang="en-GB" sz="2000" dirty="0"/>
-              <a:t>b) 	At that time, what distance has each vehicle travelled?</a:t>
+              <a:t>b) 	At that time, what distance has each vehicle travelled?	S = 150 meters</a:t>
             </a:r>
           </a:p>
           <a:p>
@@ -13547,13 +13295,18 @@
             <p:ph type="sldNum" sz="quarter" idx="12"/>
           </p:nvPr>
         </p:nvSpPr>
-        <p:spPr/>
+        <p:spPr>
+          <a:xfrm>
+            <a:off x="9843655" y="6033900"/>
+            <a:ext cx="1312025" cy="365125"/>
+          </a:xfrm>
+        </p:spPr>
         <p:txBody>
           <a:bodyPr/>
           <a:lstStyle/>
           <a:p>
             <a:r>
-              <a:rPr lang="en-US" smtClean="0"/>
+              <a:rPr lang="en-US" dirty="0"/>
               <a:t> Page </a:t>
             </a:r>
             <a:fld id="{D57F1E4F-1CFF-5643-939E-217C01CDF565}" type="slidenum">
@@ -13607,13 +13360,6 @@
   <p:clrMapOvr>
     <a:masterClrMapping/>
   </p:clrMapOvr>
-  <p:timing>
-    <p:tnLst>
-      <p:par>
-        <p:cTn id="1" dur="indefinite" restart="never" nodeType="tmRoot"/>
-      </p:par>
-    </p:tnLst>
-  </p:timing>
 </p:sld>
 </file>
 
@@ -13667,7 +13413,12 @@
             <p:ph idx="1"/>
           </p:nvPr>
         </p:nvSpPr>
-        <p:spPr/>
+        <p:spPr>
+          <a:xfrm>
+            <a:off x="1097280" y="1439999"/>
+            <a:ext cx="10080000" cy="5019785"/>
+          </a:xfrm>
+        </p:spPr>
         <p:txBody>
           <a:bodyPr/>
           <a:lstStyle/>
@@ -13755,7 +13506,19 @@
             </a:pPr>
             <a:r>
               <a:rPr lang="en-GB" sz="2000" dirty="0"/>
-              <a:t>the distance of the fall is small compared to the radius of the earth,</a:t>
+              <a:t>the distance of the fall is small compared to the </a:t>
+            </a:r>
+            <a:r>
+              <a:rPr lang="en-GB" sz="2000" dirty="0">
+                <a:solidFill>
+                  <a:srgbClr val="FF0000"/>
+                </a:solidFill>
+              </a:rPr>
+              <a:t>radius of the earth</a:t>
+            </a:r>
+            <a:r>
+              <a:rPr lang="en-GB" sz="2000" dirty="0"/>
+              <a:t>,</a:t>
             </a:r>
           </a:p>
           <a:p>
@@ -13775,7 +13538,19 @@
             </a:pPr>
             <a:r>
               <a:rPr lang="en-GB" sz="2000" dirty="0"/>
-              <a:t>  	the rotation of the earth is ignored.</a:t>
+              <a:t>  	the </a:t>
+            </a:r>
+            <a:r>
+              <a:rPr lang="en-GB" sz="2000" dirty="0">
+                <a:solidFill>
+                  <a:srgbClr val="FF0000"/>
+                </a:solidFill>
+              </a:rPr>
+              <a:t>rotation of the earth</a:t>
+            </a:r>
+            <a:r>
+              <a:rPr lang="en-GB" sz="2000" dirty="0"/>
+              <a:t> is ignored.</a:t>
             </a:r>
           </a:p>
           <a:p>
@@ -13796,20 +13571,8 @@
               </a:lnSpc>
             </a:pPr>
             <a:r>
-              <a:rPr lang="en-GB" dirty="0" smtClean="0"/>
-              <a:t>For </a:t>
-            </a:r>
-            <a:r>
-              <a:rPr lang="en-GB" dirty="0" err="1" smtClean="0"/>
-              <a:t>erath</a:t>
-            </a:r>
-            <a:r>
-              <a:rPr lang="en-GB" dirty="0" smtClean="0"/>
-              <a:t>, the </a:t>
-            </a:r>
-            <a:r>
               <a:rPr lang="en-GB" dirty="0"/>
-              <a:t>magnitude of the acceleration due to gravity is 9.80 m/s</a:t>
+              <a:t>For earth, the magnitude of the acceleration due to gravity is 9.80 m/s</a:t>
             </a:r>
             <a:r>
               <a:rPr lang="en-GB" baseline="30000" dirty="0"/>
@@ -13845,7 +13608,7 @@
           <a:lstStyle/>
           <a:p>
             <a:r>
-              <a:rPr lang="en-US" smtClean="0"/>
+              <a:rPr lang="en-US"/>
               <a:t> Page </a:t>
             </a:r>
             <a:fld id="{D57F1E4F-1CFF-5643-939E-217C01CDF565}" type="slidenum">
@@ -13867,13 +13630,6 @@
   <p:clrMapOvr>
     <a:masterClrMapping/>
   </p:clrMapOvr>
-  <p:timing>
-    <p:tnLst>
-      <p:par>
-        <p:cTn id="1" dur="indefinite" restart="never" nodeType="tmRoot"/>
-      </p:par>
-    </p:tnLst>
-  </p:timing>
 </p:sld>
 </file>
 
@@ -13927,7 +13683,12 @@
             <p:ph idx="1"/>
           </p:nvPr>
         </p:nvSpPr>
-        <p:spPr/>
+        <p:spPr>
+          <a:xfrm>
+            <a:off x="338203" y="1439999"/>
+            <a:ext cx="10839077" cy="5236373"/>
+          </a:xfrm>
+        </p:spPr>
         <p:txBody>
           <a:bodyPr/>
           <a:lstStyle/>
@@ -13945,7 +13706,7 @@
               </a:tabLst>
             </a:pPr>
             <a:r>
-              <a:rPr lang="en-GB" sz="2000" dirty="0"/>
+              <a:rPr lang="en-GB" dirty="0"/>
               <a:t>You throw a ball vertically upward from the roof of a tall building. The ball leaves your hand at a point even with the roof railing with an upward speed of 15.0 m/s. On its way back down, it just misses the railing.</a:t>
             </a:r>
           </a:p>
@@ -13963,7 +13724,7 @@
               </a:tabLst>
             </a:pPr>
             <a:r>
-              <a:rPr lang="en-GB" sz="2000" dirty="0"/>
+              <a:rPr lang="en-GB" dirty="0"/>
               <a:t>a) 	Find the ball’s position and velocity 1.00 s and 4.00 s after leaving your hand.</a:t>
             </a:r>
           </a:p>
@@ -13981,7 +13742,7 @@
               </a:tabLst>
             </a:pPr>
             <a:r>
-              <a:rPr lang="en-GB" sz="2000" dirty="0"/>
+              <a:rPr lang="en-GB" dirty="0"/>
               <a:t>b) 	Find the ball’s velocity when it is 5.00 m above the railing.</a:t>
             </a:r>
           </a:p>
@@ -13999,7 +13760,7 @@
               </a:tabLst>
             </a:pPr>
             <a:r>
-              <a:rPr lang="en-GB" sz="2000" dirty="0"/>
+              <a:rPr lang="en-GB" dirty="0"/>
               <a:t>c) 	Find the maximum height reached.</a:t>
             </a:r>
           </a:p>
@@ -14017,16 +13778,8 @@
               </a:tabLst>
             </a:pPr>
             <a:r>
-              <a:rPr lang="en-GB" sz="2000" dirty="0" smtClean="0"/>
-              <a:t>d) 	Find </a:t>
-            </a:r>
-            <a:r>
-              <a:rPr lang="en-GB" sz="2000" dirty="0"/>
-              <a:t>the ball’s acceleration when it is at its maximum </a:t>
-            </a:r>
-            <a:r>
-              <a:rPr lang="en-GB" sz="2000" dirty="0" smtClean="0"/>
-              <a:t>height.</a:t>
+              <a:rPr lang="en-GB" dirty="0"/>
+              <a:t>d) 	Find the ball’s acceleration when it is at its maximum height.</a:t>
             </a:r>
           </a:p>
           <a:p>
@@ -14043,16 +13796,8 @@
               </a:tabLst>
             </a:pPr>
             <a:r>
-              <a:rPr lang="en-GB" sz="2000" dirty="0" smtClean="0"/>
-              <a:t>e</a:t>
-            </a:r>
-            <a:r>
-              <a:rPr lang="en-GB" sz="2000" dirty="0"/>
-              <a:t>) 	At what time after being released has the ball fallen 5.00 m below the roof  </a:t>
-            </a:r>
-            <a:r>
               <a:rPr lang="en-GB" dirty="0"/>
-              <a:t> </a:t>
+              <a:t>e) 	At what time after being released has the ball fallen 5.00 m below the roof   </a:t>
             </a:r>
           </a:p>
           <a:p>
@@ -14076,7 +13821,7 @@
           <a:lstStyle/>
           <a:p>
             <a:r>
-              <a:rPr lang="en-US" smtClean="0"/>
+              <a:rPr lang="en-US"/>
               <a:t> Page </a:t>
             </a:r>
             <a:fld id="{D57F1E4F-1CFF-5643-939E-217C01CDF565}" type="slidenum">
@@ -14098,13 +13843,6 @@
   <p:clrMapOvr>
     <a:masterClrMapping/>
   </p:clrMapOvr>
-  <p:timing>
-    <p:tnLst>
-      <p:par>
-        <p:cTn id="1" dur="indefinite" restart="never" nodeType="tmRoot"/>
-      </p:par>
-    </p:tnLst>
-  </p:timing>
 </p:sld>
 </file>
 
@@ -14142,14 +13880,10 @@
           <a:p>
             <a:r>
               <a:rPr lang="en-US" dirty="0"/>
-              <a:t>Example </a:t>
-            </a:r>
-            <a:r>
-              <a:rPr lang="en-US" dirty="0" smtClean="0"/>
-              <a:t>4 - </a:t>
-            </a:r>
-            <a:r>
-              <a:rPr lang="en-US" dirty="0" err="1" smtClean="0"/>
+              <a:t>Example 4 - </a:t>
+            </a:r>
+            <a:r>
+              <a:rPr lang="en-US" dirty="0" err="1"/>
               <a:t>cont</a:t>
             </a:r>
             <a:endParaRPr lang="en-SG" dirty="0"/>
@@ -14166,7 +13900,12 @@
             <p:ph idx="1"/>
           </p:nvPr>
         </p:nvSpPr>
-        <p:spPr/>
+        <p:spPr>
+          <a:xfrm>
+            <a:off x="1097280" y="1186603"/>
+            <a:ext cx="10080000" cy="4933397"/>
+          </a:xfrm>
+        </p:spPr>
         <p:txBody>
           <a:bodyPr/>
           <a:lstStyle/>
@@ -14191,7 +13930,7 @@
           <a:lstStyle/>
           <a:p>
             <a:r>
-              <a:rPr lang="en-US" smtClean="0"/>
+              <a:rPr lang="en-US"/>
               <a:t> Page </a:t>
             </a:r>
             <a:fld id="{D57F1E4F-1CFF-5643-939E-217C01CDF565}" type="slidenum">
@@ -14634,7 +14373,7 @@
           <a:lstStyle/>
           <a:p>
             <a:r>
-              <a:rPr lang="en-US" smtClean="0"/>
+              <a:rPr lang="en-US"/>
               <a:t> Page </a:t>
             </a:r>
             <a:fld id="{D57F1E4F-1CFF-5643-939E-217C01CDF565}" type="slidenum">
@@ -14688,13 +14427,6 @@
   <p:clrMapOvr>
     <a:masterClrMapping/>
   </p:clrMapOvr>
-  <p:timing>
-    <p:tnLst>
-      <p:par>
-        <p:cTn id="1" dur="indefinite" restart="never" nodeType="tmRoot"/>
-      </p:par>
-    </p:tnLst>
-  </p:timing>
 </p:sld>
 </file>
 
@@ -14797,22 +14529,13 @@
               <a:t>acceleration </a:t>
             </a:r>
             <a:r>
-              <a:rPr lang="en-GB" sz="2400" dirty="0" smtClean="0">
+              <a:rPr lang="en-GB" sz="2400" dirty="0">
                 <a:solidFill>
                   <a:schemeClr val="tx1"/>
                 </a:solidFill>
                 <a:sym typeface="Symbol" pitchFamily="84" charset="2"/>
               </a:rPr>
-              <a:t>is </a:t>
-            </a:r>
-            <a:r>
-              <a:rPr lang="en-GB" sz="2400" dirty="0">
-                <a:solidFill>
-                  <a:schemeClr val="tx1"/>
-                </a:solidFill>
-                <a:sym typeface="Symbol" pitchFamily="84" charset="2"/>
-              </a:rPr>
-              <a:t>the </a:t>
+              <a:t>is the </a:t>
             </a:r>
             <a:r>
               <a:rPr lang="en-GB" sz="2400" dirty="0">
@@ -14958,7 +14681,7 @@
           <a:lstStyle/>
           <a:p>
             <a:r>
-              <a:rPr lang="en-US" smtClean="0"/>
+              <a:rPr lang="en-US"/>
               <a:t> Page </a:t>
             </a:r>
             <a:fld id="{D57F1E4F-1CFF-5643-939E-217C01CDF565}" type="slidenum">
@@ -14992,7 +14715,7 @@
           <a:graphicData uri="http://schemas.openxmlformats.org/presentationml/2006/ole">
             <mc:AlternateContent xmlns:mc="http://schemas.openxmlformats.org/markup-compatibility/2006">
               <mc:Choice xmlns:v="urn:schemas-microsoft-com:vml" Requires="v">
-                <p:oleObj spid="_x0000_s313378" name="Equation" r:id="rId3" imgW="2387520" imgH="1726920" progId="Equation.DSMT4">
+                <p:oleObj spid="_x0000_s313385" name="Equation" r:id="rId3" imgW="2387520" imgH="1726920" progId="Equation.DSMT4">
                   <p:embed/>
                 </p:oleObj>
               </mc:Choice>
@@ -15043,13 +14766,6 @@
   <p:clrMapOvr>
     <a:masterClrMapping/>
   </p:clrMapOvr>
-  <p:timing>
-    <p:tnLst>
-      <p:par>
-        <p:cTn id="1" dur="indefinite" restart="never" nodeType="tmRoot"/>
-      </p:par>
-    </p:tnLst>
-  </p:timing>
 </p:sld>
 </file>
 
@@ -15147,23 +14863,7 @@
                   <a:schemeClr val="tx1"/>
                 </a:solidFill>
               </a:rPr>
-              <a:t> acceleration </a:t>
-            </a:r>
-            <a:r>
-              <a:rPr lang="en-US" dirty="0" smtClean="0">
-                <a:solidFill>
-                  <a:schemeClr val="tx1"/>
-                </a:solidFill>
-              </a:rPr>
-              <a:t>is the </a:t>
-            </a:r>
-            <a:r>
-              <a:rPr lang="en-US" dirty="0">
-                <a:solidFill>
-                  <a:schemeClr val="tx1"/>
-                </a:solidFill>
-              </a:rPr>
-              <a:t>second derivative of the </a:t>
+              <a:t> acceleration is the second derivative of the </a:t>
             </a:r>
             <a:r>
               <a:rPr lang="en-US" i="1" dirty="0">
@@ -15194,20 +14894,12 @@
               <a:t> </a:t>
             </a:r>
             <a:r>
-              <a:rPr lang="en-US" dirty="0" smtClean="0">
+              <a:rPr lang="en-US" dirty="0">
                 <a:solidFill>
                   <a:schemeClr val="tx1"/>
                 </a:solidFill>
               </a:rPr>
-              <a:t>graph, </a:t>
-            </a:r>
-            <a:r>
-              <a:rPr lang="en-US" dirty="0">
-                <a:solidFill>
-                  <a:schemeClr val="tx1"/>
-                </a:solidFill>
-              </a:rPr>
-              <a:t>i.e.  </a:t>
+              <a:t>graph, i.e.  </a:t>
             </a:r>
           </a:p>
           <a:p>
@@ -15231,7 +14923,7 @@
           <a:lstStyle/>
           <a:p>
             <a:r>
-              <a:rPr lang="en-US" smtClean="0"/>
+              <a:rPr lang="en-US"/>
               <a:t> Page </a:t>
             </a:r>
             <a:fld id="{D57F1E4F-1CFF-5643-939E-217C01CDF565}" type="slidenum">
@@ -15297,7 +14989,7 @@
           <a:graphicData uri="http://schemas.openxmlformats.org/presentationml/2006/ole">
             <mc:AlternateContent xmlns:mc="http://schemas.openxmlformats.org/markup-compatibility/2006">
               <mc:Choice xmlns:v="urn:schemas-microsoft-com:vml" Requires="v">
-                <p:oleObj spid="_x0000_s314401" name="Equation" r:id="rId4" imgW="1117440" imgH="863280" progId="Equation.DSMT4">
+                <p:oleObj spid="_x0000_s314408" name="Equation" r:id="rId4" imgW="1117440" imgH="863280" progId="Equation.DSMT4">
                   <p:embed/>
                 </p:oleObj>
               </mc:Choice>
@@ -15348,13 +15040,6 @@
   <p:clrMapOvr>
     <a:masterClrMapping/>
   </p:clrMapOvr>
-  <p:timing>
-    <p:tnLst>
-      <p:par>
-        <p:cTn id="1" dur="indefinite" restart="never" nodeType="tmRoot"/>
-      </p:par>
-    </p:tnLst>
-  </p:timing>
 </p:sld>
 </file>
 
@@ -15465,7 +15150,7 @@
           <a:lstStyle/>
           <a:p>
             <a:r>
-              <a:rPr lang="en-US" smtClean="0"/>
+              <a:rPr lang="en-US"/>
               <a:t> Page </a:t>
             </a:r>
             <a:fld id="{D57F1E4F-1CFF-5643-939E-217C01CDF565}" type="slidenum">
@@ -17185,13 +16870,6 @@
   <p:clrMapOvr>
     <a:masterClrMapping/>
   </p:clrMapOvr>
-  <p:timing>
-    <p:tnLst>
-      <p:par>
-        <p:cTn id="1" dur="indefinite" restart="never" nodeType="tmRoot"/>
-      </p:par>
-    </p:tnLst>
-  </p:timing>
 </p:sld>
 </file>
 
@@ -17293,47 +16971,23 @@
                   <a:schemeClr val="tx1"/>
                 </a:solidFill>
               </a:rPr>
-              <a:t> acceleration </a:t>
-            </a:r>
-            <a:r>
-              <a:rPr lang="en-US" dirty="0" smtClean="0">
+              <a:t> acceleration is </a:t>
+            </a:r>
+            <a:r>
+              <a:rPr lang="en-US" dirty="0">
+                <a:solidFill>
+                  <a:srgbClr val="FF0000"/>
+                </a:solidFill>
+              </a:rPr>
+              <a:t>equal</a:t>
+            </a:r>
+            <a:r>
+              <a:rPr lang="en-US" dirty="0">
                 <a:solidFill>
                   <a:schemeClr val="tx1"/>
                 </a:solidFill>
               </a:rPr>
-              <a:t>is </a:t>
-            </a:r>
-            <a:r>
-              <a:rPr lang="en-US" dirty="0">
-                <a:solidFill>
-                  <a:srgbClr val="FF0000"/>
-                </a:solidFill>
-              </a:rPr>
-              <a:t>equal</a:t>
-            </a:r>
-            <a:r>
-              <a:rPr lang="en-US" dirty="0">
-                <a:solidFill>
-                  <a:schemeClr val="tx1"/>
-                </a:solidFill>
-              </a:rPr>
-              <a:t> to the first </a:t>
-            </a:r>
-            <a:r>
-              <a:rPr lang="en-US" dirty="0" smtClean="0">
-                <a:solidFill>
-                  <a:schemeClr val="tx1"/>
-                </a:solidFill>
-              </a:rPr>
-              <a:t>derivative of </a:t>
-            </a:r>
-            <a:r>
-              <a:rPr lang="en-US" dirty="0">
-                <a:solidFill>
-                  <a:schemeClr val="tx1"/>
-                </a:solidFill>
-              </a:rPr>
-              <a:t>a </a:t>
+              <a:t> to the first derivative of a </a:t>
             </a:r>
             <a:r>
               <a:rPr lang="en-US" i="1" dirty="0" err="1">
@@ -17401,7 +17055,7 @@
           <a:lstStyle/>
           <a:p>
             <a:r>
-              <a:rPr lang="en-US" smtClean="0"/>
+              <a:rPr lang="en-US"/>
               <a:t> Page </a:t>
             </a:r>
             <a:fld id="{D57F1E4F-1CFF-5643-939E-217C01CDF565}" type="slidenum">
@@ -17435,7 +17089,7 @@
           <a:graphicData uri="http://schemas.openxmlformats.org/presentationml/2006/ole">
             <mc:AlternateContent xmlns:mc="http://schemas.openxmlformats.org/markup-compatibility/2006">
               <mc:Choice xmlns:v="urn:schemas-microsoft-com:vml" Requires="v">
-                <p:oleObj spid="_x0000_s315424" name="Equation" r:id="rId3" imgW="977760" imgH="787320" progId="Equation.DSMT4">
+                <p:oleObj spid="_x0000_s315431" name="Equation" r:id="rId3" imgW="977760" imgH="787320" progId="Equation.DSMT4">
                   <p:embed/>
                 </p:oleObj>
               </mc:Choice>
@@ -17518,13 +17172,6 @@
   <p:clrMapOvr>
     <a:masterClrMapping/>
   </p:clrMapOvr>
-  <p:timing>
-    <p:tnLst>
-      <p:par>
-        <p:cTn id="1" dur="indefinite" restart="never" nodeType="tmRoot"/>
-      </p:par>
-    </p:tnLst>
-  </p:timing>
 </p:sld>
 </file>
 
@@ -17640,7 +17287,7 @@
           <a:lstStyle/>
           <a:p>
             <a:r>
-              <a:rPr lang="en-US" smtClean="0"/>
+              <a:rPr lang="en-US"/>
               <a:t> Page </a:t>
             </a:r>
             <a:fld id="{D57F1E4F-1CFF-5643-939E-217C01CDF565}" type="slidenum">
@@ -17693,13 +17340,6 @@
   <p:clrMapOvr>
     <a:masterClrMapping/>
   </p:clrMapOvr>
-  <p:timing>
-    <p:tnLst>
-      <p:par>
-        <p:cTn id="1" dur="indefinite" restart="never" nodeType="tmRoot"/>
-      </p:par>
-    </p:tnLst>
-  </p:timing>
 </p:sld>
 </file>
 
@@ -17981,7 +17621,7 @@
           <a:lstStyle/>
           <a:p>
             <a:r>
-              <a:rPr lang="en-US" smtClean="0"/>
+              <a:rPr lang="en-US"/>
               <a:t> Page </a:t>
             </a:r>
             <a:fld id="{D57F1E4F-1CFF-5643-939E-217C01CDF565}" type="slidenum">
@@ -18003,13 +17643,6 @@
   <p:clrMapOvr>
     <a:masterClrMapping/>
   </p:clrMapOvr>
-  <p:timing>
-    <p:tnLst>
-      <p:par>
-        <p:cTn id="1" dur="indefinite" restart="never" nodeType="tmRoot"/>
-      </p:par>
-    </p:tnLst>
-  </p:timing>
 </p:sld>
 </file>
 
@@ -18103,15 +17736,7 @@
             </a:r>
             <a:r>
               <a:rPr lang="en-GB" dirty="0"/>
-              <a:t> plane is given by       </a:t>
-            </a:r>
-            <a:r>
-              <a:rPr lang="en-GB" dirty="0" smtClean="0"/>
-              <a:t>                  </a:t>
-            </a:r>
-            <a:r>
-              <a:rPr lang="en-GB" dirty="0"/>
-              <a:t>.</a:t>
+              <a:t> plane is given by                         .</a:t>
             </a:r>
           </a:p>
           <a:p>
@@ -18148,24 +17773,16 @@
               <a:rPr lang="en-GB" dirty="0"/>
               <a:t> to the object’s position </a:t>
             </a:r>
-            <a:r>
-              <a:rPr lang="en-GB" dirty="0" smtClean="0"/>
-              <a:t/>
-            </a:r>
             <a:br>
-              <a:rPr lang="en-GB" dirty="0" smtClean="0"/>
+              <a:rPr lang="en-GB" dirty="0"/>
             </a:br>
             <a:r>
-              <a:rPr lang="en-GB" i="1" dirty="0" smtClean="0"/>
+              <a:rPr lang="en-GB" i="1" dirty="0"/>
               <a:t>P</a:t>
             </a:r>
             <a:r>
-              <a:rPr lang="en-GB" dirty="0" smtClean="0"/>
-              <a:t> </a:t>
-            </a:r>
-            <a:r>
               <a:rPr lang="en-GB" dirty="0"/>
-              <a:t>(</a:t>
+              <a:t> (</a:t>
             </a:r>
             <a:r>
               <a:rPr lang="en-GB" i="1" dirty="0"/>
@@ -18210,7 +17827,6 @@
               <a:rPr lang="en-GB" dirty="0"/>
               <a:t> of     is </a:t>
             </a:r>
-            <a:endParaRPr lang="en-GB" dirty="0" smtClean="0"/>
           </a:p>
           <a:p>
             <a:pPr>
@@ -18219,35 +17835,19 @@
               </a:lnSpc>
             </a:pPr>
             <a:r>
-              <a:rPr lang="en-GB" dirty="0" smtClean="0"/>
-              <a:t>The </a:t>
-            </a:r>
-            <a:r>
               <a:rPr lang="en-GB" dirty="0"/>
-              <a:t>direction of     with respect </a:t>
-            </a:r>
-            <a:r>
-              <a:rPr lang="en-GB" dirty="0" smtClean="0"/>
-              <a:t>to the</a:t>
-            </a:r>
-            <a:r>
-              <a:rPr lang="en-GB" dirty="0"/>
-              <a:t/>
+              <a:t>The direction of     with respect to the</a:t>
             </a:r>
             <a:br>
               <a:rPr lang="en-GB" dirty="0"/>
             </a:br>
             <a:r>
-              <a:rPr lang="en-GB" i="1" dirty="0" smtClean="0"/>
+              <a:rPr lang="en-GB" i="1" dirty="0"/>
               <a:t>x</a:t>
             </a:r>
             <a:r>
-              <a:rPr lang="en-GB" dirty="0" smtClean="0"/>
-              <a:t>-axis </a:t>
-            </a:r>
-            <a:r>
               <a:rPr lang="en-GB" dirty="0"/>
-              <a:t>is </a:t>
+              <a:t>-axis is </a:t>
             </a:r>
             <a:br>
               <a:rPr lang="en-GB" dirty="0"/>
@@ -18281,7 +17881,7 @@
           <a:lstStyle/>
           <a:p>
             <a:r>
-              <a:rPr lang="en-US" smtClean="0"/>
+              <a:rPr lang="en-US"/>
               <a:t> Page </a:t>
             </a:r>
             <a:fld id="{D57F1E4F-1CFF-5643-939E-217C01CDF565}" type="slidenum">
@@ -18641,7 +18241,7 @@
             <a:graphicData uri="http://schemas.openxmlformats.org/presentationml/2006/ole">
               <mc:AlternateContent xmlns:mc="http://schemas.openxmlformats.org/markup-compatibility/2006">
                 <mc:Choice xmlns:v="urn:schemas-microsoft-com:vml" Requires="v">
-                  <p:oleObj spid="_x0000_s316621" name="Equation" r:id="rId3" imgW="177480" imgH="241200" progId="Equation.DSMT4">
+                  <p:oleObj spid="_x0000_s316670" name="Equation" r:id="rId3" imgW="177480" imgH="241200" progId="Equation.DSMT4">
                     <p:embed/>
                   </p:oleObj>
                 </mc:Choice>
@@ -18711,7 +18311,7 @@
             <a:graphicData uri="http://schemas.openxmlformats.org/presentationml/2006/ole">
               <mc:AlternateContent xmlns:mc="http://schemas.openxmlformats.org/markup-compatibility/2006">
                 <mc:Choice xmlns:v="urn:schemas-microsoft-com:vml" Requires="v">
-                  <p:oleObj spid="_x0000_s316622" name="Equation" r:id="rId5" imgW="177480" imgH="355320" progId="Equation.DSMT4">
+                  <p:oleObj spid="_x0000_s316671" name="Equation" r:id="rId5" imgW="177480" imgH="355320" progId="Equation.DSMT4">
                     <p:embed/>
                   </p:oleObj>
                 </mc:Choice>
@@ -18782,7 +18382,7 @@
           <a:graphicData uri="http://schemas.openxmlformats.org/presentationml/2006/ole">
             <mc:AlternateContent xmlns:mc="http://schemas.openxmlformats.org/markup-compatibility/2006">
               <mc:Choice xmlns:v="urn:schemas-microsoft-com:vml" Requires="v">
-                <p:oleObj spid="_x0000_s316623" name="Equation" r:id="rId7" imgW="1574640" imgH="533160" progId="Equation.DSMT4">
+                <p:oleObj spid="_x0000_s316672" name="Equation" r:id="rId7" imgW="1574640" imgH="533160" progId="Equation.DSMT4">
                   <p:embed/>
                 </p:oleObj>
               </mc:Choice>
@@ -18844,7 +18444,7 @@
           <a:graphicData uri="http://schemas.openxmlformats.org/presentationml/2006/ole">
             <mc:AlternateContent xmlns:mc="http://schemas.openxmlformats.org/markup-compatibility/2006">
               <mc:Choice xmlns:v="urn:schemas-microsoft-com:vml" Requires="v">
-                <p:oleObj spid="_x0000_s316624" name="Equation" r:id="rId9" imgW="1307880" imgH="723600" progId="Equation.DSMT4">
+                <p:oleObj spid="_x0000_s316673" name="Equation" r:id="rId9" imgW="1307880" imgH="723600" progId="Equation.DSMT4">
                   <p:embed/>
                 </p:oleObj>
               </mc:Choice>
@@ -18914,7 +18514,7 @@
           <a:graphicData uri="http://schemas.openxmlformats.org/presentationml/2006/ole">
             <mc:AlternateContent xmlns:mc="http://schemas.openxmlformats.org/markup-compatibility/2006">
               <mc:Choice xmlns:v="urn:schemas-microsoft-com:vml" Requires="v">
-                <p:oleObj spid="_x0000_s316625" name="Equation" r:id="rId11" imgW="1346040" imgH="444240" progId="Equation.DSMT4">
+                <p:oleObj spid="_x0000_s316674" name="Equation" r:id="rId11" imgW="1346040" imgH="444240" progId="Equation.DSMT4">
                   <p:embed/>
                 </p:oleObj>
               </mc:Choice>
@@ -18976,7 +18576,7 @@
           <a:graphicData uri="http://schemas.openxmlformats.org/presentationml/2006/ole">
             <mc:AlternateContent xmlns:mc="http://schemas.openxmlformats.org/markup-compatibility/2006">
               <mc:Choice xmlns:v="urn:schemas-microsoft-com:vml" Requires="v">
-                <p:oleObj spid="_x0000_s316626" name="Equation" r:id="rId13" imgW="177480" imgH="355320" progId="Equation.DSMT4">
+                <p:oleObj spid="_x0000_s316675" name="Equation" r:id="rId13" imgW="177480" imgH="355320" progId="Equation.DSMT4">
                   <p:embed/>
                 </p:oleObj>
               </mc:Choice>
@@ -19038,7 +18638,7 @@
           <a:graphicData uri="http://schemas.openxmlformats.org/presentationml/2006/ole">
             <mc:AlternateContent xmlns:mc="http://schemas.openxmlformats.org/markup-compatibility/2006">
               <mc:Choice xmlns:v="urn:schemas-microsoft-com:vml" Requires="v">
-                <p:oleObj spid="_x0000_s316627" name="Equation" r:id="rId15" imgW="177480" imgH="355320" progId="Equation.DSMT4">
+                <p:oleObj spid="_x0000_s316676" name="Equation" r:id="rId15" imgW="177480" imgH="355320" progId="Equation.DSMT4">
                   <p:embed/>
                 </p:oleObj>
               </mc:Choice>
@@ -19088,13 +18688,6 @@
   <p:clrMapOvr>
     <a:masterClrMapping/>
   </p:clrMapOvr>
-  <p:timing>
-    <p:tnLst>
-      <p:par>
-        <p:cTn id="1" dur="indefinite" restart="never" nodeType="tmRoot"/>
-      </p:par>
-    </p:tnLst>
-  </p:timing>
 </p:sld>
 </file>
 
@@ -19188,11 +18781,7 @@
             </a:r>
             <a:r>
               <a:rPr lang="en-GB" dirty="0"/>
-              <a:t> plane is defined </a:t>
-            </a:r>
-            <a:r>
-              <a:rPr lang="en-GB" dirty="0" smtClean="0"/>
-              <a:t>as                   .                   </a:t>
+              <a:t> plane is defined as                   .                   </a:t>
             </a:r>
             <a:endParaRPr lang="en-US" dirty="0"/>
           </a:p>
@@ -19267,11 +18856,7 @@
             </a:r>
             <a:r>
               <a:rPr lang="en-GB" dirty="0"/>
-              <a:t> of     </a:t>
-            </a:r>
-            <a:r>
-              <a:rPr lang="en-GB" dirty="0" smtClean="0"/>
-              <a:t>  is </a:t>
+              <a:t> of       is </a:t>
             </a:r>
           </a:p>
           <a:p>
@@ -19281,7 +18866,7 @@
               </a:lnSpc>
             </a:pPr>
             <a:r>
-              <a:rPr lang="en-GB" dirty="0" smtClean="0"/>
+              <a:rPr lang="en-GB" dirty="0"/>
               <a:t>The </a:t>
             </a:r>
             <a:r>
@@ -19337,7 +18922,7 @@
           <a:lstStyle/>
           <a:p>
             <a:r>
-              <a:rPr lang="en-US" smtClean="0"/>
+              <a:rPr lang="en-US"/>
               <a:t> Page </a:t>
             </a:r>
             <a:fld id="{D57F1E4F-1CFF-5643-939E-217C01CDF565}" type="slidenum">
@@ -19371,7 +18956,7 @@
           <a:graphicData uri="http://schemas.openxmlformats.org/presentationml/2006/ole">
             <mc:AlternateContent xmlns:mc="http://schemas.openxmlformats.org/markup-compatibility/2006">
               <mc:Choice xmlns:v="urn:schemas-microsoft-com:vml" Requires="v">
-                <p:oleObj spid="_x0000_s317750" name="Equation" r:id="rId3" imgW="3441600" imgH="545760" progId="Equation.DSMT4">
+                <p:oleObj spid="_x0000_s317827" name="Equation" r:id="rId3" imgW="3441600" imgH="545760" progId="Equation.DSMT4">
                   <p:embed/>
                 </p:oleObj>
               </mc:Choice>
@@ -19441,7 +19026,7 @@
           <a:graphicData uri="http://schemas.openxmlformats.org/presentationml/2006/ole">
             <mc:AlternateContent xmlns:mc="http://schemas.openxmlformats.org/markup-compatibility/2006">
               <mc:Choice xmlns:v="urn:schemas-microsoft-com:vml" Requires="v">
-                <p:oleObj spid="_x0000_s317751" name="Equation" r:id="rId5" imgW="1473120" imgH="723600" progId="Equation.DSMT4">
+                <p:oleObj spid="_x0000_s317828" name="Equation" r:id="rId5" imgW="1473120" imgH="723600" progId="Equation.DSMT4">
                   <p:embed/>
                 </p:oleObj>
               </mc:Choice>
@@ -19511,7 +19096,7 @@
           <a:graphicData uri="http://schemas.openxmlformats.org/presentationml/2006/ole">
             <mc:AlternateContent xmlns:mc="http://schemas.openxmlformats.org/markup-compatibility/2006">
               <mc:Choice xmlns:v="urn:schemas-microsoft-com:vml" Requires="v">
-                <p:oleObj spid="_x0000_s317752" name="Equation" r:id="rId7" imgW="380880" imgH="355320" progId="Equation.DSMT4">
+                <p:oleObj spid="_x0000_s317829" name="Equation" r:id="rId7" imgW="380880" imgH="355320" progId="Equation.DSMT4">
                   <p:embed/>
                 </p:oleObj>
               </mc:Choice>
@@ -19573,7 +19158,7 @@
           <a:graphicData uri="http://schemas.openxmlformats.org/presentationml/2006/ole">
             <mc:AlternateContent xmlns:mc="http://schemas.openxmlformats.org/markup-compatibility/2006">
               <mc:Choice xmlns:v="urn:schemas-microsoft-com:vml" Requires="v">
-                <p:oleObj spid="_x0000_s317753" name="Equation" r:id="rId9" imgW="1371600" imgH="380880" progId="Equation.DSMT4">
+                <p:oleObj spid="_x0000_s317830" name="Equation" r:id="rId9" imgW="1371600" imgH="380880" progId="Equation.DSMT4">
                   <p:embed/>
                 </p:oleObj>
               </mc:Choice>
@@ -19635,7 +19220,7 @@
           <a:graphicData uri="http://schemas.openxmlformats.org/presentationml/2006/ole">
             <mc:AlternateContent xmlns:mc="http://schemas.openxmlformats.org/markup-compatibility/2006">
               <mc:Choice xmlns:v="urn:schemas-microsoft-com:vml" Requires="v">
-                <p:oleObj spid="_x0000_s317754" name="Equation" r:id="rId11" imgW="279360" imgH="380880" progId="Equation.DSMT4">
+                <p:oleObj spid="_x0000_s317831" name="Equation" r:id="rId11" imgW="279360" imgH="380880" progId="Equation.DSMT4">
                   <p:embed/>
                 </p:oleObj>
               </mc:Choice>
@@ -20112,7 +19697,7 @@
             <a:graphicData uri="http://schemas.openxmlformats.org/presentationml/2006/ole">
               <mc:AlternateContent xmlns:mc="http://schemas.openxmlformats.org/markup-compatibility/2006">
                 <mc:Choice xmlns:v="urn:schemas-microsoft-com:vml" Requires="v">
-                  <p:oleObj spid="_x0000_s317755" name="Equation" r:id="rId13" imgW="177480" imgH="241200" progId="Equation.DSMT4">
+                  <p:oleObj spid="_x0000_s317832" name="Equation" r:id="rId13" imgW="177480" imgH="241200" progId="Equation.DSMT4">
                     <p:embed/>
                   </p:oleObj>
                 </mc:Choice>
@@ -20318,7 +19903,7 @@
             <a:graphicData uri="http://schemas.openxmlformats.org/presentationml/2006/ole">
               <mc:AlternateContent xmlns:mc="http://schemas.openxmlformats.org/markup-compatibility/2006">
                 <mc:Choice xmlns:v="urn:schemas-microsoft-com:vml" Requires="v">
-                  <p:oleObj spid="_x0000_s317756" name="Equation" r:id="rId15" imgW="330120" imgH="304560" progId="Equation.DSMT4">
+                  <p:oleObj spid="_x0000_s317833" name="Equation" r:id="rId15" imgW="330120" imgH="304560" progId="Equation.DSMT4">
                     <p:embed/>
                   </p:oleObj>
                 </mc:Choice>
@@ -20380,7 +19965,7 @@
             <a:graphicData uri="http://schemas.openxmlformats.org/presentationml/2006/ole">
               <mc:AlternateContent xmlns:mc="http://schemas.openxmlformats.org/markup-compatibility/2006">
                 <mc:Choice xmlns:v="urn:schemas-microsoft-com:vml" Requires="v">
-                  <p:oleObj spid="_x0000_s317757" name="Equation" r:id="rId17" imgW="241200" imgH="317160" progId="Equation.DSMT4">
+                  <p:oleObj spid="_x0000_s317834" name="Equation" r:id="rId17" imgW="241200" imgH="317160" progId="Equation.DSMT4">
                     <p:embed/>
                   </p:oleObj>
                 </mc:Choice>
@@ -20442,7 +20027,7 @@
             <a:graphicData uri="http://schemas.openxmlformats.org/presentationml/2006/ole">
               <mc:AlternateContent xmlns:mc="http://schemas.openxmlformats.org/markup-compatibility/2006">
                 <mc:Choice xmlns:v="urn:schemas-microsoft-com:vml" Requires="v">
-                  <p:oleObj spid="_x0000_s317758" name="Equation" r:id="rId19" imgW="215640" imgH="317160" progId="Equation.DSMT4">
+                  <p:oleObj spid="_x0000_s317835" name="Equation" r:id="rId19" imgW="215640" imgH="317160" progId="Equation.DSMT4">
                     <p:embed/>
                   </p:oleObj>
                 </mc:Choice>
@@ -20579,7 +20164,7 @@
           <a:graphicData uri="http://schemas.openxmlformats.org/presentationml/2006/ole">
             <mc:AlternateContent xmlns:mc="http://schemas.openxmlformats.org/markup-compatibility/2006">
               <mc:Choice xmlns:v="urn:schemas-microsoft-com:vml" Requires="v">
-                <p:oleObj spid="_x0000_s317759" name="Equation" r:id="rId21" imgW="253800" imgH="380880" progId="Equation.DSMT4">
+                <p:oleObj spid="_x0000_s317836" name="Equation" r:id="rId21" imgW="253800" imgH="380880" progId="Equation.DSMT4">
                   <p:embed/>
                 </p:oleObj>
               </mc:Choice>
@@ -20641,7 +20226,7 @@
           <a:graphicData uri="http://schemas.openxmlformats.org/presentationml/2006/ole">
             <mc:AlternateContent xmlns:mc="http://schemas.openxmlformats.org/markup-compatibility/2006">
               <mc:Choice xmlns:v="urn:schemas-microsoft-com:vml" Requires="v">
-                <p:oleObj spid="_x0000_s317760" name="Equation" r:id="rId23" imgW="380880" imgH="355320" progId="Equation.DSMT4">
+                <p:oleObj spid="_x0000_s317837" name="Equation" r:id="rId23" imgW="380880" imgH="355320" progId="Equation.DSMT4">
                   <p:embed/>
                 </p:oleObj>
               </mc:Choice>
@@ -20691,13 +20276,6 @@
   <p:clrMapOvr>
     <a:masterClrMapping/>
   </p:clrMapOvr>
-  <p:timing>
-    <p:tnLst>
-      <p:par>
-        <p:cTn id="1" dur="indefinite" restart="never" nodeType="tmRoot"/>
-      </p:par>
-    </p:tnLst>
-  </p:timing>
 </p:sld>
 </file>
 
@@ -20800,7 +20378,7 @@
             <a:br>
               <a:rPr lang="en-GB" dirty="0"/>
             </a:br>
-            <a:endParaRPr lang="en-GB" dirty="0" smtClean="0"/>
+            <a:endParaRPr lang="en-GB" dirty="0"/>
           </a:p>
           <a:p>
             <a:pPr>
@@ -20808,7 +20386,7 @@
                 <a:spcPct val="110000"/>
               </a:lnSpc>
             </a:pPr>
-            <a:endParaRPr lang="en-GB" dirty="0" smtClean="0"/>
+            <a:endParaRPr lang="en-GB" dirty="0"/>
           </a:p>
           <a:p>
             <a:pPr>
@@ -20817,18 +20395,9 @@
               </a:lnSpc>
             </a:pPr>
             <a:r>
-              <a:rPr lang="en-GB" dirty="0" smtClean="0"/>
-              <a:t>The </a:t>
-            </a:r>
-            <a:r>
               <a:rPr lang="en-GB" dirty="0"/>
-              <a:t>size of       </a:t>
-            </a:r>
-            <a:r>
-              <a:rPr lang="en-GB" dirty="0" smtClean="0"/>
-              <a:t>is </a:t>
-            </a:r>
-            <a:endParaRPr lang="en-GB" dirty="0"/>
+              <a:t>The size of       is </a:t>
+            </a:r>
           </a:p>
           <a:p>
             <a:pPr>
@@ -20869,7 +20438,7 @@
           <a:lstStyle/>
           <a:p>
             <a:r>
-              <a:rPr lang="en-US" smtClean="0"/>
+              <a:rPr lang="en-US"/>
               <a:t> Page </a:t>
             </a:r>
             <a:fld id="{D57F1E4F-1CFF-5643-939E-217C01CDF565}" type="slidenum">
@@ -21318,7 +20887,7 @@
             <a:graphicData uri="http://schemas.openxmlformats.org/presentationml/2006/ole">
               <mc:AlternateContent xmlns:mc="http://schemas.openxmlformats.org/markup-compatibility/2006">
                 <mc:Choice xmlns:v="urn:schemas-microsoft-com:vml" Requires="v">
-                  <p:oleObj spid="_x0000_s318736" name="Equation" r:id="rId3" imgW="177480" imgH="241200" progId="Equation.DSMT4">
+                  <p:oleObj spid="_x0000_s318806" name="Equation" r:id="rId3" imgW="177480" imgH="241200" progId="Equation.DSMT4">
                     <p:embed/>
                   </p:oleObj>
                 </mc:Choice>
@@ -21524,7 +21093,7 @@
             <a:graphicData uri="http://schemas.openxmlformats.org/presentationml/2006/ole">
               <mc:AlternateContent xmlns:mc="http://schemas.openxmlformats.org/markup-compatibility/2006">
                 <mc:Choice xmlns:v="urn:schemas-microsoft-com:vml" Requires="v">
-                  <p:oleObj spid="_x0000_s318737" name="Equation" r:id="rId5" imgW="330120" imgH="304560" progId="Equation.DSMT4">
+                  <p:oleObj spid="_x0000_s318807" name="Equation" r:id="rId5" imgW="330120" imgH="304560" progId="Equation.DSMT4">
                     <p:embed/>
                   </p:oleObj>
                 </mc:Choice>
@@ -21586,7 +21155,7 @@
             <a:graphicData uri="http://schemas.openxmlformats.org/presentationml/2006/ole">
               <mc:AlternateContent xmlns:mc="http://schemas.openxmlformats.org/markup-compatibility/2006">
                 <mc:Choice xmlns:v="urn:schemas-microsoft-com:vml" Requires="v">
-                  <p:oleObj spid="_x0000_s318738" name="Equation" r:id="rId7" imgW="241200" imgH="317160" progId="Equation.DSMT4">
+                  <p:oleObj spid="_x0000_s318808" name="Equation" r:id="rId7" imgW="241200" imgH="317160" progId="Equation.DSMT4">
                     <p:embed/>
                   </p:oleObj>
                 </mc:Choice>
@@ -21648,7 +21217,7 @@
             <a:graphicData uri="http://schemas.openxmlformats.org/presentationml/2006/ole">
               <mc:AlternateContent xmlns:mc="http://schemas.openxmlformats.org/markup-compatibility/2006">
                 <mc:Choice xmlns:v="urn:schemas-microsoft-com:vml" Requires="v">
-                  <p:oleObj spid="_x0000_s318739" name="Equation" r:id="rId9" imgW="215640" imgH="317160" progId="Equation.DSMT4">
+                  <p:oleObj spid="_x0000_s318809" name="Equation" r:id="rId9" imgW="215640" imgH="317160" progId="Equation.DSMT4">
                     <p:embed/>
                   </p:oleObj>
                 </mc:Choice>
@@ -21821,7 +21390,7 @@
             <a:graphicData uri="http://schemas.openxmlformats.org/presentationml/2006/ole">
               <mc:AlternateContent xmlns:mc="http://schemas.openxmlformats.org/markup-compatibility/2006">
                 <mc:Choice xmlns:v="urn:schemas-microsoft-com:vml" Requires="v">
-                  <p:oleObj spid="_x0000_s318740" name="Equation" r:id="rId11" imgW="317160" imgH="330120" progId="Equation.DSMT4">
+                  <p:oleObj spid="_x0000_s318810" name="Equation" r:id="rId11" imgW="317160" imgH="330120" progId="Equation.DSMT4">
                     <p:embed/>
                   </p:oleObj>
                 </mc:Choice>
@@ -21884,7 +21453,7 @@
           <a:graphicData uri="http://schemas.openxmlformats.org/presentationml/2006/ole">
             <mc:AlternateContent xmlns:mc="http://schemas.openxmlformats.org/markup-compatibility/2006">
               <mc:Choice xmlns:v="urn:schemas-microsoft-com:vml" Requires="v">
-                <p:oleObj spid="_x0000_s318741" name="Equation" r:id="rId13" imgW="1066680" imgH="787320" progId="Equation.DSMT4">
+                <p:oleObj spid="_x0000_s318811" name="Equation" r:id="rId13" imgW="1066680" imgH="787320" progId="Equation.DSMT4">
                   <p:embed/>
                 </p:oleObj>
               </mc:Choice>
@@ -21954,7 +21523,7 @@
           <a:graphicData uri="http://schemas.openxmlformats.org/presentationml/2006/ole">
             <mc:AlternateContent xmlns:mc="http://schemas.openxmlformats.org/markup-compatibility/2006">
               <mc:Choice xmlns:v="urn:schemas-microsoft-com:vml" Requires="v">
-                <p:oleObj spid="_x0000_s318742" name="Equation" r:id="rId15" imgW="2171520" imgH="583920" progId="Equation.DSMT4">
+                <p:oleObj spid="_x0000_s318812" name="Equation" r:id="rId15" imgW="2171520" imgH="583920" progId="Equation.DSMT4">
                   <p:embed/>
                 </p:oleObj>
               </mc:Choice>
@@ -22024,7 +21593,7 @@
           <a:graphicData uri="http://schemas.openxmlformats.org/presentationml/2006/ole">
             <mc:AlternateContent xmlns:mc="http://schemas.openxmlformats.org/markup-compatibility/2006">
               <mc:Choice xmlns:v="urn:schemas-microsoft-com:vml" Requires="v">
-                <p:oleObj spid="_x0000_s318743" name="Equation" r:id="rId17" imgW="380880" imgH="355320" progId="Equation.DSMT4">
+                <p:oleObj spid="_x0000_s318813" name="Equation" r:id="rId17" imgW="380880" imgH="355320" progId="Equation.DSMT4">
                   <p:embed/>
                 </p:oleObj>
               </mc:Choice>
@@ -22094,7 +21663,7 @@
           <a:graphicData uri="http://schemas.openxmlformats.org/presentationml/2006/ole">
             <mc:AlternateContent xmlns:mc="http://schemas.openxmlformats.org/markup-compatibility/2006">
               <mc:Choice xmlns:v="urn:schemas-microsoft-com:vml" Requires="v">
-                <p:oleObj spid="_x0000_s318744" name="Equation" r:id="rId19" imgW="368280" imgH="380880" progId="Equation.DSMT4">
+                <p:oleObj spid="_x0000_s318814" name="Equation" r:id="rId19" imgW="368280" imgH="380880" progId="Equation.DSMT4">
                   <p:embed/>
                 </p:oleObj>
               </mc:Choice>
@@ -22156,7 +21725,7 @@
           <a:graphicData uri="http://schemas.openxmlformats.org/presentationml/2006/ole">
             <mc:AlternateContent xmlns:mc="http://schemas.openxmlformats.org/markup-compatibility/2006">
               <mc:Choice xmlns:v="urn:schemas-microsoft-com:vml" Requires="v">
-                <p:oleObj spid="_x0000_s318745" name="Equation" r:id="rId21" imgW="368280" imgH="380880" progId="Equation.DSMT4">
+                <p:oleObj spid="_x0000_s318815" name="Equation" r:id="rId21" imgW="368280" imgH="380880" progId="Equation.DSMT4">
                   <p:embed/>
                 </p:oleObj>
               </mc:Choice>
@@ -22206,13 +21775,6 @@
   <p:clrMapOvr>
     <a:masterClrMapping/>
   </p:clrMapOvr>
-  <p:timing>
-    <p:tnLst>
-      <p:par>
-        <p:cTn id="1" dur="indefinite" restart="never" nodeType="tmRoot"/>
-      </p:par>
-    </p:tnLst>
-  </p:timing>
 </p:sld>
 </file>
 
@@ -22305,15 +21867,7 @@
             </a:pPr>
             <a:r>
               <a:rPr lang="en-GB" dirty="0"/>
-              <a:t>	where                            </a:t>
-            </a:r>
-            <a:r>
-              <a:rPr lang="en-GB" dirty="0" smtClean="0"/>
-              <a:t>is </a:t>
-            </a:r>
-            <a:r>
-              <a:rPr lang="en-GB" dirty="0"/>
-              <a:t>the </a:t>
+              <a:t>	where                            is the </a:t>
             </a:r>
             <a:r>
               <a:rPr lang="en-GB" dirty="0">
@@ -22358,20 +21912,12 @@
               <a:rPr lang="en-GB" dirty="0"/>
               <a:t> to </a:t>
             </a:r>
-            <a:r>
-              <a:rPr lang="en-GB" dirty="0" smtClean="0"/>
-              <a:t/>
-            </a:r>
             <a:br>
-              <a:rPr lang="en-GB" dirty="0" smtClean="0"/>
+              <a:rPr lang="en-GB" dirty="0"/>
             </a:br>
             <a:r>
-              <a:rPr lang="en-GB" dirty="0" smtClean="0"/>
-              <a:t>the </a:t>
-            </a:r>
-            <a:r>
               <a:rPr lang="en-GB" dirty="0"/>
-              <a:t>particle's path. </a:t>
+              <a:t>the particle's path. </a:t>
             </a:r>
           </a:p>
           <a:p>
@@ -22403,7 +21949,7 @@
           <a:lstStyle/>
           <a:p>
             <a:r>
-              <a:rPr lang="en-US" smtClean="0"/>
+              <a:rPr lang="en-US"/>
               <a:t> Page </a:t>
             </a:r>
             <a:fld id="{D57F1E4F-1CFF-5643-939E-217C01CDF565}" type="slidenum">
@@ -22463,7 +22009,7 @@
           <a:graphicData uri="http://schemas.openxmlformats.org/presentationml/2006/ole">
             <mc:AlternateContent xmlns:mc="http://schemas.openxmlformats.org/markup-compatibility/2006">
               <mc:Choice xmlns:v="urn:schemas-microsoft-com:vml" Requires="v">
-                <p:oleObj spid="_x0000_s319568" name="Equation" r:id="rId4" imgW="1968480" imgH="787320" progId="Equation.DSMT4">
+                <p:oleObj spid="_x0000_s319589" name="Equation" r:id="rId4" imgW="1968480" imgH="787320" progId="Equation.DSMT4">
                   <p:embed/>
                 </p:oleObj>
               </mc:Choice>
@@ -22533,7 +22079,7 @@
           <a:graphicData uri="http://schemas.openxmlformats.org/presentationml/2006/ole">
             <mc:AlternateContent xmlns:mc="http://schemas.openxmlformats.org/markup-compatibility/2006">
               <mc:Choice xmlns:v="urn:schemas-microsoft-com:vml" Requires="v">
-                <p:oleObj spid="_x0000_s319569" name="Equation" r:id="rId6" imgW="1968480" imgH="444240" progId="Equation.DSMT4">
+                <p:oleObj spid="_x0000_s319590" name="Equation" r:id="rId6" imgW="1968480" imgH="444240" progId="Equation.DSMT4">
                   <p:embed/>
                 </p:oleObj>
               </mc:Choice>
@@ -22603,7 +22149,7 @@
           <a:graphicData uri="http://schemas.openxmlformats.org/presentationml/2006/ole">
             <mc:AlternateContent xmlns:mc="http://schemas.openxmlformats.org/markup-compatibility/2006">
               <mc:Choice xmlns:v="urn:schemas-microsoft-com:vml" Requires="v">
-                <p:oleObj spid="_x0000_s319570" name="Equation" r:id="rId8" imgW="177480" imgH="368280" progId="Equation.DSMT4">
+                <p:oleObj spid="_x0000_s319591" name="Equation" r:id="rId8" imgW="177480" imgH="368280" progId="Equation.DSMT4">
                   <p:embed/>
                 </p:oleObj>
               </mc:Choice>
@@ -22661,13 +22207,6 @@
   <p:clrMapOvr>
     <a:masterClrMapping/>
   </p:clrMapOvr>
-  <p:timing>
-    <p:tnLst>
-      <p:par>
-        <p:cTn id="1" dur="indefinite" restart="never" nodeType="tmRoot"/>
-      </p:par>
-    </p:tnLst>
-  </p:timing>
 </p:sld>
 </file>
 
@@ -22776,35 +22315,15 @@
               </a:tabLst>
             </a:pPr>
             <a:r>
-              <a:rPr lang="en-GB" sz="2000" dirty="0" smtClean="0"/>
-              <a:t>a</a:t>
-            </a:r>
-            <a:r>
               <a:rPr lang="en-GB" sz="2000" dirty="0"/>
-              <a:t>) </a:t>
-            </a:r>
-            <a:r>
-              <a:rPr lang="en-GB" sz="2000" dirty="0" smtClean="0"/>
-              <a:t>	Find </a:t>
-            </a:r>
-            <a:r>
+              <a:t>a) 	Find the rover’s co-ordinates and its distance from </a:t>
+            </a:r>
+            <a:br>
               <a:rPr lang="en-GB" sz="2000" dirty="0"/>
-              <a:t>the rover’s co-ordinates and its distance from </a:t>
-            </a:r>
-            <a:r>
-              <a:rPr lang="en-GB" sz="2000" dirty="0" smtClean="0"/>
-              <a:t/>
-            </a:r>
-            <a:br>
-              <a:rPr lang="en-GB" sz="2000" dirty="0" smtClean="0"/>
             </a:br>
             <a:r>
-              <a:rPr lang="en-GB" sz="2000" dirty="0" smtClean="0"/>
-              <a:t>the </a:t>
-            </a:r>
-            <a:r>
               <a:rPr lang="en-GB" sz="2000" dirty="0"/>
-              <a:t>lander at </a:t>
+              <a:t>the lander at </a:t>
             </a:r>
             <a:r>
               <a:rPr lang="en-GB" sz="2000" i="1" dirty="0"/>
@@ -22827,54 +22346,30 @@
             </a:pPr>
             <a:r>
               <a:rPr lang="en-GB" sz="2000" dirty="0"/>
-              <a:t>b) </a:t>
-            </a:r>
-            <a:r>
-              <a:rPr lang="en-GB" sz="2000" dirty="0" smtClean="0"/>
-              <a:t>	Find </a:t>
-            </a:r>
-            <a:r>
+              <a:t>b) 	Find the rover’s displacement and average velocity </a:t>
+            </a:r>
+            <a:br>
               <a:rPr lang="en-GB" sz="2000" dirty="0"/>
-              <a:t>the rover’s displacement and average velocity </a:t>
-            </a:r>
-            <a:r>
-              <a:rPr lang="en-GB" sz="2000" dirty="0" smtClean="0"/>
-              <a:t/>
-            </a:r>
-            <a:br>
-              <a:rPr lang="en-GB" sz="2000" dirty="0" smtClean="0"/>
             </a:br>
             <a:r>
-              <a:rPr lang="en-GB" sz="2000" dirty="0" smtClean="0"/>
-              <a:t>vectors </a:t>
-            </a:r>
-            <a:r>
               <a:rPr lang="en-GB" sz="2000" dirty="0"/>
-              <a:t>during the time interval from </a:t>
-            </a:r>
-            <a:r>
-              <a:rPr lang="en-GB" sz="2000" i="1" dirty="0" smtClean="0"/>
+              <a:t>vectors during the time interval from </a:t>
+            </a:r>
+            <a:r>
+              <a:rPr lang="en-GB" sz="2000" i="1" dirty="0"/>
               <a:t>t</a:t>
             </a:r>
             <a:r>
-              <a:rPr lang="en-GB" sz="2000" dirty="0" smtClean="0"/>
-              <a:t> </a:t>
-            </a:r>
-            <a:r>
               <a:rPr lang="en-GB" sz="2000" dirty="0"/>
-              <a:t>= 0.0 s to </a:t>
-            </a:r>
-            <a:r>
-              <a:rPr lang="en-GB" sz="2000" i="1" dirty="0" smtClean="0"/>
+              <a:t> = 0.0 s to </a:t>
+            </a:r>
+            <a:r>
+              <a:rPr lang="en-GB" sz="2000" i="1" dirty="0"/>
               <a:t>t</a:t>
             </a:r>
             <a:r>
-              <a:rPr lang="en-GB" sz="2000" dirty="0" smtClean="0"/>
-              <a:t> </a:t>
-            </a:r>
-            <a:r>
               <a:rPr lang="en-GB" sz="2000" dirty="0"/>
-              <a:t>= 2.0 s.</a:t>
+              <a:t> = 2.0 s.</a:t>
             </a:r>
           </a:p>
           <a:p>
@@ -22889,26 +22384,14 @@
             </a:pPr>
             <a:r>
               <a:rPr lang="en-GB" sz="2000" dirty="0"/>
-              <a:t>c)  </a:t>
-            </a:r>
-            <a:r>
-              <a:rPr lang="en-GB" sz="2000" dirty="0" smtClean="0"/>
-              <a:t>	Derive </a:t>
-            </a:r>
-            <a:r>
-              <a:rPr lang="en-GB" sz="2000" dirty="0"/>
-              <a:t>a general expression for the rover’s instantaneous </a:t>
+              <a:t>c)  	Derive a general expression for the rover’s instantaneous </a:t>
             </a:r>
             <a:br>
               <a:rPr lang="en-GB" sz="2000" dirty="0"/>
             </a:br>
             <a:r>
-              <a:rPr lang="en-GB" sz="2000" dirty="0" smtClean="0"/>
-              <a:t>velocity </a:t>
-            </a:r>
-            <a:r>
               <a:rPr lang="en-GB" sz="2000" dirty="0"/>
-              <a:t>vector.</a:t>
+              <a:t>velocity vector.</a:t>
             </a:r>
           </a:p>
           <a:p>
@@ -22933,43 +22416,19 @@
               <a:rPr lang="en-GB" sz="2000" dirty="0"/>
               <a:t> = 2.0 s in </a:t>
             </a:r>
-            <a:r>
-              <a:rPr lang="en-GB" sz="2000" dirty="0" smtClean="0"/>
-              <a:t/>
-            </a:r>
             <a:br>
-              <a:rPr lang="en-GB" sz="2000" dirty="0" smtClean="0"/>
+              <a:rPr lang="en-GB" sz="2000" dirty="0"/>
             </a:br>
             <a:r>
-              <a:rPr lang="en-GB" sz="2000" dirty="0" smtClean="0"/>
-              <a:t>component </a:t>
-            </a:r>
-            <a:r>
               <a:rPr lang="en-GB" sz="2000" dirty="0"/>
-              <a:t>form and also in terms </a:t>
-            </a:r>
-            <a:r>
-              <a:rPr lang="en-GB" sz="2000" dirty="0" smtClean="0"/>
-              <a:t>of magnitude </a:t>
-            </a:r>
-            <a:r>
+              <a:t>component form and also in terms of magnitude and </a:t>
+            </a:r>
+            <a:br>
               <a:rPr lang="en-GB" sz="2000" dirty="0"/>
-              <a:t>and </a:t>
-            </a:r>
-            <a:r>
-              <a:rPr lang="en-GB" sz="2000" dirty="0" smtClean="0"/>
-              <a:t/>
-            </a:r>
-            <a:br>
-              <a:rPr lang="en-GB" sz="2000" dirty="0" smtClean="0"/>
             </a:br>
             <a:r>
-              <a:rPr lang="en-GB" sz="2000" dirty="0" smtClean="0"/>
-              <a:t>direction</a:t>
-            </a:r>
-            <a:r>
               <a:rPr lang="en-GB" sz="2000" dirty="0"/>
-              <a:t>.</a:t>
+              <a:t>direction.</a:t>
             </a:r>
           </a:p>
           <a:p>
@@ -22998,7 +22457,7 @@
           <a:lstStyle/>
           <a:p>
             <a:r>
-              <a:rPr lang="en-US" smtClean="0"/>
+              <a:rPr lang="en-US"/>
               <a:t> Page </a:t>
             </a:r>
             <a:fld id="{D57F1E4F-1CFF-5643-939E-217C01CDF565}" type="slidenum">
@@ -23238,12 +22697,8 @@
           </a:p>
           <a:p>
             <a:r>
-              <a:rPr lang="en-GB" dirty="0" smtClean="0"/>
-              <a:t>Its </a:t>
-            </a:r>
-            <a:r>
               <a:rPr lang="en-GB" dirty="0"/>
-              <a:t>direction is the </a:t>
+              <a:t>Its direction is the </a:t>
             </a:r>
             <a:r>
               <a:rPr lang="en-GB" dirty="0">
@@ -23282,7 +22737,7 @@
           <a:lstStyle/>
           <a:p>
             <a:r>
-              <a:rPr lang="en-US" smtClean="0"/>
+              <a:rPr lang="en-US"/>
               <a:t> Page </a:t>
             </a:r>
             <a:fld id="{D57F1E4F-1CFF-5643-939E-217C01CDF565}" type="slidenum">
@@ -23316,7 +22771,7 @@
           <a:graphicData uri="http://schemas.openxmlformats.org/presentationml/2006/ole">
             <mc:AlternateContent xmlns:mc="http://schemas.openxmlformats.org/markup-compatibility/2006">
               <mc:Choice xmlns:v="urn:schemas-microsoft-com:vml" Requires="v">
-                <p:oleObj spid="_x0000_s320560" name="Equation" r:id="rId3" imgW="2184120" imgH="863280" progId="Equation.DSMT4">
+                <p:oleObj spid="_x0000_s320574" name="Equation" r:id="rId3" imgW="2184120" imgH="863280" progId="Equation.DSMT4">
                   <p:embed/>
                 </p:oleObj>
               </mc:Choice>
@@ -23386,7 +22841,7 @@
           <a:graphicData uri="http://schemas.openxmlformats.org/presentationml/2006/ole">
             <mc:AlternateContent xmlns:mc="http://schemas.openxmlformats.org/markup-compatibility/2006">
               <mc:Choice xmlns:v="urn:schemas-microsoft-com:vml" Requires="v">
-                <p:oleObj spid="_x0000_s320561" name="Equation" r:id="rId5" imgW="380880" imgH="368280" progId="Equation.DSMT4">
+                <p:oleObj spid="_x0000_s320575" name="Equation" r:id="rId5" imgW="380880" imgH="368280" progId="Equation.DSMT4">
                   <p:embed/>
                 </p:oleObj>
               </mc:Choice>
@@ -23469,13 +22924,6 @@
   <p:clrMapOvr>
     <a:masterClrMapping/>
   </p:clrMapOvr>
-  <p:timing>
-    <p:tnLst>
-      <p:par>
-        <p:cTn id="1" dur="indefinite" restart="never" nodeType="tmRoot"/>
-      </p:par>
-    </p:tnLst>
-  </p:timing>
 </p:sld>
 </file>
 
@@ -23553,15 +23001,7 @@
             </a:r>
             <a:r>
               <a:rPr lang="en-GB" dirty="0"/>
-              <a:t> </a:t>
-            </a:r>
-            <a:r>
-              <a:rPr lang="en-GB" dirty="0" smtClean="0"/>
-              <a:t>acceleration is </a:t>
-            </a:r>
-            <a:r>
-              <a:rPr lang="en-GB" dirty="0"/>
-              <a:t>defined as</a:t>
+              <a:t> acceleration is defined as</a:t>
             </a:r>
             <a:br>
               <a:rPr lang="en-GB" dirty="0"/>
@@ -23605,10 +23045,6 @@
                 </a:solidFill>
               </a:rPr>
               <a:t>concave</a:t>
-            </a:r>
-            <a:r>
-              <a:rPr lang="en-GB" dirty="0"/>
-              <a:t/>
             </a:r>
             <a:br>
               <a:rPr lang="en-GB" dirty="0"/>
@@ -23650,7 +23086,7 @@
           <a:lstStyle/>
           <a:p>
             <a:r>
-              <a:rPr lang="en-US" smtClean="0"/>
+              <a:rPr lang="en-US"/>
               <a:t> Page </a:t>
             </a:r>
             <a:fld id="{D57F1E4F-1CFF-5643-939E-217C01CDF565}" type="slidenum">
@@ -23684,7 +23120,7 @@
           <a:graphicData uri="http://schemas.openxmlformats.org/presentationml/2006/ole">
             <mc:AlternateContent xmlns:mc="http://schemas.openxmlformats.org/markup-compatibility/2006">
               <mc:Choice xmlns:v="urn:schemas-microsoft-com:vml" Requires="v">
-                <p:oleObj spid="_x0000_s324648" name="Equation" r:id="rId3" imgW="2743200" imgH="863280" progId="Equation.DSMT4">
+                <p:oleObj spid="_x0000_s324662" name="Equation" r:id="rId3" imgW="2743200" imgH="863280" progId="Equation.DSMT4">
                   <p:embed/>
                 </p:oleObj>
               </mc:Choice>
@@ -23778,7 +23214,7 @@
           <a:graphicData uri="http://schemas.openxmlformats.org/presentationml/2006/ole">
             <mc:AlternateContent xmlns:mc="http://schemas.openxmlformats.org/markup-compatibility/2006">
               <mc:Choice xmlns:v="urn:schemas-microsoft-com:vml" Requires="v">
-                <p:oleObj spid="_x0000_s324649" name="Equation" r:id="rId6" imgW="3733560" imgH="1473120" progId="Equation.DSMT4">
+                <p:oleObj spid="_x0000_s324663" name="Equation" r:id="rId6" imgW="3733560" imgH="1473120" progId="Equation.DSMT4">
                   <p:embed/>
                 </p:oleObj>
               </mc:Choice>
@@ -23829,13 +23265,6 @@
   <p:clrMapOvr>
     <a:masterClrMapping/>
   </p:clrMapOvr>
-  <p:timing>
-    <p:tnLst>
-      <p:par>
-        <p:cTn id="1" dur="indefinite" restart="never" nodeType="tmRoot"/>
-      </p:par>
-    </p:tnLst>
-  </p:timing>
 </p:sld>
 </file>
 
@@ -24061,7 +23490,7 @@
           <a:lstStyle/>
           <a:p>
             <a:r>
-              <a:rPr lang="en-US" smtClean="0"/>
+              <a:rPr lang="en-US"/>
               <a:t> Page </a:t>
             </a:r>
             <a:fld id="{D57F1E4F-1CFF-5643-939E-217C01CDF565}" type="slidenum">
@@ -24366,7 +23795,7 @@
             <a:graphicData uri="http://schemas.openxmlformats.org/presentationml/2006/ole">
               <mc:AlternateContent xmlns:mc="http://schemas.openxmlformats.org/markup-compatibility/2006">
                 <mc:Choice xmlns:v="urn:schemas-microsoft-com:vml" Requires="v">
-                  <p:oleObj spid="_x0000_s264300" name="Equation" r:id="rId3" imgW="177480" imgH="317160" progId="Equation.DSMT4">
+                  <p:oleObj spid="_x0000_s264314" name="Equation" r:id="rId3" imgW="177480" imgH="317160" progId="Equation.DSMT4">
                     <p:embed/>
                   </p:oleObj>
                 </mc:Choice>
@@ -24430,7 +23859,7 @@
           <a:graphicData uri="http://schemas.openxmlformats.org/presentationml/2006/ole">
             <mc:AlternateContent xmlns:mc="http://schemas.openxmlformats.org/markup-compatibility/2006">
               <mc:Choice xmlns:v="urn:schemas-microsoft-com:vml" Requires="v">
-                <p:oleObj spid="_x0000_s264301" name="Equation" r:id="rId5" imgW="190440" imgH="368280" progId="Equation.DSMT4">
+                <p:oleObj spid="_x0000_s264315" name="Equation" r:id="rId5" imgW="190440" imgH="368280" progId="Equation.DSMT4">
                   <p:embed/>
                 </p:oleObj>
               </mc:Choice>
@@ -24481,13 +23910,6 @@
   <p:clrMapOvr>
     <a:masterClrMapping/>
   </p:clrMapOvr>
-  <p:timing>
-    <p:tnLst>
-      <p:par>
-        <p:cTn id="1" dur="indefinite" restart="never" nodeType="tmRoot"/>
-      </p:par>
-    </p:tnLst>
-  </p:timing>
 </p:sld>
 </file>
 
@@ -24566,11 +23988,7 @@
             </a:r>
             <a:r>
               <a:rPr lang="en-GB" sz="2000" dirty="0"/>
-              <a:t> plane. The rover, which we represent as a point, has x- and y co-ordinates that vary with time </a:t>
-            </a:r>
-            <a:r>
-              <a:rPr lang="en-GB" sz="2000" dirty="0" smtClean="0"/>
-              <a:t>:</a:t>
+              <a:t> plane. The rover, which we represent as a point, has x- and y co-ordinates that vary with time :</a:t>
             </a:r>
           </a:p>
           <a:p>
@@ -24597,7 +24015,7 @@
                 <a:tab pos="533400" algn="l"/>
               </a:tabLst>
             </a:pPr>
-            <a:endParaRPr lang="en-GB" sz="2000" dirty="0" smtClean="0"/>
+            <a:endParaRPr lang="en-GB" sz="2000" dirty="0"/>
           </a:p>
           <a:p>
             <a:pPr marL="0" indent="0">
@@ -24624,35 +24042,15 @@
               </a:tabLst>
             </a:pPr>
             <a:r>
-              <a:rPr lang="en-GB" sz="2000" dirty="0" smtClean="0"/>
-              <a:t>a</a:t>
-            </a:r>
-            <a:r>
               <a:rPr lang="en-GB" sz="2000" dirty="0"/>
-              <a:t>) </a:t>
-            </a:r>
-            <a:r>
-              <a:rPr lang="en-GB" sz="2000" dirty="0" smtClean="0"/>
-              <a:t>	Find </a:t>
-            </a:r>
-            <a:r>
+              <a:t>a) 	Find the components of the average acceleration during </a:t>
+            </a:r>
+            <a:br>
               <a:rPr lang="en-GB" sz="2000" dirty="0"/>
-              <a:t>the components of the average acceleration during </a:t>
-            </a:r>
-            <a:r>
-              <a:rPr lang="en-GB" sz="2000" dirty="0" smtClean="0"/>
-              <a:t/>
-            </a:r>
-            <a:br>
-              <a:rPr lang="en-GB" sz="2000" dirty="0" smtClean="0"/>
             </a:br>
             <a:r>
-              <a:rPr lang="en-GB" sz="2000" dirty="0" smtClean="0"/>
-              <a:t>the </a:t>
-            </a:r>
-            <a:r>
               <a:rPr lang="en-GB" sz="2000" dirty="0"/>
-              <a:t>time interval from </a:t>
+              <a:t>the time interval from </a:t>
             </a:r>
             <a:r>
               <a:rPr lang="en-GB" sz="2000" i="1" dirty="0"/>
@@ -24663,16 +24061,12 @@
               <a:t> = 0.0 s to </a:t>
             </a:r>
             <a:r>
-              <a:rPr lang="en-GB" sz="2000" i="1" dirty="0" smtClean="0"/>
+              <a:rPr lang="en-GB" sz="2000" i="1" dirty="0"/>
               <a:t>t</a:t>
             </a:r>
             <a:r>
-              <a:rPr lang="en-GB" sz="2000" dirty="0" smtClean="0"/>
-              <a:t> </a:t>
-            </a:r>
-            <a:r>
               <a:rPr lang="en-GB" sz="2000" dirty="0"/>
-              <a:t>= 2.0 s.</a:t>
+              <a:t> = 2.0 s.</a:t>
             </a:r>
           </a:p>
           <a:p>
@@ -24732,7 +24126,7 @@
           <a:lstStyle/>
           <a:p>
             <a:r>
-              <a:rPr lang="en-US" smtClean="0"/>
+              <a:rPr lang="en-US"/>
               <a:t> Page </a:t>
             </a:r>
             <a:fld id="{D57F1E4F-1CFF-5643-939E-217C01CDF565}" type="slidenum">
@@ -24766,7 +24160,7 @@
           <a:graphicData uri="http://schemas.openxmlformats.org/presentationml/2006/ole">
             <mc:AlternateContent xmlns:mc="http://schemas.openxmlformats.org/markup-compatibility/2006">
               <mc:Choice xmlns:v="urn:schemas-microsoft-com:vml" Requires="v">
-                <p:oleObj spid="_x0000_s321561" name="Equation" r:id="rId4" imgW="1765080" imgH="838080" progId="Equation.DSMT4">
+                <p:oleObj spid="_x0000_s321568" name="Equation" r:id="rId4" imgW="1765080" imgH="838080" progId="Equation.DSMT4">
                   <p:embed/>
                 </p:oleObj>
               </mc:Choice>
@@ -25068,53 +24462,33 @@
                   <a:srgbClr val="FF0000"/>
                 </a:solidFill>
               </a:rPr>
-              <a:t>= 3 </a:t>
-            </a:r>
-            <a:r>
-              <a:rPr lang="en-GB" dirty="0" smtClean="0">
+              <a:t>= 3 m, </a:t>
+            </a:r>
+            <a:r>
+              <a:rPr lang="en-GB" i="1" dirty="0">
                 <a:solidFill>
                   <a:srgbClr val="FF0000"/>
                 </a:solidFill>
               </a:rPr>
-              <a:t>m, </a:t>
-            </a:r>
-            <a:r>
-              <a:rPr lang="en-GB" i="1" dirty="0" smtClean="0">
+              <a:t>y</a:t>
+            </a:r>
+            <a:r>
+              <a:rPr lang="en-GB" dirty="0">
                 <a:solidFill>
                   <a:srgbClr val="FF0000"/>
                 </a:solidFill>
               </a:rPr>
-              <a:t>y</a:t>
-            </a:r>
-            <a:r>
-              <a:rPr lang="en-GB" dirty="0" smtClean="0">
-                <a:solidFill>
-                  <a:srgbClr val="FF0000"/>
-                </a:solidFill>
-              </a:rPr>
-              <a:t> </a:t>
-            </a:r>
-            <a:r>
-              <a:rPr lang="en-GB" dirty="0">
-                <a:solidFill>
-                  <a:srgbClr val="FF0000"/>
-                </a:solidFill>
-              </a:rPr>
-              <a:t>= 4 m</a:t>
+              <a:t> = 4 m</a:t>
             </a:r>
             <a:r>
               <a:rPr lang="en-GB" dirty="0"/>
               <a:t> </a:t>
             </a:r>
-            <a:r>
-              <a:rPr lang="en-GB" dirty="0" smtClean="0"/>
-              <a:t/>
-            </a:r>
             <a:br>
-              <a:rPr lang="en-GB" dirty="0" smtClean="0"/>
+              <a:rPr lang="en-GB" dirty="0"/>
             </a:br>
             <a:r>
-              <a:rPr lang="en-GB" dirty="0" smtClean="0"/>
+              <a:rPr lang="en-GB" dirty="0"/>
               <a:t>and </a:t>
             </a:r>
             <a:r>
@@ -25135,15 +24509,7 @@
             </a:r>
             <a:r>
               <a:rPr lang="en-GB" dirty="0"/>
-              <a:t>, </a:t>
-            </a:r>
-            <a:r>
-              <a:rPr lang="en-GB" dirty="0" smtClean="0"/>
-              <a:t>its position </a:t>
-            </a:r>
-            <a:r>
-              <a:rPr lang="en-GB" dirty="0"/>
-              <a:t>vector is</a:t>
+              <a:t>, its position vector is</a:t>
             </a:r>
           </a:p>
           <a:p>
@@ -25167,7 +24533,7 @@
           <a:lstStyle/>
           <a:p>
             <a:r>
-              <a:rPr lang="en-US" smtClean="0"/>
+              <a:rPr lang="en-US"/>
               <a:t> Page </a:t>
             </a:r>
             <a:fld id="{D57F1E4F-1CFF-5643-939E-217C01CDF565}" type="slidenum">
@@ -25226,7 +24592,7 @@
           <a:graphicData uri="http://schemas.openxmlformats.org/presentationml/2006/ole">
             <mc:AlternateContent xmlns:mc="http://schemas.openxmlformats.org/markup-compatibility/2006">
               <mc:Choice xmlns:v="urn:schemas-microsoft-com:vml" Requires="v">
-                <p:oleObj spid="_x0000_s322606" name="Equation" r:id="rId4" imgW="1930320" imgH="444240" progId="Equation.DSMT4">
+                <p:oleObj spid="_x0000_s322620" name="Equation" r:id="rId4" imgW="1930320" imgH="444240" progId="Equation.DSMT4">
                   <p:embed/>
                 </p:oleObj>
               </mc:Choice>
@@ -25296,7 +24662,7 @@
           <a:graphicData uri="http://schemas.openxmlformats.org/presentationml/2006/ole">
             <mc:AlternateContent xmlns:mc="http://schemas.openxmlformats.org/markup-compatibility/2006">
               <mc:Choice xmlns:v="urn:schemas-microsoft-com:vml" Requires="v">
-                <p:oleObj spid="_x0000_s322607" name="Equation" r:id="rId6" imgW="2057400" imgH="444240" progId="Equation.DSMT4">
+                <p:oleObj spid="_x0000_s322621" name="Equation" r:id="rId6" imgW="2057400" imgH="444240" progId="Equation.DSMT4">
                   <p:embed/>
                 </p:oleObj>
               </mc:Choice>
@@ -25354,13 +24720,6 @@
   <p:clrMapOvr>
     <a:masterClrMapping/>
   </p:clrMapOvr>
-  <p:timing>
-    <p:tnLst>
-      <p:par>
-        <p:cTn id="1" dur="indefinite" restart="never" nodeType="tmRoot"/>
-      </p:par>
-    </p:tnLst>
-  </p:timing>
 </p:sld>
 </file>
 
@@ -25497,14 +24856,10 @@
             </a:pPr>
             <a:r>
               <a:rPr lang="en-GB" dirty="0"/>
-              <a:t>Displacement depends only on </a:t>
-            </a:r>
-            <a:r>
-              <a:rPr lang="en-GB" dirty="0" smtClean="0"/>
-              <a:t>the </a:t>
-            </a:r>
-            <a:r>
-              <a:rPr lang="en-GB" dirty="0" smtClean="0">
+              <a:t>Displacement depends only on the </a:t>
+            </a:r>
+            <a:r>
+              <a:rPr lang="en-GB" dirty="0">
                 <a:solidFill>
                   <a:srgbClr val="FF0000"/>
                 </a:solidFill>
@@ -25512,18 +24867,14 @@
               <a:t>start</a:t>
             </a:r>
             <a:r>
-              <a:rPr lang="en-GB" dirty="0" smtClean="0"/>
-              <a:t> </a:t>
-            </a:r>
-            <a:r>
               <a:rPr lang="en-GB" dirty="0"/>
-              <a:t>and </a:t>
+              <a:t> and </a:t>
             </a:r>
             <a:br>
               <a:rPr lang="en-GB" dirty="0"/>
             </a:br>
             <a:r>
-              <a:rPr lang="en-GB" dirty="0" smtClean="0">
+              <a:rPr lang="en-GB" dirty="0">
                 <a:solidFill>
                   <a:srgbClr val="FF0000"/>
                 </a:solidFill>
@@ -25531,12 +24882,8 @@
               <a:t>end</a:t>
             </a:r>
             <a:r>
-              <a:rPr lang="en-GB" dirty="0" smtClean="0"/>
-              <a:t> </a:t>
-            </a:r>
-            <a:r>
               <a:rPr lang="en-GB" dirty="0"/>
-              <a:t>points.</a:t>
+              <a:t> points.</a:t>
             </a:r>
           </a:p>
           <a:p>
@@ -25565,12 +24912,8 @@
               </a:lnSpc>
             </a:pPr>
             <a:r>
-              <a:rPr lang="en-GB" dirty="0" smtClean="0"/>
-              <a:t>It </a:t>
-            </a:r>
-            <a:r>
               <a:rPr lang="en-GB" dirty="0"/>
-              <a:t>is in the </a:t>
+              <a:t>It is in the </a:t>
             </a:r>
             <a:r>
               <a:rPr lang="en-GB" dirty="0">
@@ -25621,7 +24964,7 @@
           <a:lstStyle/>
           <a:p>
             <a:r>
-              <a:rPr lang="en-US" smtClean="0"/>
+              <a:rPr lang="en-US"/>
               <a:t> Page </a:t>
             </a:r>
             <a:fld id="{D57F1E4F-1CFF-5643-939E-217C01CDF565}" type="slidenum">
@@ -25680,7 +25023,7 @@
           <a:graphicData uri="http://schemas.openxmlformats.org/presentationml/2006/ole">
             <mc:AlternateContent xmlns:mc="http://schemas.openxmlformats.org/markup-compatibility/2006">
               <mc:Choice xmlns:v="urn:schemas-microsoft-com:vml" Requires="v">
-                <p:oleObj spid="_x0000_s323628" name="Equation" r:id="rId4" imgW="1422360" imgH="380880" progId="Equation.DSMT4">
+                <p:oleObj spid="_x0000_s323642" name="Equation" r:id="rId4" imgW="1422360" imgH="380880" progId="Equation.DSMT4">
                   <p:embed/>
                 </p:oleObj>
               </mc:Choice>
@@ -25742,7 +25085,7 @@
           <a:graphicData uri="http://schemas.openxmlformats.org/presentationml/2006/ole">
             <mc:AlternateContent xmlns:mc="http://schemas.openxmlformats.org/markup-compatibility/2006">
               <mc:Choice xmlns:v="urn:schemas-microsoft-com:vml" Requires="v">
-                <p:oleObj spid="_x0000_s323629" name="Equation" r:id="rId6" imgW="1054080" imgH="787320" progId="Equation.DSMT4">
+                <p:oleObj spid="_x0000_s323643" name="Equation" r:id="rId6" imgW="1054080" imgH="787320" progId="Equation.DSMT4">
                   <p:embed/>
                 </p:oleObj>
               </mc:Choice>
@@ -25800,13 +25143,6 @@
   <p:clrMapOvr>
     <a:masterClrMapping/>
   </p:clrMapOvr>
-  <p:timing>
-    <p:tnLst>
-      <p:par>
-        <p:cTn id="1" dur="indefinite" restart="never" nodeType="tmRoot"/>
-      </p:par>
-    </p:tnLst>
-  </p:timing>
 </p:sld>
 </file>
 
@@ -25919,7 +25255,7 @@
           <a:lstStyle/>
           <a:p>
             <a:r>
-              <a:rPr lang="en-US" smtClean="0"/>
+              <a:rPr lang="en-US"/>
               <a:t> Page </a:t>
             </a:r>
             <a:fld id="{D57F1E4F-1CFF-5643-939E-217C01CDF565}" type="slidenum">
@@ -25953,7 +25289,7 @@
           <a:graphicData uri="http://schemas.openxmlformats.org/presentationml/2006/ole">
             <mc:AlternateContent xmlns:mc="http://schemas.openxmlformats.org/markup-compatibility/2006">
               <mc:Choice xmlns:v="urn:schemas-microsoft-com:vml" Requires="v">
-                <p:oleObj spid="_x0000_s325653" name="Equation" r:id="rId3" imgW="3581280" imgH="2743200" progId="Equation.DSMT4">
+                <p:oleObj spid="_x0000_s325660" name="Equation" r:id="rId3" imgW="3581280" imgH="2743200" progId="Equation.DSMT4">
                   <p:embed/>
                 </p:oleObj>
               </mc:Choice>
@@ -26011,13 +25347,6 @@
   <p:clrMapOvr>
     <a:masterClrMapping/>
   </p:clrMapOvr>
-  <p:timing>
-    <p:tnLst>
-      <p:par>
-        <p:cTn id="1" dur="indefinite" restart="never" nodeType="tmRoot"/>
-      </p:par>
-    </p:tnLst>
-  </p:timing>
 </p:sld>
 </file>
 
@@ -26109,12 +25438,8 @@
               </a:lnSpc>
             </a:pPr>
             <a:r>
-              <a:rPr lang="en-GB" dirty="0" smtClean="0"/>
-              <a:t>Its </a:t>
-            </a:r>
-            <a:r>
               <a:rPr lang="en-GB" dirty="0"/>
-              <a:t>direction is </a:t>
+              <a:t>Its direction is </a:t>
             </a:r>
             <a:r>
               <a:rPr lang="en-GB" dirty="0">
@@ -26173,7 +25498,7 @@
           <a:lstStyle/>
           <a:p>
             <a:r>
-              <a:rPr lang="en-US" smtClean="0"/>
+              <a:rPr lang="en-US"/>
               <a:t> Page </a:t>
             </a:r>
             <a:fld id="{D57F1E4F-1CFF-5643-939E-217C01CDF565}" type="slidenum">
@@ -26207,7 +25532,7 @@
           <a:graphicData uri="http://schemas.openxmlformats.org/presentationml/2006/ole">
             <mc:AlternateContent xmlns:mc="http://schemas.openxmlformats.org/markup-compatibility/2006">
               <mc:Choice xmlns:v="urn:schemas-microsoft-com:vml" Requires="v">
-                <p:oleObj spid="_x0000_s326694" name="Equation" r:id="rId3" imgW="2349360" imgH="1295280" progId="Equation.DSMT4">
+                <p:oleObj spid="_x0000_s326708" name="Equation" r:id="rId3" imgW="2349360" imgH="1295280" progId="Equation.DSMT4">
                   <p:embed/>
                 </p:oleObj>
               </mc:Choice>
@@ -26270,7 +25595,7 @@
           <a:graphicData uri="http://schemas.openxmlformats.org/presentationml/2006/ole">
             <mc:AlternateContent xmlns:mc="http://schemas.openxmlformats.org/markup-compatibility/2006">
               <mc:Choice xmlns:v="urn:schemas-microsoft-com:vml" Requires="v">
-                <p:oleObj spid="_x0000_s326695" name="Equation" r:id="rId5" imgW="2019240" imgH="583920" progId="Equation.DSMT4">
+                <p:oleObj spid="_x0000_s326709" name="Equation" r:id="rId5" imgW="2019240" imgH="583920" progId="Equation.DSMT4">
                   <p:embed/>
                 </p:oleObj>
               </mc:Choice>
@@ -26321,13 +25646,6 @@
   <p:clrMapOvr>
     <a:masterClrMapping/>
   </p:clrMapOvr>
-  <p:timing>
-    <p:tnLst>
-      <p:par>
-        <p:cTn id="1" dur="indefinite" restart="never" nodeType="tmRoot"/>
-      </p:par>
-    </p:tnLst>
-  </p:timing>
 </p:sld>
 </file>
 
@@ -26455,12 +25773,8 @@
               </a:lnSpc>
             </a:pPr>
             <a:r>
-              <a:rPr lang="en-GB" dirty="0" smtClean="0"/>
-              <a:t>Its </a:t>
-            </a:r>
-            <a:r>
               <a:rPr lang="en-GB" dirty="0"/>
-              <a:t>direction is the </a:t>
+              <a:t>Its direction is the </a:t>
             </a:r>
             <a:r>
               <a:rPr lang="en-GB" dirty="0">
@@ -26504,7 +25818,7 @@
           <a:lstStyle/>
           <a:p>
             <a:r>
-              <a:rPr lang="en-US" smtClean="0"/>
+              <a:rPr lang="en-US"/>
               <a:t> Page </a:t>
             </a:r>
             <a:fld id="{D57F1E4F-1CFF-5643-939E-217C01CDF565}" type="slidenum">
@@ -26538,7 +25852,7 @@
           <a:graphicData uri="http://schemas.openxmlformats.org/presentationml/2006/ole">
             <mc:AlternateContent xmlns:mc="http://schemas.openxmlformats.org/markup-compatibility/2006">
               <mc:Choice xmlns:v="urn:schemas-microsoft-com:vml" Requires="v">
-                <p:oleObj spid="_x0000_s327714" name="Equation" r:id="rId3" imgW="2184120" imgH="863280" progId="Equation.DSMT4">
+                <p:oleObj spid="_x0000_s327728" name="Equation" r:id="rId3" imgW="2184120" imgH="863280" progId="Equation.DSMT4">
                   <p:embed/>
                 </p:oleObj>
               </mc:Choice>
@@ -26608,7 +25922,7 @@
           <a:graphicData uri="http://schemas.openxmlformats.org/presentationml/2006/ole">
             <mc:AlternateContent xmlns:mc="http://schemas.openxmlformats.org/markup-compatibility/2006">
               <mc:Choice xmlns:v="urn:schemas-microsoft-com:vml" Requires="v">
-                <p:oleObj spid="_x0000_s327715" name="Equation" r:id="rId5" imgW="380880" imgH="368280" progId="Equation.DSMT4">
+                <p:oleObj spid="_x0000_s327729" name="Equation" r:id="rId5" imgW="380880" imgH="368280" progId="Equation.DSMT4">
                   <p:embed/>
                 </p:oleObj>
               </mc:Choice>
@@ -26666,13 +25980,6 @@
   <p:clrMapOvr>
     <a:masterClrMapping/>
   </p:clrMapOvr>
-  <p:timing>
-    <p:tnLst>
-      <p:par>
-        <p:cTn id="1" dur="indefinite" restart="never" nodeType="tmRoot"/>
-      </p:par>
-    </p:tnLst>
-  </p:timing>
 </p:sld>
 </file>
 
@@ -26760,7 +26067,7 @@
               </a:lnSpc>
             </a:pPr>
             <a:r>
-              <a:rPr lang="en-GB" dirty="0" smtClean="0"/>
+              <a:rPr lang="en-GB" dirty="0"/>
               <a:t>Its </a:t>
             </a:r>
             <a:r>
@@ -26795,14 +26102,9 @@
               </a:lnSpc>
             </a:pPr>
             <a:r>
-              <a:rPr lang="en-GB" dirty="0" smtClean="0"/>
-              <a:t>In </a:t>
-            </a:r>
-            <a:r>
               <a:rPr lang="en-GB" dirty="0"/>
-              <a:t>terms of unit vectors </a:t>
-            </a:r>
-            <a:endParaRPr lang="en-GB" dirty="0" smtClean="0"/>
+              <a:t>In terms of unit vectors </a:t>
+            </a:r>
           </a:p>
           <a:p>
             <a:pPr>
@@ -26818,7 +26120,7 @@
                 <a:spcPct val="110000"/>
               </a:lnSpc>
             </a:pPr>
-            <a:endParaRPr lang="en-GB" dirty="0" smtClean="0"/>
+            <a:endParaRPr lang="en-GB" dirty="0"/>
           </a:p>
           <a:p>
             <a:pPr>
@@ -26835,10 +26137,9 @@
               </a:lnSpc>
             </a:pPr>
             <a:r>
-              <a:rPr lang="en-GB" dirty="0" smtClean="0"/>
+              <a:rPr lang="en-GB" dirty="0"/>
               <a:t>The size of     is </a:t>
             </a:r>
-            <a:endParaRPr lang="en-GB" dirty="0"/>
           </a:p>
           <a:p>
             <a:pPr marL="0" indent="0">
@@ -26864,7 +26165,7 @@
           <a:lstStyle/>
           <a:p>
             <a:r>
-              <a:rPr lang="en-US" smtClean="0"/>
+              <a:rPr lang="en-US"/>
               <a:t> Page </a:t>
             </a:r>
             <a:fld id="{D57F1E4F-1CFF-5643-939E-217C01CDF565}" type="slidenum">
@@ -26898,7 +26199,7 @@
           <a:graphicData uri="http://schemas.openxmlformats.org/presentationml/2006/ole">
             <mc:AlternateContent xmlns:mc="http://schemas.openxmlformats.org/markup-compatibility/2006">
               <mc:Choice xmlns:v="urn:schemas-microsoft-com:vml" Requires="v">
-                <p:oleObj spid="_x0000_s328770" name="Equation" r:id="rId3" imgW="2920680" imgH="2336760" progId="Equation.DSMT4">
+                <p:oleObj spid="_x0000_s328798" name="Equation" r:id="rId3" imgW="2920680" imgH="2336760" progId="Equation.DSMT4">
                   <p:embed/>
                 </p:oleObj>
               </mc:Choice>
@@ -26961,7 +26262,7 @@
           <a:graphicData uri="http://schemas.openxmlformats.org/presentationml/2006/ole">
             <mc:AlternateContent xmlns:mc="http://schemas.openxmlformats.org/markup-compatibility/2006">
               <mc:Choice xmlns:v="urn:schemas-microsoft-com:vml" Requires="v">
-                <p:oleObj spid="_x0000_s328771" name="Equation" r:id="rId5" imgW="2158920" imgH="583920" progId="Equation.DSMT4">
+                <p:oleObj spid="_x0000_s328799" name="Equation" r:id="rId5" imgW="2158920" imgH="583920" progId="Equation.DSMT4">
                   <p:embed/>
                 </p:oleObj>
               </mc:Choice>
@@ -27024,7 +26325,7 @@
           <a:graphicData uri="http://schemas.openxmlformats.org/presentationml/2006/ole">
             <mc:AlternateContent xmlns:mc="http://schemas.openxmlformats.org/markup-compatibility/2006">
               <mc:Choice xmlns:v="urn:schemas-microsoft-com:vml" Requires="v">
-                <p:oleObj spid="_x0000_s328772" name="Equation" r:id="rId7" imgW="1981080" imgH="787320" progId="Equation.DSMT4">
+                <p:oleObj spid="_x0000_s328800" name="Equation" r:id="rId7" imgW="1981080" imgH="787320" progId="Equation.DSMT4">
                   <p:embed/>
                 </p:oleObj>
               </mc:Choice>
@@ -27094,7 +26395,7 @@
           <a:graphicData uri="http://schemas.openxmlformats.org/presentationml/2006/ole">
             <mc:AlternateContent xmlns:mc="http://schemas.openxmlformats.org/markup-compatibility/2006">
               <mc:Choice xmlns:v="urn:schemas-microsoft-com:vml" Requires="v">
-                <p:oleObj spid="_x0000_s328773" name="Equation" r:id="rId9" imgW="203040" imgH="368280" progId="Equation.DSMT4">
+                <p:oleObj spid="_x0000_s328801" name="Equation" r:id="rId9" imgW="203040" imgH="368280" progId="Equation.DSMT4">
                   <p:embed/>
                 </p:oleObj>
               </mc:Choice>
@@ -27152,13 +26453,6 @@
   <p:clrMapOvr>
     <a:masterClrMapping/>
   </p:clrMapOvr>
-  <p:timing>
-    <p:tnLst>
-      <p:par>
-        <p:cTn id="1" dur="indefinite" restart="never" nodeType="tmRoot"/>
-      </p:par>
-    </p:tnLst>
-  </p:timing>
 </p:sld>
 </file>
 
@@ -27273,20 +26567,12 @@
               <a:rPr lang="en-GB" dirty="0"/>
               <a:t>We will set up equations for a projectile </a:t>
             </a:r>
-            <a:r>
-              <a:rPr lang="en-GB" dirty="0" smtClean="0"/>
-              <a:t/>
-            </a:r>
             <a:br>
-              <a:rPr lang="en-GB" dirty="0" smtClean="0"/>
+              <a:rPr lang="en-GB" dirty="0"/>
             </a:br>
             <a:r>
-              <a:rPr lang="en-GB" dirty="0" smtClean="0"/>
-              <a:t>motion </a:t>
-            </a:r>
-            <a:r>
               <a:rPr lang="en-GB" dirty="0"/>
-              <a:t>assuming </a:t>
+              <a:t>motion assuming </a:t>
             </a:r>
             <a:r>
               <a:rPr lang="en-GB" dirty="0">
@@ -27300,7 +26586,6 @@
               <a:rPr lang="en-GB" dirty="0"/>
               <a:t>air resistance. </a:t>
             </a:r>
-            <a:endParaRPr lang="en-GB" dirty="0" smtClean="0"/>
           </a:p>
           <a:p>
             <a:pPr>
@@ -27333,7 +26618,7 @@
               <a:t> velocity </a:t>
             </a:r>
             <a:r>
-              <a:rPr lang="en-US" i="1" dirty="0" smtClean="0">
+              <a:rPr lang="en-US" i="1" dirty="0">
                 <a:solidFill>
                   <a:schemeClr val="tx1"/>
                 </a:solidFill>
@@ -27341,7 +26626,7 @@
               <a:t>v</a:t>
             </a:r>
             <a:r>
-              <a:rPr lang="en-US" baseline="-25000" dirty="0" smtClean="0">
+              <a:rPr lang="en-US" baseline="-25000" dirty="0">
                 <a:solidFill>
                   <a:schemeClr val="tx1"/>
                 </a:solidFill>
@@ -27349,133 +26634,93 @@
               <a:t>0</a:t>
             </a:r>
             <a:r>
-              <a:rPr lang="en-US" dirty="0" smtClean="0">
+              <a:rPr lang="en-US" dirty="0">
                 <a:solidFill>
                   <a:schemeClr val="tx1"/>
                 </a:solidFill>
               </a:rPr>
-              <a:t> can </a:t>
-            </a:r>
-            <a:r>
+              <a:t> can be resolved</a:t>
+            </a:r>
+            <a:br>
               <a:rPr lang="en-US" dirty="0">
                 <a:solidFill>
                   <a:schemeClr val="tx1"/>
                 </a:solidFill>
               </a:rPr>
-              <a:t>be </a:t>
-            </a:r>
-            <a:r>
-              <a:rPr lang="en-US" dirty="0" smtClean="0">
+            </a:br>
+            <a:r>
+              <a:rPr lang="en-US" dirty="0">
                 <a:solidFill>
                   <a:schemeClr val="tx1"/>
                 </a:solidFill>
               </a:rPr>
-              <a:t>resolved</a:t>
+              <a:t>into the </a:t>
+            </a:r>
+            <a:r>
+              <a:rPr lang="en-US" i="1" dirty="0">
+                <a:solidFill>
+                  <a:schemeClr val="tx1"/>
+                </a:solidFill>
+              </a:rPr>
+              <a:t>x</a:t>
+            </a:r>
+            <a:r>
+              <a:rPr lang="en-US" dirty="0">
+                <a:solidFill>
+                  <a:schemeClr val="tx1"/>
+                </a:solidFill>
+              </a:rPr>
+              <a:t> and </a:t>
+            </a:r>
+            <a:r>
+              <a:rPr lang="en-US" i="1" dirty="0">
+                <a:solidFill>
+                  <a:schemeClr val="tx1"/>
+                </a:solidFill>
+              </a:rPr>
+              <a:t>y</a:t>
+            </a:r>
+            <a:r>
+              <a:rPr lang="en-US" dirty="0">
+                <a:solidFill>
+                  <a:schemeClr val="tx1"/>
+                </a:solidFill>
+              </a:rPr>
+              <a:t> components in terms </a:t>
             </a:r>
             <a:br>
-              <a:rPr lang="en-US" dirty="0" smtClean="0">
+              <a:rPr lang="en-US" dirty="0">
                 <a:solidFill>
                   <a:schemeClr val="tx1"/>
                 </a:solidFill>
               </a:rPr>
             </a:br>
             <a:r>
-              <a:rPr lang="en-US" dirty="0" smtClean="0">
+              <a:rPr lang="en-US" dirty="0">
                 <a:solidFill>
                   <a:schemeClr val="tx1"/>
                 </a:solidFill>
               </a:rPr>
-              <a:t>into </a:t>
-            </a:r>
-            <a:r>
-              <a:rPr lang="en-US" dirty="0">
+              <a:t>of the angle </a:t>
+            </a:r>
+            <a:r>
+              <a:rPr lang="el-GR" dirty="0">
                 <a:solidFill>
                   <a:schemeClr val="tx1"/>
                 </a:solidFill>
               </a:rPr>
-              <a:t>the </a:t>
-            </a:r>
-            <a:r>
-              <a:rPr lang="en-US" i="1" dirty="0">
+              <a:t>α</a:t>
+            </a:r>
+            <a:r>
+              <a:rPr lang="en-GB" baseline="-25000" dirty="0">
                 <a:solidFill>
                   <a:schemeClr val="tx1"/>
                 </a:solidFill>
               </a:rPr>
-              <a:t>x</a:t>
-            </a:r>
-            <a:r>
-              <a:rPr lang="en-US" dirty="0">
-                <a:solidFill>
-                  <a:schemeClr val="tx1"/>
-                </a:solidFill>
-              </a:rPr>
-              <a:t> and </a:t>
-            </a:r>
-            <a:r>
-              <a:rPr lang="en-US" i="1" dirty="0">
-                <a:solidFill>
-                  <a:schemeClr val="tx1"/>
-                </a:solidFill>
-              </a:rPr>
-              <a:t>y</a:t>
-            </a:r>
-            <a:r>
-              <a:rPr lang="en-US" dirty="0">
-                <a:solidFill>
-                  <a:schemeClr val="tx1"/>
-                </a:solidFill>
-              </a:rPr>
-              <a:t> components in </a:t>
-            </a:r>
-            <a:r>
-              <a:rPr lang="en-US" dirty="0" smtClean="0">
-                <a:solidFill>
-                  <a:schemeClr val="tx1"/>
-                </a:solidFill>
-              </a:rPr>
-              <a:t>terms </a:t>
-            </a:r>
-            <a:br>
-              <a:rPr lang="en-US" dirty="0" smtClean="0">
-                <a:solidFill>
-                  <a:schemeClr val="tx1"/>
-                </a:solidFill>
-              </a:rPr>
-            </a:br>
-            <a:r>
-              <a:rPr lang="en-US" dirty="0" smtClean="0">
-                <a:solidFill>
-                  <a:schemeClr val="tx1"/>
-                </a:solidFill>
-              </a:rPr>
-              <a:t>of </a:t>
-            </a:r>
-            <a:r>
-              <a:rPr lang="en-US" dirty="0">
-                <a:solidFill>
-                  <a:schemeClr val="tx1"/>
-                </a:solidFill>
-              </a:rPr>
-              <a:t>the angle </a:t>
-            </a:r>
-            <a:r>
-              <a:rPr lang="el-GR" dirty="0">
-                <a:solidFill>
-                  <a:schemeClr val="tx1"/>
-                </a:solidFill>
-              </a:rPr>
-              <a:t>α</a:t>
-            </a:r>
-            <a:r>
-              <a:rPr lang="en-GB" baseline="-25000" dirty="0" smtClean="0">
-                <a:solidFill>
-                  <a:schemeClr val="tx1"/>
-                </a:solidFill>
-              </a:rPr>
               <a:t>0</a:t>
             </a:r>
             <a:r>
-              <a:rPr lang="en-GB" dirty="0" smtClean="0">
+              <a:rPr lang="en-GB" dirty="0">
                 <a:solidFill>
                   <a:schemeClr val="tx1"/>
                 </a:solidFill>
@@ -27517,7 +26762,7 @@
           <a:lstStyle/>
           <a:p>
             <a:r>
-              <a:rPr lang="en-US" smtClean="0"/>
+              <a:rPr lang="en-US"/>
               <a:t> Page </a:t>
             </a:r>
             <a:fld id="{D57F1E4F-1CFF-5643-939E-217C01CDF565}" type="slidenum">
@@ -27551,7 +26796,7 @@
           <a:graphicData uri="http://schemas.openxmlformats.org/presentationml/2006/ole">
             <mc:AlternateContent xmlns:mc="http://schemas.openxmlformats.org/markup-compatibility/2006">
               <mc:Choice xmlns:v="urn:schemas-microsoft-com:vml" Requires="v">
-                <p:oleObj spid="_x0000_s333836" name="Equation" r:id="rId3" imgW="1765080" imgH="888840" progId="Equation.DSMT4">
+                <p:oleObj spid="_x0000_s333850" name="Equation" r:id="rId3" imgW="1765080" imgH="888840" progId="Equation.DSMT4">
                   <p:embed/>
                 </p:oleObj>
               </mc:Choice>
@@ -27692,7 +26937,7 @@
             <a:graphicData uri="http://schemas.openxmlformats.org/presentationml/2006/ole">
               <mc:AlternateContent xmlns:mc="http://schemas.openxmlformats.org/markup-compatibility/2006">
                 <mc:Choice xmlns:v="urn:schemas-microsoft-com:vml" Requires="v">
-                  <p:oleObj spid="_x0000_s333837" name="Equation" r:id="rId6" imgW="355320" imgH="330120" progId="Equation.DSMT4">
+                  <p:oleObj spid="_x0000_s333851" name="Equation" r:id="rId6" imgW="355320" imgH="330120" progId="Equation.DSMT4">
                     <p:embed/>
                   </p:oleObj>
                 </mc:Choice>
@@ -27744,13 +26989,6 @@
   <p:clrMapOvr>
     <a:masterClrMapping/>
   </p:clrMapOvr>
-  <p:timing>
-    <p:tnLst>
-      <p:par>
-        <p:cTn id="1" dur="indefinite" restart="never" nodeType="tmRoot"/>
-      </p:par>
-    </p:tnLst>
-  </p:timing>
 </p:sld>
 </file>
 
@@ -27806,12 +27044,8 @@
           <a:lstStyle/>
           <a:p>
             <a:r>
-              <a:rPr lang="en-SG" dirty="0" smtClean="0"/>
-              <a:t>If </a:t>
-            </a:r>
-            <a:r>
               <a:rPr lang="en-SG" dirty="0"/>
-              <a:t>there is </a:t>
+              <a:t>If there is </a:t>
             </a:r>
             <a:r>
               <a:rPr lang="en-SG" dirty="0">
@@ -27823,27 +27057,15 @@
             </a:r>
             <a:r>
               <a:rPr lang="en-SG" dirty="0"/>
-              <a:t> air resistance, </a:t>
-            </a:r>
-            <a:r>
-              <a:rPr lang="en-SG" dirty="0" smtClean="0"/>
-              <a:t>the horizontal velocity                </a:t>
-            </a:r>
-            <a:r>
-              <a:rPr lang="en-SG" dirty="0" smtClean="0">
+              <a:t> air resistance, the horizontal velocity                </a:t>
+            </a:r>
+            <a:r>
+              <a:rPr lang="en-SG" dirty="0">
                 <a:solidFill>
                   <a:srgbClr val="FF0000"/>
                 </a:solidFill>
               </a:rPr>
-              <a:t>is </a:t>
-            </a:r>
-            <a:r>
-              <a:rPr lang="en-SG" dirty="0">
-                <a:solidFill>
-                  <a:srgbClr val="FF0000"/>
-                </a:solidFill>
-              </a:rPr>
-              <a:t>constant</a:t>
+              <a:t>is constant</a:t>
             </a:r>
             <a:r>
               <a:rPr lang="en-SG" dirty="0"/>
@@ -27865,23 +27087,15 @@
             </a:r>
             <a:r>
               <a:rPr lang="en-SG" dirty="0"/>
-              <a:t> distance travelled </a:t>
-            </a:r>
-            <a:r>
-              <a:rPr lang="en-SG" dirty="0" smtClean="0"/>
-              <a:t>in time </a:t>
-            </a:r>
-            <a:r>
-              <a:rPr lang="en-SG" i="1" dirty="0" smtClean="0"/>
+              <a:t> distance travelled in time </a:t>
+            </a:r>
+            <a:r>
+              <a:rPr lang="en-SG" i="1" dirty="0"/>
               <a:t>t</a:t>
             </a:r>
             <a:r>
-              <a:rPr lang="en-SG" dirty="0" smtClean="0"/>
-              <a:t> is                          </a:t>
-            </a:r>
-            <a:r>
               <a:rPr lang="en-SG" dirty="0"/>
-              <a:t>. </a:t>
+              <a:t> is                          . </a:t>
             </a:r>
           </a:p>
           <a:p>
@@ -27899,35 +27113,22 @@
             </a:r>
             <a:r>
               <a:rPr lang="en-SG" dirty="0"/>
-              <a:t>, the vertical </a:t>
-            </a:r>
-            <a:r>
-              <a:rPr lang="en-SG" dirty="0" smtClean="0"/>
-              <a:t>velocity varies as </a:t>
-            </a:r>
-          </a:p>
-          <a:p>
-            <a:r>
-              <a:rPr lang="en-SG" dirty="0" smtClean="0"/>
-              <a:t>The vertical distance </a:t>
-            </a:r>
+              <a:t>, the vertical velocity varies as </a:t>
+            </a:r>
+          </a:p>
+          <a:p>
             <a:r>
               <a:rPr lang="en-SG" dirty="0"/>
-              <a:t>travelled is </a:t>
-            </a:r>
-            <a:r>
-              <a:rPr lang="en-SG" dirty="0" smtClean="0"/>
-              <a:t>in time </a:t>
-            </a:r>
-            <a:r>
-              <a:rPr lang="en-SG" i="1" dirty="0" smtClean="0"/>
+              <a:t>The vertical distance travelled is in time </a:t>
+            </a:r>
+            <a:r>
+              <a:rPr lang="en-SG" i="1" dirty="0"/>
               <a:t>t</a:t>
             </a:r>
             <a:r>
-              <a:rPr lang="en-SG" dirty="0" smtClean="0"/>
+              <a:rPr lang="en-SG" dirty="0"/>
               <a:t> is</a:t>
             </a:r>
-            <a:endParaRPr lang="en-SG" dirty="0"/>
           </a:p>
           <a:p>
             <a:r>
@@ -27964,27 +27165,14 @@
               <a:buNone/>
             </a:pPr>
             <a:r>
-              <a:rPr lang="en-SG" dirty="0" smtClean="0"/>
+              <a:rPr lang="en-SG" dirty="0"/>
               <a:t> </a:t>
             </a:r>
-            <a:endParaRPr lang="en-SG" dirty="0"/>
-          </a:p>
-          <a:p>
-            <a:r>
-              <a:rPr lang="en-SG" dirty="0" smtClean="0"/>
-              <a:t>This </a:t>
-            </a:r>
+          </a:p>
+          <a:p>
             <a:r>
               <a:rPr lang="en-SG" dirty="0"/>
-              <a:t>shows that the </a:t>
-            </a:r>
-            <a:r>
-              <a:rPr lang="en-SG" dirty="0" smtClean="0"/>
-              <a:t>object moves </a:t>
-            </a:r>
-            <a:r>
-              <a:rPr lang="en-SG" dirty="0"/>
-              <a:t>in a parabolic path.</a:t>
+              <a:t>This shows that the object moves in a parabolic path.</a:t>
             </a:r>
           </a:p>
           <a:p>
@@ -28008,7 +27196,7 @@
           <a:lstStyle/>
           <a:p>
             <a:r>
-              <a:rPr lang="en-US" smtClean="0"/>
+              <a:rPr lang="en-US"/>
               <a:t> Page </a:t>
             </a:r>
             <a:fld id="{D57F1E4F-1CFF-5643-939E-217C01CDF565}" type="slidenum">
@@ -28042,7 +27230,7 @@
           <a:graphicData uri="http://schemas.openxmlformats.org/presentationml/2006/ole">
             <mc:AlternateContent xmlns:mc="http://schemas.openxmlformats.org/markup-compatibility/2006">
               <mc:Choice xmlns:v="urn:schemas-microsoft-com:vml" Requires="v">
-                <p:oleObj spid="_x0000_s334873" name="Equation" r:id="rId3" imgW="2730240" imgH="660240" progId="Equation.DSMT4">
+                <p:oleObj spid="_x0000_s334908" name="Equation" r:id="rId3" imgW="2730240" imgH="660240" progId="Equation.DSMT4">
                   <p:embed/>
                 </p:oleObj>
               </mc:Choice>
@@ -28105,7 +27293,7 @@
           <a:graphicData uri="http://schemas.openxmlformats.org/presentationml/2006/ole">
             <mc:AlternateContent xmlns:mc="http://schemas.openxmlformats.org/markup-compatibility/2006">
               <mc:Choice xmlns:v="urn:schemas-microsoft-com:vml" Requires="v">
-                <p:oleObj spid="_x0000_s334874" name="Equation" r:id="rId5" imgW="3746160" imgH="850680" progId="Equation.DSMT4">
+                <p:oleObj spid="_x0000_s334909" name="Equation" r:id="rId5" imgW="3746160" imgH="850680" progId="Equation.DSMT4">
                   <p:embed/>
                 </p:oleObj>
               </mc:Choice>
@@ -28168,7 +27356,7 @@
           <a:graphicData uri="http://schemas.openxmlformats.org/presentationml/2006/ole">
             <mc:AlternateContent xmlns:mc="http://schemas.openxmlformats.org/markup-compatibility/2006">
               <mc:Choice xmlns:v="urn:schemas-microsoft-com:vml" Requires="v">
-                <p:oleObj spid="_x0000_s334875" name="Equation" r:id="rId7" imgW="1054080" imgH="380880" progId="Equation.DSMT4">
+                <p:oleObj spid="_x0000_s334910" name="Equation" r:id="rId7" imgW="1054080" imgH="380880" progId="Equation.DSMT4">
                   <p:embed/>
                 </p:oleObj>
               </mc:Choice>
@@ -28231,7 +27419,7 @@
           <a:graphicData uri="http://schemas.openxmlformats.org/presentationml/2006/ole">
             <mc:AlternateContent xmlns:mc="http://schemas.openxmlformats.org/markup-compatibility/2006">
               <mc:Choice xmlns:v="urn:schemas-microsoft-com:vml" Requires="v">
-                <p:oleObj spid="_x0000_s334876" name="Equation" r:id="rId9" imgW="1917360" imgH="380880" progId="Equation.DSMT4">
+                <p:oleObj spid="_x0000_s334911" name="Equation" r:id="rId9" imgW="1917360" imgH="380880" progId="Equation.DSMT4">
                   <p:embed/>
                 </p:oleObj>
               </mc:Choice>
@@ -28294,7 +27482,7 @@
           <a:graphicData uri="http://schemas.openxmlformats.org/presentationml/2006/ole">
             <mc:AlternateContent xmlns:mc="http://schemas.openxmlformats.org/markup-compatibility/2006">
               <mc:Choice xmlns:v="urn:schemas-microsoft-com:vml" Requires="v">
-                <p:oleObj spid="_x0000_s334877" name="Equation" r:id="rId11" imgW="2527200" imgH="419040" progId="Equation.DSMT4">
+                <p:oleObj spid="_x0000_s334912" name="Equation" r:id="rId11" imgW="2527200" imgH="419040" progId="Equation.DSMT4">
                   <p:embed/>
                 </p:oleObj>
               </mc:Choice>
@@ -28345,13 +27533,6 @@
   <p:clrMapOvr>
     <a:masterClrMapping/>
   </p:clrMapOvr>
-  <p:timing>
-    <p:tnLst>
-      <p:par>
-        <p:cTn id="1" dur="indefinite" restart="never" nodeType="tmRoot"/>
-      </p:par>
-    </p:tnLst>
-  </p:timing>
 </p:sld>
 </file>
 
@@ -28389,11 +27570,7 @@
           <a:p>
             <a:r>
               <a:rPr lang="en-GB" dirty="0"/>
-              <a:t>Example </a:t>
-            </a:r>
-            <a:r>
-              <a:rPr lang="en-GB" dirty="0" smtClean="0"/>
-              <a:t>10</a:t>
+              <a:t>Example 10</a:t>
             </a:r>
             <a:endParaRPr lang="en-SG" dirty="0"/>
           </a:p>
@@ -28450,14 +27627,10 @@
             </a:r>
             <a:r>
               <a:rPr lang="en-GB" sz="2000" dirty="0"/>
-              <a:t>= </a:t>
-            </a:r>
-            <a:r>
-              <a:rPr lang="en-GB" sz="2000" dirty="0" smtClean="0"/>
-              <a:t>53.1</a:t>
-            </a:r>
-            <a:r>
-              <a:rPr lang="en-GB" sz="2000" baseline="30000" dirty="0" smtClean="0"/>
+              <a:t>= 53.1</a:t>
+            </a:r>
+            <a:r>
+              <a:rPr lang="en-GB" sz="2000" baseline="30000" dirty="0"/>
               <a:t>o</a:t>
             </a:r>
             <a:r>
@@ -28478,15 +27651,7 @@
             </a:pPr>
             <a:r>
               <a:rPr lang="en-GB" sz="2000" dirty="0"/>
-              <a:t>a) </a:t>
-            </a:r>
-            <a:r>
-              <a:rPr lang="en-GB" sz="2000" dirty="0" smtClean="0"/>
-              <a:t>	Find </a:t>
-            </a:r>
-            <a:r>
-              <a:rPr lang="en-GB" sz="2000" dirty="0"/>
-              <a:t>the position of the ball and its velocity at </a:t>
+              <a:t>a) 	Find the position of the ball and its velocity at </a:t>
             </a:r>
             <a:r>
               <a:rPr lang="en-GB" sz="2000" i="1" dirty="0"/>
@@ -28509,15 +27674,7 @@
             </a:pPr>
             <a:r>
               <a:rPr lang="en-GB" sz="2000" dirty="0"/>
-              <a:t>b) </a:t>
-            </a:r>
-            <a:r>
-              <a:rPr lang="en-GB" sz="2000" dirty="0" smtClean="0"/>
-              <a:t>	Find </a:t>
-            </a:r>
-            <a:r>
-              <a:rPr lang="en-GB" sz="2000" dirty="0"/>
-              <a:t>the time when the ball reaches the highest point of its flight and its height </a:t>
+              <a:t>b) 	Find the time when the ball reaches the highest point of its flight and its height </a:t>
             </a:r>
             <a:r>
               <a:rPr lang="en-GB" sz="2000" i="1" dirty="0"/>
@@ -28540,15 +27697,7 @@
             </a:pPr>
             <a:r>
               <a:rPr lang="en-GB" sz="2000" dirty="0"/>
-              <a:t>c) </a:t>
-            </a:r>
-            <a:r>
-              <a:rPr lang="en-GB" sz="2000" dirty="0" smtClean="0"/>
-              <a:t>	Find </a:t>
-            </a:r>
-            <a:r>
-              <a:rPr lang="en-GB" sz="2000" dirty="0"/>
-              <a:t>the horizontal range </a:t>
+              <a:t>c) 	Find the horizontal range </a:t>
             </a:r>
             <a:r>
               <a:rPr lang="en-GB" sz="2000" i="1" dirty="0"/>
@@ -28580,7 +27729,7 @@
           <a:lstStyle/>
           <a:p>
             <a:r>
-              <a:rPr lang="en-US" smtClean="0"/>
+              <a:rPr lang="en-US"/>
               <a:t> Page </a:t>
             </a:r>
             <a:fld id="{D57F1E4F-1CFF-5643-939E-217C01CDF565}" type="slidenum">
@@ -28992,25 +28141,7 @@
                 </a:solidFill>
                 <a:sym typeface="Symbol" pitchFamily="84" charset="2"/>
               </a:rPr>
-              <a:t>Hence                      </a:t>
-            </a:r>
-            <a:r>
-              <a:rPr lang="en-US" sz="2400" dirty="0" smtClean="0">
-                <a:solidFill>
-                  <a:schemeClr val="tx1"/>
-                </a:solidFill>
-                <a:sym typeface="Symbol" pitchFamily="84" charset="2"/>
-              </a:rPr>
-              <a:t>is </a:t>
-            </a:r>
-            <a:r>
-              <a:rPr lang="en-US" sz="2400" dirty="0">
-                <a:solidFill>
-                  <a:schemeClr val="tx1"/>
-                </a:solidFill>
-                <a:sym typeface="Symbol" pitchFamily="84" charset="2"/>
-              </a:rPr>
-              <a:t>a </a:t>
+              <a:t>Hence                      is a </a:t>
             </a:r>
             <a:r>
               <a:rPr lang="en-US" sz="2400" dirty="0">
@@ -29206,7 +28337,7 @@
           <a:lstStyle/>
           <a:p>
             <a:r>
-              <a:rPr lang="en-US" smtClean="0"/>
+              <a:rPr lang="en-US"/>
               <a:t> Page </a:t>
             </a:r>
             <a:fld id="{D57F1E4F-1CFF-5643-939E-217C01CDF565}" type="slidenum">
@@ -29240,7 +28371,7 @@
           <a:graphicData uri="http://schemas.openxmlformats.org/presentationml/2006/ole">
             <mc:AlternateContent xmlns:mc="http://schemas.openxmlformats.org/markup-compatibility/2006">
               <mc:Choice xmlns:v="urn:schemas-microsoft-com:vml" Requires="v">
-                <p:oleObj spid="_x0000_s265483" name="Equation" r:id="rId3" imgW="1485720" imgH="380880" progId="Equation.DSMT4">
+                <p:oleObj spid="_x0000_s265518" name="Equation" r:id="rId3" imgW="1485720" imgH="380880" progId="Equation.DSMT4">
                   <p:embed/>
                 </p:oleObj>
               </mc:Choice>
@@ -29303,7 +28434,7 @@
           <a:graphicData uri="http://schemas.openxmlformats.org/presentationml/2006/ole">
             <mc:AlternateContent xmlns:mc="http://schemas.openxmlformats.org/markup-compatibility/2006">
               <mc:Choice xmlns:v="urn:schemas-microsoft-com:vml" Requires="v">
-                <p:oleObj spid="_x0000_s265484" name="Equation" r:id="rId5" imgW="393480" imgH="368280" progId="Equation.DSMT4">
+                <p:oleObj spid="_x0000_s265519" name="Equation" r:id="rId5" imgW="393480" imgH="368280" progId="Equation.DSMT4">
                   <p:embed/>
                 </p:oleObj>
               </mc:Choice>
@@ -29832,7 +28963,7 @@
             <a:graphicData uri="http://schemas.openxmlformats.org/presentationml/2006/ole">
               <mc:AlternateContent xmlns:mc="http://schemas.openxmlformats.org/markup-compatibility/2006">
                 <mc:Choice xmlns:v="urn:schemas-microsoft-com:vml" Requires="v">
-                  <p:oleObj spid="_x0000_s265485" name="Equation" r:id="rId7" imgW="342720" imgH="317160" progId="Equation.DSMT4">
+                  <p:oleObj spid="_x0000_s265520" name="Equation" r:id="rId7" imgW="342720" imgH="317160" progId="Equation.DSMT4">
                     <p:embed/>
                   </p:oleObj>
                 </mc:Choice>
@@ -29895,7 +29026,7 @@
             <a:graphicData uri="http://schemas.openxmlformats.org/presentationml/2006/ole">
               <mc:AlternateContent xmlns:mc="http://schemas.openxmlformats.org/markup-compatibility/2006">
                 <mc:Choice xmlns:v="urn:schemas-microsoft-com:vml" Requires="v">
-                  <p:oleObj spid="_x0000_s265486" name="Equation" r:id="rId9" imgW="228600" imgH="330120" progId="Equation.DSMT4">
+                  <p:oleObj spid="_x0000_s265521" name="Equation" r:id="rId9" imgW="228600" imgH="330120" progId="Equation.DSMT4">
                     <p:embed/>
                   </p:oleObj>
                 </mc:Choice>
@@ -29958,7 +29089,7 @@
             <a:graphicData uri="http://schemas.openxmlformats.org/presentationml/2006/ole">
               <mc:AlternateContent xmlns:mc="http://schemas.openxmlformats.org/markup-compatibility/2006">
                 <mc:Choice xmlns:v="urn:schemas-microsoft-com:vml" Requires="v">
-                  <p:oleObj spid="_x0000_s265487" name="Equation" r:id="rId11" imgW="253800" imgH="330120" progId="Equation.DSMT4">
+                  <p:oleObj spid="_x0000_s265522" name="Equation" r:id="rId11" imgW="253800" imgH="330120" progId="Equation.DSMT4">
                     <p:embed/>
                   </p:oleObj>
                 </mc:Choice>
@@ -30010,13 +29141,6 @@
   <p:clrMapOvr>
     <a:masterClrMapping/>
   </p:clrMapOvr>
-  <p:timing>
-    <p:tnLst>
-      <p:par>
-        <p:cTn id="1" dur="indefinite" restart="never" nodeType="tmRoot"/>
-      </p:par>
-    </p:tnLst>
-  </p:timing>
 </p:sld>
 </file>
 
@@ -30054,11 +29178,7 @@
           <a:p>
             <a:r>
               <a:rPr lang="en-GB" dirty="0"/>
-              <a:t>Example </a:t>
-            </a:r>
-            <a:r>
-              <a:rPr lang="en-GB" dirty="0" smtClean="0"/>
-              <a:t>11</a:t>
+              <a:t>Example 11</a:t>
             </a:r>
             <a:endParaRPr lang="en-SG" dirty="0"/>
           </a:p>
@@ -30084,15 +29204,7 @@
             </a:pPr>
             <a:r>
               <a:rPr lang="en-GB" sz="2000" dirty="0"/>
-              <a:t>A  motorcycle stunt rider rides off the edge of a cliff. Just at the edge his velocity is horizontal, with magnitude 9.0 m/s.  Find the motorcycle’s </a:t>
-            </a:r>
-            <a:r>
-              <a:rPr lang="en-GB" sz="2000" dirty="0" smtClean="0"/>
-              <a:t>(</a:t>
-            </a:r>
-            <a:r>
-              <a:rPr lang="en-GB" sz="2000" dirty="0"/>
-              <a:t>a) position (b) distance from the edge of the cliff and (c) velocity 0.5 s after it leaves the edge of the cliff.</a:t>
+              <a:t>A  motorcycle stunt rider rides off the edge of a cliff. Just at the edge his velocity is horizontal, with magnitude 9.0 m/s.  Find the motorcycle’s (a) position (b) distance from the edge of the cliff and (c) velocity 0.5 s after it leaves the edge of the cliff.</a:t>
             </a:r>
           </a:p>
           <a:p>
@@ -30119,7 +29231,7 @@
           <a:lstStyle/>
           <a:p>
             <a:r>
-              <a:rPr lang="en-US" smtClean="0"/>
+              <a:rPr lang="en-US"/>
               <a:t> Page </a:t>
             </a:r>
             <a:fld id="{D57F1E4F-1CFF-5643-939E-217C01CDF565}" type="slidenum">
@@ -30167,13 +29279,6 @@
   <p:clrMapOvr>
     <a:masterClrMapping/>
   </p:clrMapOvr>
-  <p:timing>
-    <p:tnLst>
-      <p:par>
-        <p:cTn id="1" dur="indefinite" restart="never" nodeType="tmRoot"/>
-      </p:par>
-    </p:tnLst>
-  </p:timing>
 </p:sld>
 </file>
 
@@ -30263,31 +29368,19 @@
             </a:r>
             <a:r>
               <a:rPr lang="en-GB" sz="2000" dirty="0"/>
-              <a:t> at </a:t>
-            </a:r>
-            <a:r>
-              <a:rPr lang="en-GB" sz="2000" dirty="0" smtClean="0"/>
-              <a:t>and initial </a:t>
-            </a:r>
-            <a:r>
-              <a:rPr lang="en-GB" sz="2000" dirty="0"/>
-              <a:t>angle </a:t>
+              <a:t> at and initial angle </a:t>
             </a:r>
             <a:r>
               <a:rPr lang="el-GR" sz="2000" dirty="0"/>
               <a:t>α</a:t>
             </a:r>
             <a:r>
-              <a:rPr lang="en-GB" sz="2000" baseline="-25000" dirty="0" smtClean="0"/>
+              <a:rPr lang="en-GB" sz="2000" baseline="-25000" dirty="0"/>
               <a:t>0</a:t>
             </a:r>
             <a:r>
-              <a:rPr lang="en-GB" sz="2000" dirty="0" smtClean="0"/>
-              <a:t> </a:t>
-            </a:r>
-            <a:r>
               <a:rPr lang="en-GB" sz="2000" dirty="0"/>
-              <a:t>between 0</a:t>
+              <a:t> between 0</a:t>
             </a:r>
             <a:r>
               <a:rPr lang="en-GB" sz="2000" baseline="30000" dirty="0"/>
@@ -30395,7 +29488,7 @@
           <a:lstStyle/>
           <a:p>
             <a:r>
-              <a:rPr lang="en-US" smtClean="0"/>
+              <a:rPr lang="en-US"/>
               <a:t> Page </a:t>
             </a:r>
             <a:fld id="{D57F1E4F-1CFF-5643-939E-217C01CDF565}" type="slidenum">
@@ -30605,7 +29698,7 @@
           <a:lstStyle/>
           <a:p>
             <a:r>
-              <a:rPr lang="en-US" smtClean="0"/>
+              <a:rPr lang="en-US"/>
               <a:t> Page </a:t>
             </a:r>
             <a:fld id="{D57F1E4F-1CFF-5643-939E-217C01CDF565}" type="slidenum">
@@ -30653,13 +29746,6 @@
   <p:clrMapOvr>
     <a:masterClrMapping/>
   </p:clrMapOvr>
-  <p:timing>
-    <p:tnLst>
-      <p:par>
-        <p:cTn id="1" dur="indefinite" restart="never" nodeType="tmRoot"/>
-      </p:par>
-    </p:tnLst>
-  </p:timing>
 </p:sld>
 </file>
 
@@ -30778,7 +29864,7 @@
           <a:lstStyle/>
           <a:p>
             <a:r>
-              <a:rPr lang="en-US" smtClean="0"/>
+              <a:rPr lang="en-US"/>
               <a:t> Page </a:t>
             </a:r>
             <a:fld id="{D57F1E4F-1CFF-5643-939E-217C01CDF565}" type="slidenum">
@@ -30812,7 +29898,7 @@
           <a:graphicData uri="http://schemas.openxmlformats.org/presentationml/2006/ole">
             <mc:AlternateContent xmlns:mc="http://schemas.openxmlformats.org/markup-compatibility/2006">
               <mc:Choice xmlns:v="urn:schemas-microsoft-com:vml" Requires="v">
-                <p:oleObj spid="_x0000_s332810" name="Equation" r:id="rId3" imgW="4305240" imgH="2743200" progId="Equation.DSMT4">
+                <p:oleObj spid="_x0000_s332817" name="Equation" r:id="rId3" imgW="4305240" imgH="2743200" progId="Equation.DSMT4">
                   <p:embed/>
                 </p:oleObj>
               </mc:Choice>
@@ -30866,13 +29952,6 @@
   <p:clrMapOvr>
     <a:masterClrMapping/>
   </p:clrMapOvr>
-  <p:timing>
-    <p:tnLst>
-      <p:par>
-        <p:cTn id="1" dur="indefinite" restart="never" nodeType="tmRoot"/>
-      </p:par>
-    </p:tnLst>
-  </p:timing>
 </p:sld>
 </file>
 
@@ -30969,54 +30048,38 @@
               <a:t> = 50 m. Her </a:t>
             </a:r>
             <a:r>
-              <a:rPr lang="en-GB" sz="2000" i="1" dirty="0" smtClean="0"/>
+              <a:rPr lang="en-GB" sz="2000" i="1" dirty="0"/>
               <a:t>x</a:t>
             </a:r>
             <a:r>
-              <a:rPr lang="en-GB" sz="2000" dirty="0" smtClean="0"/>
-              <a:t>-acceleration </a:t>
-            </a:r>
-            <a:r>
               <a:rPr lang="en-GB" sz="2000" dirty="0"/>
-              <a:t>as a function of time is </a:t>
-            </a:r>
-            <a:r>
-              <a:rPr lang="en-GB" sz="2000" dirty="0" smtClean="0"/>
-              <a:t/>
+              <a:t>-acceleration as a function of time is </a:t>
             </a:r>
             <a:br>
-              <a:rPr lang="en-GB" sz="2000" dirty="0" smtClean="0"/>
+              <a:rPr lang="en-GB" sz="2000" dirty="0"/>
             </a:br>
             <a:r>
-              <a:rPr lang="en-GB" sz="2000" i="1" dirty="0" err="1" smtClean="0"/>
+              <a:rPr lang="en-GB" sz="2000" i="1" dirty="0" err="1"/>
               <a:t>a</a:t>
             </a:r>
             <a:r>
-              <a:rPr lang="en-GB" sz="2000" baseline="-25000" dirty="0" err="1" smtClean="0"/>
+              <a:rPr lang="en-GB" sz="2000" baseline="-25000" dirty="0" err="1"/>
               <a:t>x</a:t>
             </a:r>
             <a:r>
-              <a:rPr lang="en-GB" sz="2000" dirty="0" smtClean="0"/>
-              <a:t> = </a:t>
-            </a:r>
-            <a:r>
               <a:rPr lang="en-GB" sz="2000" dirty="0"/>
-              <a:t>2.0 </a:t>
-            </a:r>
-            <a:r>
-              <a:rPr lang="en-GB" sz="2000" dirty="0" smtClean="0"/>
-              <a:t>- 0.10</a:t>
-            </a:r>
-            <a:r>
-              <a:rPr lang="en-GB" sz="2000" i="1" dirty="0" smtClean="0"/>
+              <a:t> = 2.0 - 0.10</a:t>
+            </a:r>
+            <a:r>
+              <a:rPr lang="en-GB" sz="2000" i="1" dirty="0"/>
               <a:t>t </a:t>
             </a:r>
             <a:r>
-              <a:rPr lang="en-GB" sz="2000" dirty="0" smtClean="0"/>
+              <a:rPr lang="en-GB" sz="2000" dirty="0"/>
               <a:t>m/s</a:t>
             </a:r>
             <a:r>
-              <a:rPr lang="en-GB" sz="2000" baseline="30000" dirty="0" smtClean="0"/>
+              <a:rPr lang="en-GB" sz="2000" baseline="30000" dirty="0"/>
               <a:t>2</a:t>
             </a:r>
             <a:endParaRPr lang="en-GB" sz="2000" i="1" dirty="0"/>
@@ -31123,7 +30186,7 @@
           <a:lstStyle/>
           <a:p>
             <a:r>
-              <a:rPr lang="en-US" smtClean="0"/>
+              <a:rPr lang="en-US"/>
               <a:t> Page </a:t>
             </a:r>
             <a:fld id="{D57F1E4F-1CFF-5643-939E-217C01CDF565}" type="slidenum">
@@ -31286,7 +30349,7 @@
           <a:bodyPr/>
           <a:lstStyle/>
           <a:p>
-            <a:endParaRPr lang="en-US" smtClean="0">
+            <a:endParaRPr lang="en-US">
               <a:latin typeface="Arial" charset="0"/>
             </a:endParaRPr>
           </a:p>
@@ -31312,7 +30375,7 @@
           <a:bodyPr/>
           <a:lstStyle/>
           <a:p>
-            <a:endParaRPr lang="en-US" smtClean="0"/>
+            <a:endParaRPr lang="en-US"/>
           </a:p>
         </p:txBody>
       </p:sp>
@@ -31377,7 +30440,7 @@
           <a:lstStyle/>
           <a:p>
             <a:r>
-              <a:rPr lang="en-US" smtClean="0"/>
+              <a:rPr lang="en-US"/>
               <a:t> Page </a:t>
             </a:r>
             <a:fld id="{D57F1E4F-1CFF-5643-939E-217C01CDF565}" type="slidenum">
@@ -31399,13 +30462,6 @@
   <p:clrMapOvr>
     <a:masterClrMapping/>
   </p:clrMapOvr>
-  <p:timing>
-    <p:tnLst>
-      <p:par>
-        <p:cTn id="1" dur="indefinite" restart="never" nodeType="tmRoot"/>
-      </p:par>
-    </p:tnLst>
-  </p:timing>
 </p:sld>
 </file>
 
@@ -31612,52 +30668,25 @@
                 </a:solidFill>
                 <a:sym typeface="Symbol" pitchFamily="84" charset="2"/>
               </a:rPr>
-              <a:t>vector,                     </a:t>
-            </a:r>
-            <a:r>
-              <a:rPr lang="en-US" sz="2400" dirty="0" smtClean="0">
+              <a:t>vector,                      is a </a:t>
+            </a:r>
+            <a:r>
+              <a:rPr lang="en-US" sz="2400" dirty="0">
+                <a:solidFill>
+                  <a:srgbClr val="FF0000"/>
+                </a:solidFill>
+                <a:sym typeface="Symbol" pitchFamily="84" charset="2"/>
+              </a:rPr>
+              <a:t>vector</a:t>
+            </a:r>
+            <a:r>
+              <a:rPr lang="en-US" sz="2400" dirty="0">
                 <a:solidFill>
                   <a:schemeClr val="tx1"/>
                 </a:solidFill>
                 <a:sym typeface="Symbol" pitchFamily="84" charset="2"/>
               </a:rPr>
-              <a:t> is </a:t>
-            </a:r>
-            <a:r>
-              <a:rPr lang="en-US" sz="2400" dirty="0">
-                <a:solidFill>
-                  <a:schemeClr val="tx1"/>
-                </a:solidFill>
-                <a:sym typeface="Symbol" pitchFamily="84" charset="2"/>
-              </a:rPr>
-              <a:t>a </a:t>
-            </a:r>
-            <a:r>
-              <a:rPr lang="en-US" sz="2400" dirty="0" smtClean="0">
-                <a:solidFill>
-                  <a:srgbClr val="FF0000"/>
-                </a:solidFill>
-                <a:sym typeface="Symbol" pitchFamily="84" charset="2"/>
-              </a:rPr>
-              <a:t>vector</a:t>
-            </a:r>
-            <a:r>
-              <a:rPr lang="en-US" sz="2400" dirty="0" smtClean="0">
-                <a:solidFill>
-                  <a:schemeClr val="tx1"/>
-                </a:solidFill>
-                <a:sym typeface="Symbol" pitchFamily="84" charset="2"/>
-              </a:rPr>
-              <a:t> </a:t>
-            </a:r>
-            <a:r>
-              <a:rPr lang="en-US" sz="2400" dirty="0">
-                <a:solidFill>
-                  <a:schemeClr val="tx1"/>
-                </a:solidFill>
-                <a:sym typeface="Symbol" pitchFamily="84" charset="2"/>
-              </a:rPr>
-              <a:t>pointing from </a:t>
+              <a:t> pointing from </a:t>
             </a:r>
             <a:r>
               <a:rPr lang="en-US" sz="2400" i="1" dirty="0">
@@ -31944,7 +30973,7 @@
           <a:lstStyle/>
           <a:p>
             <a:r>
-              <a:rPr lang="en-US" smtClean="0"/>
+              <a:rPr lang="en-US"/>
               <a:t> Page </a:t>
             </a:r>
             <a:fld id="{D57F1E4F-1CFF-5643-939E-217C01CDF565}" type="slidenum">
@@ -31978,7 +31007,7 @@
           <a:graphicData uri="http://schemas.openxmlformats.org/presentationml/2006/ole">
             <mc:AlternateContent xmlns:mc="http://schemas.openxmlformats.org/markup-compatibility/2006">
               <mc:Choice xmlns:v="urn:schemas-microsoft-com:vml" Requires="v">
-                <p:oleObj spid="_x0000_s266512" name="Equation" r:id="rId3" imgW="1485720" imgH="380880" progId="Equation.DSMT4">
+                <p:oleObj spid="_x0000_s266547" name="Equation" r:id="rId3" imgW="1485720" imgH="380880" progId="Equation.DSMT4">
                   <p:embed/>
                 </p:oleObj>
               </mc:Choice>
@@ -32041,7 +31070,7 @@
           <a:graphicData uri="http://schemas.openxmlformats.org/presentationml/2006/ole">
             <mc:AlternateContent xmlns:mc="http://schemas.openxmlformats.org/markup-compatibility/2006">
               <mc:Choice xmlns:v="urn:schemas-microsoft-com:vml" Requires="v">
-                <p:oleObj spid="_x0000_s266513" name="Equation" r:id="rId5" imgW="393480" imgH="368280" progId="Equation.DSMT4">
+                <p:oleObj spid="_x0000_s266548" name="Equation" r:id="rId5" imgW="393480" imgH="368280" progId="Equation.DSMT4">
                   <p:embed/>
                 </p:oleObj>
               </mc:Choice>
@@ -32497,7 +31526,7 @@
             <a:graphicData uri="http://schemas.openxmlformats.org/presentationml/2006/ole">
               <mc:AlternateContent xmlns:mc="http://schemas.openxmlformats.org/markup-compatibility/2006">
                 <mc:Choice xmlns:v="urn:schemas-microsoft-com:vml" Requires="v">
-                  <p:oleObj spid="_x0000_s266514" name="Equation" r:id="rId7" imgW="482400" imgH="317160" progId="Equation.DSMT4">
+                  <p:oleObj spid="_x0000_s266549" name="Equation" r:id="rId7" imgW="482400" imgH="317160" progId="Equation.DSMT4">
                     <p:embed/>
                   </p:oleObj>
                 </mc:Choice>
@@ -32560,7 +31589,7 @@
             <a:graphicData uri="http://schemas.openxmlformats.org/presentationml/2006/ole">
               <mc:AlternateContent xmlns:mc="http://schemas.openxmlformats.org/markup-compatibility/2006">
                 <mc:Choice xmlns:v="urn:schemas-microsoft-com:vml" Requires="v">
-                  <p:oleObj spid="_x0000_s266515" name="Equation" r:id="rId9" imgW="253800" imgH="330120" progId="Equation.DSMT4">
+                  <p:oleObj spid="_x0000_s266550" name="Equation" r:id="rId9" imgW="253800" imgH="330120" progId="Equation.DSMT4">
                     <p:embed/>
                   </p:oleObj>
                 </mc:Choice>
@@ -32623,7 +31652,7 @@
             <a:graphicData uri="http://schemas.openxmlformats.org/presentationml/2006/ole">
               <mc:AlternateContent xmlns:mc="http://schemas.openxmlformats.org/markup-compatibility/2006">
                 <mc:Choice xmlns:v="urn:schemas-microsoft-com:vml" Requires="v">
-                  <p:oleObj spid="_x0000_s266516" name="Equation" r:id="rId11" imgW="228600" imgH="330120" progId="Equation.DSMT4">
+                  <p:oleObj spid="_x0000_s266551" name="Equation" r:id="rId11" imgW="228600" imgH="330120" progId="Equation.DSMT4">
                     <p:embed/>
                   </p:oleObj>
                 </mc:Choice>
@@ -32726,13 +31755,6 @@
   <p:clrMapOvr>
     <a:masterClrMapping/>
   </p:clrMapOvr>
-  <p:timing>
-    <p:tnLst>
-      <p:par>
-        <p:cTn id="1" dur="indefinite" restart="never" nodeType="tmRoot"/>
-      </p:par>
-    </p:tnLst>
-  </p:timing>
 </p:sld>
 </file>
 
@@ -32911,15 +31933,7 @@
             </a:r>
             <a:r>
               <a:rPr lang="en-GB" dirty="0"/>
-              <a:t> displacement vector with respect to the origin is 0 </a:t>
-            </a:r>
-            <a:r>
-              <a:rPr lang="en-GB" dirty="0" smtClean="0"/>
-              <a:t>m.</a:t>
-            </a:r>
-            <a:r>
-              <a:rPr lang="en-GB" dirty="0"/>
-              <a:t/>
+              <a:t> displacement vector with respect to the origin is 0 m.</a:t>
             </a:r>
             <a:br>
               <a:rPr lang="en-GB" dirty="0"/>
@@ -32944,7 +31958,7 @@
           <a:lstStyle/>
           <a:p>
             <a:r>
-              <a:rPr lang="en-US" smtClean="0"/>
+              <a:rPr lang="en-US"/>
               <a:t> Page </a:t>
             </a:r>
             <a:fld id="{D57F1E4F-1CFF-5643-939E-217C01CDF565}" type="slidenum">
@@ -33407,7 +32421,7 @@
             <a:graphicData uri="http://schemas.openxmlformats.org/presentationml/2006/ole">
               <mc:AlternateContent xmlns:mc="http://schemas.openxmlformats.org/markup-compatibility/2006">
                 <mc:Choice xmlns:v="urn:schemas-microsoft-com:vml" Requires="v">
-                  <p:oleObj spid="_x0000_s302186" name="Equation" r:id="rId3" imgW="342720" imgH="317160" progId="Equation.DSMT4">
+                  <p:oleObj spid="_x0000_s302200" name="Equation" r:id="rId3" imgW="342720" imgH="317160" progId="Equation.DSMT4">
                     <p:embed/>
                   </p:oleObj>
                 </mc:Choice>
@@ -33470,7 +32484,7 @@
             <a:graphicData uri="http://schemas.openxmlformats.org/presentationml/2006/ole">
               <mc:AlternateContent xmlns:mc="http://schemas.openxmlformats.org/markup-compatibility/2006">
                 <mc:Choice xmlns:v="urn:schemas-microsoft-com:vml" Requires="v">
-                  <p:oleObj spid="_x0000_s302187" name="Equation" r:id="rId5" imgW="482400" imgH="317160" progId="Equation.DSMT4">
+                  <p:oleObj spid="_x0000_s302201" name="Equation" r:id="rId5" imgW="482400" imgH="317160" progId="Equation.DSMT4">
                     <p:embed/>
                   </p:oleObj>
                 </mc:Choice>
@@ -33522,13 +32536,6 @@
   <p:clrMapOvr>
     <a:masterClrMapping/>
   </p:clrMapOvr>
-  <p:timing>
-    <p:tnLst>
-      <p:par>
-        <p:cTn id="1" dur="indefinite" restart="never" nodeType="tmRoot"/>
-      </p:par>
-    </p:tnLst>
-  </p:timing>
 </p:sld>
 </file>
 
@@ -33718,23 +32725,7 @@
                   <a:schemeClr val="tx1"/>
                 </a:solidFill>
               </a:rPr>
-              <a:t>       </a:t>
-            </a:r>
-            <a:r>
-              <a:rPr lang="en-US" sz="2400" dirty="0" smtClean="0">
-                <a:solidFill>
-                  <a:schemeClr val="tx1"/>
-                </a:solidFill>
-              </a:rPr>
-              <a:t> </a:t>
-            </a:r>
-            <a:r>
-              <a:rPr lang="en-US" sz="2400" dirty="0">
-                <a:solidFill>
-                  <a:schemeClr val="tx1"/>
-                </a:solidFill>
-              </a:rPr>
-              <a:t>points in the direction of       </a:t>
+              <a:t>        points in the direction of       </a:t>
             </a:r>
             <a:r>
               <a:rPr lang="en-SG" sz="2400" dirty="0">
@@ -33792,7 +32783,7 @@
           <a:lstStyle/>
           <a:p>
             <a:r>
-              <a:rPr lang="en-US" smtClean="0"/>
+              <a:rPr lang="en-US"/>
               <a:t> Page </a:t>
             </a:r>
             <a:fld id="{D57F1E4F-1CFF-5643-939E-217C01CDF565}" type="slidenum">
@@ -33826,7 +32817,7 @@
           <a:graphicData uri="http://schemas.openxmlformats.org/presentationml/2006/ole">
             <mc:AlternateContent xmlns:mc="http://schemas.openxmlformats.org/markup-compatibility/2006">
               <mc:Choice xmlns:v="urn:schemas-microsoft-com:vml" Requires="v">
-                <p:oleObj spid="_x0000_s303371" name="Equation" r:id="rId3" imgW="2438280" imgH="863280" progId="Equation.DSMT4">
+                <p:oleObj spid="_x0000_s303406" name="Equation" r:id="rId3" imgW="2438280" imgH="863280" progId="Equation.DSMT4">
                   <p:embed/>
                 </p:oleObj>
               </mc:Choice>
@@ -33889,7 +32880,7 @@
           <a:graphicData uri="http://schemas.openxmlformats.org/presentationml/2006/ole">
             <mc:AlternateContent xmlns:mc="http://schemas.openxmlformats.org/markup-compatibility/2006">
               <mc:Choice xmlns:v="urn:schemas-microsoft-com:vml" Requires="v">
-                <p:oleObj spid="_x0000_s303372" name="Equation" r:id="rId5" imgW="393480" imgH="368280" progId="Equation.DSMT4">
+                <p:oleObj spid="_x0000_s303407" name="Equation" r:id="rId5" imgW="393480" imgH="368280" progId="Equation.DSMT4">
                   <p:embed/>
                 </p:oleObj>
               </mc:Choice>
@@ -33952,7 +32943,7 @@
           <a:graphicData uri="http://schemas.openxmlformats.org/presentationml/2006/ole">
             <mc:AlternateContent xmlns:mc="http://schemas.openxmlformats.org/markup-compatibility/2006">
               <mc:Choice xmlns:v="urn:schemas-microsoft-com:vml" Requires="v">
-                <p:oleObj spid="_x0000_s303373" name="Equation" r:id="rId7" imgW="507960" imgH="380880" progId="Equation.DSMT4">
+                <p:oleObj spid="_x0000_s303408" name="Equation" r:id="rId7" imgW="507960" imgH="380880" progId="Equation.DSMT4">
                   <p:embed/>
                 </p:oleObj>
               </mc:Choice>
@@ -34522,7 +33513,7 @@
             <a:graphicData uri="http://schemas.openxmlformats.org/presentationml/2006/ole">
               <mc:AlternateContent xmlns:mc="http://schemas.openxmlformats.org/markup-compatibility/2006">
                 <mc:Choice xmlns:v="urn:schemas-microsoft-com:vml" Requires="v">
-                  <p:oleObj spid="_x0000_s303374" name="Equation" r:id="rId10" imgW="342720" imgH="317160" progId="Equation.DSMT4">
+                  <p:oleObj spid="_x0000_s303409" name="Equation" r:id="rId10" imgW="342720" imgH="317160" progId="Equation.DSMT4">
                     <p:embed/>
                   </p:oleObj>
                 </mc:Choice>
@@ -34585,7 +33576,7 @@
             <a:graphicData uri="http://schemas.openxmlformats.org/presentationml/2006/ole">
               <mc:AlternateContent xmlns:mc="http://schemas.openxmlformats.org/markup-compatibility/2006">
                 <mc:Choice xmlns:v="urn:schemas-microsoft-com:vml" Requires="v">
-                  <p:oleObj spid="_x0000_s303375" name="Equation" r:id="rId12" imgW="431640" imgH="330120" progId="Equation.DSMT4">
+                  <p:oleObj spid="_x0000_s303410" name="Equation" r:id="rId12" imgW="431640" imgH="330120" progId="Equation.DSMT4">
                     <p:embed/>
                   </p:oleObj>
                 </mc:Choice>
@@ -34637,13 +33628,6 @@
   <p:clrMapOvr>
     <a:masterClrMapping/>
   </p:clrMapOvr>
-  <p:timing>
-    <p:tnLst>
-      <p:par>
-        <p:cTn id="1" dur="indefinite" restart="never" nodeType="tmRoot"/>
-      </p:par>
-    </p:tnLst>
-  </p:timing>
 </p:sld>
 </file>
 
@@ -34886,7 +33870,7 @@
           <a:lstStyle/>
           <a:p>
             <a:r>
-              <a:rPr lang="en-US" smtClean="0"/>
+              <a:rPr lang="en-US"/>
               <a:t> Page </a:t>
             </a:r>
             <a:fld id="{D57F1E4F-1CFF-5643-939E-217C01CDF565}" type="slidenum">
@@ -34920,7 +33904,7 @@
           <a:graphicData uri="http://schemas.openxmlformats.org/presentationml/2006/ole">
             <mc:AlternateContent xmlns:mc="http://schemas.openxmlformats.org/markup-compatibility/2006">
               <mc:Choice xmlns:v="urn:schemas-microsoft-com:vml" Requires="v">
-                <p:oleObj spid="_x0000_s304289" name="Equation" r:id="rId3" imgW="2705040" imgH="863280" progId="Equation.DSMT4">
+                <p:oleObj spid="_x0000_s304310" name="Equation" r:id="rId3" imgW="2705040" imgH="863280" progId="Equation.DSMT4">
                   <p:embed/>
                 </p:oleObj>
               </mc:Choice>
@@ -35489,7 +34473,7 @@
             <a:graphicData uri="http://schemas.openxmlformats.org/presentationml/2006/ole">
               <mc:AlternateContent xmlns:mc="http://schemas.openxmlformats.org/markup-compatibility/2006">
                 <mc:Choice xmlns:v="urn:schemas-microsoft-com:vml" Requires="v">
-                  <p:oleObj spid="_x0000_s304290" name="Equation" r:id="rId6" imgW="482400" imgH="317160" progId="Equation.DSMT4">
+                  <p:oleObj spid="_x0000_s304311" name="Equation" r:id="rId6" imgW="482400" imgH="317160" progId="Equation.DSMT4">
                     <p:embed/>
                   </p:oleObj>
                 </mc:Choice>
@@ -35552,7 +34536,7 @@
             <a:graphicData uri="http://schemas.openxmlformats.org/presentationml/2006/ole">
               <mc:AlternateContent xmlns:mc="http://schemas.openxmlformats.org/markup-compatibility/2006">
                 <mc:Choice xmlns:v="urn:schemas-microsoft-com:vml" Requires="v">
-                  <p:oleObj spid="_x0000_s304291" name="Equation" r:id="rId8" imgW="583920" imgH="330120" progId="Equation.DSMT4">
+                  <p:oleObj spid="_x0000_s304312" name="Equation" r:id="rId8" imgW="583920" imgH="330120" progId="Equation.DSMT4">
                     <p:embed/>
                   </p:oleObj>
                 </mc:Choice>
@@ -35604,13 +34588,6 @@
   <p:clrMapOvr>
     <a:masterClrMapping/>
   </p:clrMapOvr>
-  <p:timing>
-    <p:tnLst>
-      <p:par>
-        <p:cTn id="1" dur="indefinite" restart="never" nodeType="tmRoot"/>
-      </p:par>
-    </p:tnLst>
-  </p:timing>
 </p:sld>
 </file>
 

--- a/Physics/Lectures and Tutorials/Chapter3-Kinematics/MS864M_Chapter 3 - Kinematics_new design.pptx
+++ b/Physics/Lectures and Tutorials/Chapter3-Kinematics/MS864M_Chapter 3 - Kinematics_new design.pptx
@@ -251,7 +251,7 @@
           <a:p>
             <a:fld id="{3054530E-66E8-4EEF-8660-8A53FF529BDE}" type="datetimeFigureOut">
               <a:rPr lang="en-SG" smtClean="0"/>
-              <a:t>22/10/2018</a:t>
+              <a:t>5/11/2018</a:t>
             </a:fld>
             <a:endParaRPr lang="en-SG"/>
           </a:p>
@@ -2300,7 +2300,7 @@
           <a:p>
             <a:fld id="{C9C4BACD-157C-49D0-94EF-AA1F6A6AD876}" type="datetime1">
               <a:rPr lang="en-US" smtClean="0"/>
-              <a:t>10/22/2018</a:t>
+              <a:t>11/5/2018</a:t>
             </a:fld>
             <a:endParaRPr lang="en-US" dirty="0"/>
           </a:p>
@@ -2528,7 +2528,7 @@
           <a:p>
             <a:fld id="{2EA1A6BC-11B1-4E16-919A-AFB5EDCD6744}" type="datetime1">
               <a:rPr lang="en-US" smtClean="0"/>
-              <a:t>10/22/2018</a:t>
+              <a:t>11/5/2018</a:t>
             </a:fld>
             <a:endParaRPr lang="en-US" dirty="0"/>
           </a:p>
@@ -2721,7 +2721,7 @@
           <a:p>
             <a:fld id="{7D6B57A0-298C-4132-B714-B2E4F7F5DAD3}" type="datetime1">
               <a:rPr lang="en-US" smtClean="0"/>
-              <a:t>10/22/2018</a:t>
+              <a:t>11/5/2018</a:t>
             </a:fld>
             <a:endParaRPr lang="en-US" dirty="0"/>
           </a:p>
@@ -2945,7 +2945,7 @@
           <a:p>
             <a:fld id="{784773E5-5F31-491B-89B9-F93C36036A5D}" type="datetime1">
               <a:rPr lang="en-US" smtClean="0"/>
-              <a:t>10/22/2018</a:t>
+              <a:t>11/5/2018</a:t>
             </a:fld>
             <a:endParaRPr lang="en-US" dirty="0"/>
           </a:p>
@@ -3229,7 +3229,7 @@
           <a:p>
             <a:fld id="{53800E3F-A486-4059-9240-A559DDCADE81}" type="datetime1">
               <a:rPr lang="en-US" smtClean="0"/>
-              <a:t>10/22/2018</a:t>
+              <a:t>11/5/2018</a:t>
             </a:fld>
             <a:endParaRPr lang="en-US" dirty="0"/>
           </a:p>
@@ -3517,7 +3517,7 @@
           <a:p>
             <a:fld id="{A9CAAD29-F102-4008-BC34-B05BB0FD2B67}" type="datetime1">
               <a:rPr lang="en-US" smtClean="0"/>
-              <a:t>10/22/2018</a:t>
+              <a:t>11/5/2018</a:t>
             </a:fld>
             <a:endParaRPr lang="en-US" dirty="0"/>
           </a:p>
@@ -3897,7 +3897,7 @@
           <a:p>
             <a:fld id="{D93354DC-EF94-4EEC-9481-FB469B037A91}" type="datetime1">
               <a:rPr lang="en-US" smtClean="0"/>
-              <a:t>10/22/2018</a:t>
+              <a:t>11/5/2018</a:t>
             </a:fld>
             <a:endParaRPr lang="en-US" dirty="0"/>
           </a:p>
@@ -4016,7 +4016,7 @@
           <a:p>
             <a:fld id="{D9254362-7AEE-43C5-AEE4-AC33DABFA22C}" type="datetime1">
               <a:rPr lang="en-US" smtClean="0"/>
-              <a:t>10/22/2018</a:t>
+              <a:t>11/5/2018</a:t>
             </a:fld>
             <a:endParaRPr lang="en-US" dirty="0"/>
           </a:p>
@@ -4124,7 +4124,7 @@
           <a:p>
             <a:fld id="{11099A4A-02E7-4A08-B2C5-E4EBFFB64A84}" type="datetime1">
               <a:rPr lang="en-US" smtClean="0"/>
-              <a:t>10/22/2018</a:t>
+              <a:t>11/5/2018</a:t>
             </a:fld>
             <a:endParaRPr lang="en-US" dirty="0"/>
           </a:p>
@@ -4491,7 +4491,7 @@
           <a:p>
             <a:fld id="{39203F7C-D20A-49F8-B888-2E46A7855A5C}" type="datetime1">
               <a:rPr lang="en-US" smtClean="0"/>
-              <a:t>10/22/2018</a:t>
+              <a:t>11/5/2018</a:t>
             </a:fld>
             <a:endParaRPr lang="en-US" dirty="0"/>
           </a:p>
@@ -4874,7 +4874,7 @@
           <a:p>
             <a:fld id="{748DD5FD-15BD-4496-BE9E-D1DBB8EB5739}" type="datetime1">
               <a:rPr lang="en-US" smtClean="0"/>
-              <a:t>10/22/2018</a:t>
+              <a:t>11/5/2018</a:t>
             </a:fld>
             <a:endParaRPr lang="en-US" dirty="0"/>
           </a:p>
@@ -5084,7 +5084,7 @@
           <a:p>
             <a:fld id="{4D3E5F9C-F2B8-4D4B-8FB9-614589F410D4}" type="datetime1">
               <a:rPr lang="en-US" smtClean="0"/>
-              <a:t>10/22/2018</a:t>
+              <a:t>11/5/2018</a:t>
             </a:fld>
             <a:endParaRPr lang="en-US" dirty="0"/>
           </a:p>
@@ -5738,25 +5738,6 @@
       </p:sp>
       <p:sp>
         <p:nvSpPr>
-          <p:cNvPr id="3" name="Content Placeholder 2"/>
-          <p:cNvSpPr>
-            <a:spLocks noGrp="1"/>
-          </p:cNvSpPr>
-          <p:nvPr>
-            <p:ph idx="1"/>
-          </p:nvPr>
-        </p:nvSpPr>
-        <p:spPr/>
-        <p:txBody>
-          <a:bodyPr/>
-          <a:lstStyle/>
-          <a:p>
-            <a:endParaRPr lang="en-SG" dirty="0"/>
-          </a:p>
-        </p:txBody>
-      </p:sp>
-      <p:sp>
-        <p:nvSpPr>
           <p:cNvPr id="4" name="Slide Number Placeholder 3"/>
           <p:cNvSpPr>
             <a:spLocks noGrp="1"/>
@@ -5792,7 +5773,7 @@
           <p:nvPr>
             <p:extLst>
               <p:ext uri="{D42A27DB-BD31-4B8C-83A1-F6EECF244321}">
-                <p14:modId xmlns:p14="http://schemas.microsoft.com/office/powerpoint/2010/main" val="1671435239"/>
+                <p14:modId xmlns:p14="http://schemas.microsoft.com/office/powerpoint/2010/main" val="2157892423"/>
               </p:ext>
             </p:extLst>
           </p:nvPr>
@@ -5805,7 +5786,7 @@
           <a:graphicData uri="http://schemas.openxmlformats.org/presentationml/2006/ole">
             <mc:AlternateContent xmlns:mc="http://schemas.openxmlformats.org/markup-compatibility/2006">
               <mc:Choice xmlns:v="urn:schemas-microsoft-com:vml" Requires="v">
-                <p:oleObj spid="_x0000_s305390" name="Equation" r:id="rId3" imgW="3213000" imgH="711000" progId="Equation.DSMT4">
+                <p:oleObj spid="_x0000_s305402" name="Equation" r:id="rId3" imgW="3213000" imgH="711000" progId="Equation.DSMT4">
                   <p:embed/>
                 </p:oleObj>
               </mc:Choice>
@@ -5868,7 +5849,7 @@
           <a:graphicData uri="http://schemas.openxmlformats.org/presentationml/2006/ole">
             <mc:AlternateContent xmlns:mc="http://schemas.openxmlformats.org/markup-compatibility/2006">
               <mc:Choice xmlns:v="urn:schemas-microsoft-com:vml" Requires="v">
-                <p:oleObj spid="_x0000_s305391" name="Equation" r:id="rId5" imgW="3390840" imgH="711000" progId="Equation.DSMT4">
+                <p:oleObj spid="_x0000_s305403" name="Equation" r:id="rId5" imgW="3390840" imgH="711000" progId="Equation.DSMT4">
                   <p:embed/>
                 </p:oleObj>
               </mc:Choice>
@@ -6445,7 +6426,7 @@
             <a:graphicData uri="http://schemas.openxmlformats.org/presentationml/2006/ole">
               <mc:AlternateContent xmlns:mc="http://schemas.openxmlformats.org/markup-compatibility/2006">
                 <mc:Choice xmlns:v="urn:schemas-microsoft-com:vml" Requires="v">
-                  <p:oleObj spid="_x0000_s305392" name="Equation" r:id="rId8" imgW="342720" imgH="317160" progId="Equation.DSMT4">
+                  <p:oleObj spid="_x0000_s305404" name="Equation" r:id="rId8" imgW="342720" imgH="317160" progId="Equation.DSMT4">
                     <p:embed/>
                   </p:oleObj>
                 </mc:Choice>
@@ -7029,7 +7010,7 @@
             <a:graphicData uri="http://schemas.openxmlformats.org/presentationml/2006/ole">
               <mc:AlternateContent xmlns:mc="http://schemas.openxmlformats.org/markup-compatibility/2006">
                 <mc:Choice xmlns:v="urn:schemas-microsoft-com:vml" Requires="v">
-                  <p:oleObj spid="_x0000_s305393" name="Equation" r:id="rId10" imgW="482400" imgH="317160" progId="Equation.DSMT4">
+                  <p:oleObj spid="_x0000_s305405" name="Equation" r:id="rId10" imgW="482400" imgH="317160" progId="Equation.DSMT4">
                     <p:embed/>
                   </p:oleObj>
                 </mc:Choice>
@@ -7549,7 +7530,7 @@
           <a:graphicData uri="http://schemas.openxmlformats.org/presentationml/2006/ole">
             <mc:AlternateContent xmlns:mc="http://schemas.openxmlformats.org/markup-compatibility/2006">
               <mc:Choice xmlns:v="urn:schemas-microsoft-com:vml" Requires="v">
-                <p:oleObj spid="_x0000_s306236" name="Equation" r:id="rId3" imgW="2070000" imgH="787320" progId="Equation.DSMT4">
+                <p:oleObj spid="_x0000_s306239" name="Equation" r:id="rId3" imgW="2070000" imgH="787320" progId="Equation.DSMT4">
                   <p:embed/>
                 </p:oleObj>
               </mc:Choice>
@@ -8156,7 +8137,7 @@
           <a:graphicData uri="http://schemas.openxmlformats.org/presentationml/2006/ole">
             <mc:AlternateContent xmlns:mc="http://schemas.openxmlformats.org/markup-compatibility/2006">
               <mc:Choice xmlns:v="urn:schemas-microsoft-com:vml" Requires="v">
-                <p:oleObj spid="_x0000_s307258" name="Equation" r:id="rId3" imgW="6108480" imgH="2565360" progId="Equation.DSMT4">
+                <p:oleObj spid="_x0000_s307261" name="Equation" r:id="rId3" imgW="6108480" imgH="2565360" progId="Equation.DSMT4">
                   <p:embed/>
                 </p:oleObj>
               </mc:Choice>
@@ -8582,7 +8563,7 @@
           <a:graphicData uri="http://schemas.openxmlformats.org/presentationml/2006/ole">
             <mc:AlternateContent xmlns:mc="http://schemas.openxmlformats.org/markup-compatibility/2006">
               <mc:Choice xmlns:v="urn:schemas-microsoft-com:vml" Requires="v">
-                <p:oleObj spid="_x0000_s308394" name="Equation" r:id="rId3" imgW="3098520" imgH="406080" progId="Equation.DSMT4">
+                <p:oleObj spid="_x0000_s308403" name="Equation" r:id="rId3" imgW="3098520" imgH="406080" progId="Equation.DSMT4">
                   <p:embed/>
                 </p:oleObj>
               </mc:Choice>
@@ -8645,7 +8626,7 @@
           <a:graphicData uri="http://schemas.openxmlformats.org/presentationml/2006/ole">
             <mc:AlternateContent xmlns:mc="http://schemas.openxmlformats.org/markup-compatibility/2006">
               <mc:Choice xmlns:v="urn:schemas-microsoft-com:vml" Requires="v">
-                <p:oleObj spid="_x0000_s308395" name="Equation" r:id="rId5" imgW="1549080" imgH="380880" progId="Equation.DSMT4">
+                <p:oleObj spid="_x0000_s308404" name="Equation" r:id="rId5" imgW="1549080" imgH="380880" progId="Equation.DSMT4">
                   <p:embed/>
                 </p:oleObj>
               </mc:Choice>
@@ -8708,7 +8689,7 @@
           <a:graphicData uri="http://schemas.openxmlformats.org/presentationml/2006/ole">
             <mc:AlternateContent xmlns:mc="http://schemas.openxmlformats.org/markup-compatibility/2006">
               <mc:Choice xmlns:v="urn:schemas-microsoft-com:vml" Requires="v">
-                <p:oleObj spid="_x0000_s308396" name="Equation" r:id="rId7" imgW="1701720" imgH="380880" progId="Equation.DSMT4">
+                <p:oleObj spid="_x0000_s308405" name="Equation" r:id="rId7" imgW="1701720" imgH="380880" progId="Equation.DSMT4">
                   <p:embed/>
                 </p:oleObj>
               </mc:Choice>
@@ -9064,7 +9045,7 @@
           <a:graphicData uri="http://schemas.openxmlformats.org/presentationml/2006/ole">
             <mc:AlternateContent xmlns:mc="http://schemas.openxmlformats.org/markup-compatibility/2006">
               <mc:Choice xmlns:v="urn:schemas-microsoft-com:vml" Requires="v">
-                <p:oleObj spid="_x0000_s309419" name="Equation" r:id="rId3" imgW="2806560" imgH="863280" progId="Equation.DSMT4">
+                <p:oleObj spid="_x0000_s309428" name="Equation" r:id="rId3" imgW="2806560" imgH="863280" progId="Equation.DSMT4">
                   <p:embed/>
                 </p:oleObj>
               </mc:Choice>
@@ -9127,7 +9108,7 @@
           <a:graphicData uri="http://schemas.openxmlformats.org/presentationml/2006/ole">
             <mc:AlternateContent xmlns:mc="http://schemas.openxmlformats.org/markup-compatibility/2006">
               <mc:Choice xmlns:v="urn:schemas-microsoft-com:vml" Requires="v">
-                <p:oleObj spid="_x0000_s309420" name="Equation" r:id="rId5" imgW="482400" imgH="380880" progId="Equation.DSMT4">
+                <p:oleObj spid="_x0000_s309429" name="Equation" r:id="rId5" imgW="482400" imgH="380880" progId="Equation.DSMT4">
                   <p:embed/>
                 </p:oleObj>
               </mc:Choice>
@@ -9190,7 +9171,7 @@
           <a:graphicData uri="http://schemas.openxmlformats.org/presentationml/2006/ole">
             <mc:AlternateContent xmlns:mc="http://schemas.openxmlformats.org/markup-compatibility/2006">
               <mc:Choice xmlns:v="urn:schemas-microsoft-com:vml" Requires="v">
-                <p:oleObj spid="_x0000_s309421" name="Equation" r:id="rId7" imgW="317160" imgH="380880" progId="Equation.DSMT4">
+                <p:oleObj spid="_x0000_s309430" name="Equation" r:id="rId7" imgW="317160" imgH="380880" progId="Equation.DSMT4">
                   <p:embed/>
                 </p:oleObj>
               </mc:Choice>
@@ -9570,7 +9551,7 @@
           <a:graphicData uri="http://schemas.openxmlformats.org/presentationml/2006/ole">
             <mc:AlternateContent xmlns:mc="http://schemas.openxmlformats.org/markup-compatibility/2006">
               <mc:Choice xmlns:v="urn:schemas-microsoft-com:vml" Requires="v">
-                <p:oleObj spid="_x0000_s310376" name="Equation" r:id="rId3" imgW="1511280" imgH="723600" progId="Equation.DSMT4">
+                <p:oleObj spid="_x0000_s310382" name="Equation" r:id="rId3" imgW="1511280" imgH="723600" progId="Equation.DSMT4">
                   <p:embed/>
                 </p:oleObj>
               </mc:Choice>
@@ -9633,7 +9614,7 @@
           <a:graphicData uri="http://schemas.openxmlformats.org/presentationml/2006/ole">
             <mc:AlternateContent xmlns:mc="http://schemas.openxmlformats.org/markup-compatibility/2006">
               <mc:Choice xmlns:v="urn:schemas-microsoft-com:vml" Requires="v">
-                <p:oleObj spid="_x0000_s310377" name="Equation" r:id="rId5" imgW="3517560" imgH="380880" progId="Equation.DSMT4">
+                <p:oleObj spid="_x0000_s310383" name="Equation" r:id="rId5" imgW="3517560" imgH="380880" progId="Equation.DSMT4">
                   <p:embed/>
                 </p:oleObj>
               </mc:Choice>
@@ -9986,7 +9967,7 @@
           <a:graphicData uri="http://schemas.openxmlformats.org/presentationml/2006/ole">
             <mc:AlternateContent xmlns:mc="http://schemas.openxmlformats.org/markup-compatibility/2006">
               <mc:Choice xmlns:v="urn:schemas-microsoft-com:vml" Requires="v">
-                <p:oleObj spid="_x0000_s311448" name="Equation" r:id="rId3" imgW="1942920" imgH="723600" progId="Equation.DSMT4">
+                <p:oleObj spid="_x0000_s311457" name="Equation" r:id="rId3" imgW="1942920" imgH="723600" progId="Equation.DSMT4">
                   <p:embed/>
                 </p:oleObj>
               </mc:Choice>
@@ -10049,7 +10030,7 @@
           <a:graphicData uri="http://schemas.openxmlformats.org/presentationml/2006/ole">
             <mc:AlternateContent xmlns:mc="http://schemas.openxmlformats.org/markup-compatibility/2006">
               <mc:Choice xmlns:v="urn:schemas-microsoft-com:vml" Requires="v">
-                <p:oleObj spid="_x0000_s311449" name="Equation" r:id="rId5" imgW="2387520" imgH="723600" progId="Equation.DSMT4">
+                <p:oleObj spid="_x0000_s311458" name="Equation" r:id="rId5" imgW="2387520" imgH="723600" progId="Equation.DSMT4">
                   <p:embed/>
                 </p:oleObj>
               </mc:Choice>
@@ -10112,7 +10093,7 @@
           <a:graphicData uri="http://schemas.openxmlformats.org/presentationml/2006/ole">
             <mc:AlternateContent xmlns:mc="http://schemas.openxmlformats.org/markup-compatibility/2006">
               <mc:Choice xmlns:v="urn:schemas-microsoft-com:vml" Requires="v">
-                <p:oleObj spid="_x0000_s311450" name="Equation" r:id="rId7" imgW="2641320" imgH="723600" progId="Equation.DSMT4">
+                <p:oleObj spid="_x0000_s311459" name="Equation" r:id="rId7" imgW="2641320" imgH="723600" progId="Equation.DSMT4">
                   <p:embed/>
                 </p:oleObj>
               </mc:Choice>
@@ -10352,7 +10333,7 @@
           <a:graphicData uri="http://schemas.openxmlformats.org/presentationml/2006/ole">
             <mc:AlternateContent xmlns:mc="http://schemas.openxmlformats.org/markup-compatibility/2006">
               <mc:Choice xmlns:v="urn:schemas-microsoft-com:vml" Requires="v">
-                <p:oleObj spid="_x0000_s312466" name="Equation" r:id="rId3" imgW="2565360" imgH="469800" progId="Equation.DSMT4">
+                <p:oleObj spid="_x0000_s312475" name="Equation" r:id="rId3" imgW="2565360" imgH="469800" progId="Equation.DSMT4">
                   <p:embed/>
                 </p:oleObj>
               </mc:Choice>
@@ -10415,7 +10396,7 @@
           <a:graphicData uri="http://schemas.openxmlformats.org/presentationml/2006/ole">
             <mc:AlternateContent xmlns:mc="http://schemas.openxmlformats.org/markup-compatibility/2006">
               <mc:Choice xmlns:v="urn:schemas-microsoft-com:vml" Requires="v">
-                <p:oleObj spid="_x0000_s312467" name="Equation" r:id="rId5" imgW="1346040" imgH="799920" progId="Equation.DSMT4">
+                <p:oleObj spid="_x0000_s312476" name="Equation" r:id="rId5" imgW="1346040" imgH="799920" progId="Equation.DSMT4">
                   <p:embed/>
                 </p:oleObj>
               </mc:Choice>
@@ -10485,7 +10466,7 @@
           <a:graphicData uri="http://schemas.openxmlformats.org/presentationml/2006/ole">
             <mc:AlternateContent xmlns:mc="http://schemas.openxmlformats.org/markup-compatibility/2006">
               <mc:Choice xmlns:v="urn:schemas-microsoft-com:vml" Requires="v">
-                <p:oleObj spid="_x0000_s312468" name="Equation" r:id="rId7" imgW="2463480" imgH="723600" progId="Equation.DSMT4">
+                <p:oleObj spid="_x0000_s312477" name="Equation" r:id="rId7" imgW="2463480" imgH="723600" progId="Equation.DSMT4">
                   <p:embed/>
                 </p:oleObj>
               </mc:Choice>
@@ -14715,7 +14696,7 @@
           <a:graphicData uri="http://schemas.openxmlformats.org/presentationml/2006/ole">
             <mc:AlternateContent xmlns:mc="http://schemas.openxmlformats.org/markup-compatibility/2006">
               <mc:Choice xmlns:v="urn:schemas-microsoft-com:vml" Requires="v">
-                <p:oleObj spid="_x0000_s313385" name="Equation" r:id="rId3" imgW="2387520" imgH="1726920" progId="Equation.DSMT4">
+                <p:oleObj spid="_x0000_s313388" name="Equation" r:id="rId3" imgW="2387520" imgH="1726920" progId="Equation.DSMT4">
                   <p:embed/>
                 </p:oleObj>
               </mc:Choice>
@@ -14989,7 +14970,7 @@
           <a:graphicData uri="http://schemas.openxmlformats.org/presentationml/2006/ole">
             <mc:AlternateContent xmlns:mc="http://schemas.openxmlformats.org/markup-compatibility/2006">
               <mc:Choice xmlns:v="urn:schemas-microsoft-com:vml" Requires="v">
-                <p:oleObj spid="_x0000_s314408" name="Equation" r:id="rId4" imgW="1117440" imgH="863280" progId="Equation.DSMT4">
+                <p:oleObj spid="_x0000_s314411" name="Equation" r:id="rId4" imgW="1117440" imgH="863280" progId="Equation.DSMT4">
                   <p:embed/>
                 </p:oleObj>
               </mc:Choice>
@@ -17089,7 +17070,7 @@
           <a:graphicData uri="http://schemas.openxmlformats.org/presentationml/2006/ole">
             <mc:AlternateContent xmlns:mc="http://schemas.openxmlformats.org/markup-compatibility/2006">
               <mc:Choice xmlns:v="urn:schemas-microsoft-com:vml" Requires="v">
-                <p:oleObj spid="_x0000_s315431" name="Equation" r:id="rId3" imgW="977760" imgH="787320" progId="Equation.DSMT4">
+                <p:oleObj spid="_x0000_s315434" name="Equation" r:id="rId3" imgW="977760" imgH="787320" progId="Equation.DSMT4">
                   <p:embed/>
                 </p:oleObj>
               </mc:Choice>
@@ -18241,7 +18222,7 @@
             <a:graphicData uri="http://schemas.openxmlformats.org/presentationml/2006/ole">
               <mc:AlternateContent xmlns:mc="http://schemas.openxmlformats.org/markup-compatibility/2006">
                 <mc:Choice xmlns:v="urn:schemas-microsoft-com:vml" Requires="v">
-                  <p:oleObj spid="_x0000_s316670" name="Equation" r:id="rId3" imgW="177480" imgH="241200" progId="Equation.DSMT4">
+                  <p:oleObj spid="_x0000_s316691" name="Equation" r:id="rId3" imgW="177480" imgH="241200" progId="Equation.DSMT4">
                     <p:embed/>
                   </p:oleObj>
                 </mc:Choice>
@@ -18311,7 +18292,7 @@
             <a:graphicData uri="http://schemas.openxmlformats.org/presentationml/2006/ole">
               <mc:AlternateContent xmlns:mc="http://schemas.openxmlformats.org/markup-compatibility/2006">
                 <mc:Choice xmlns:v="urn:schemas-microsoft-com:vml" Requires="v">
-                  <p:oleObj spid="_x0000_s316671" name="Equation" r:id="rId5" imgW="177480" imgH="355320" progId="Equation.DSMT4">
+                  <p:oleObj spid="_x0000_s316692" name="Equation" r:id="rId5" imgW="177480" imgH="355320" progId="Equation.DSMT4">
                     <p:embed/>
                   </p:oleObj>
                 </mc:Choice>
@@ -18382,7 +18363,7 @@
           <a:graphicData uri="http://schemas.openxmlformats.org/presentationml/2006/ole">
             <mc:AlternateContent xmlns:mc="http://schemas.openxmlformats.org/markup-compatibility/2006">
               <mc:Choice xmlns:v="urn:schemas-microsoft-com:vml" Requires="v">
-                <p:oleObj spid="_x0000_s316672" name="Equation" r:id="rId7" imgW="1574640" imgH="533160" progId="Equation.DSMT4">
+                <p:oleObj spid="_x0000_s316693" name="Equation" r:id="rId7" imgW="1574640" imgH="533160" progId="Equation.DSMT4">
                   <p:embed/>
                 </p:oleObj>
               </mc:Choice>
@@ -18444,7 +18425,7 @@
           <a:graphicData uri="http://schemas.openxmlformats.org/presentationml/2006/ole">
             <mc:AlternateContent xmlns:mc="http://schemas.openxmlformats.org/markup-compatibility/2006">
               <mc:Choice xmlns:v="urn:schemas-microsoft-com:vml" Requires="v">
-                <p:oleObj spid="_x0000_s316673" name="Equation" r:id="rId9" imgW="1307880" imgH="723600" progId="Equation.DSMT4">
+                <p:oleObj spid="_x0000_s316694" name="Equation" r:id="rId9" imgW="1307880" imgH="723600" progId="Equation.DSMT4">
                   <p:embed/>
                 </p:oleObj>
               </mc:Choice>
@@ -18514,7 +18495,7 @@
           <a:graphicData uri="http://schemas.openxmlformats.org/presentationml/2006/ole">
             <mc:AlternateContent xmlns:mc="http://schemas.openxmlformats.org/markup-compatibility/2006">
               <mc:Choice xmlns:v="urn:schemas-microsoft-com:vml" Requires="v">
-                <p:oleObj spid="_x0000_s316674" name="Equation" r:id="rId11" imgW="1346040" imgH="444240" progId="Equation.DSMT4">
+                <p:oleObj spid="_x0000_s316695" name="Equation" r:id="rId11" imgW="1346040" imgH="444240" progId="Equation.DSMT4">
                   <p:embed/>
                 </p:oleObj>
               </mc:Choice>
@@ -18576,7 +18557,7 @@
           <a:graphicData uri="http://schemas.openxmlformats.org/presentationml/2006/ole">
             <mc:AlternateContent xmlns:mc="http://schemas.openxmlformats.org/markup-compatibility/2006">
               <mc:Choice xmlns:v="urn:schemas-microsoft-com:vml" Requires="v">
-                <p:oleObj spid="_x0000_s316675" name="Equation" r:id="rId13" imgW="177480" imgH="355320" progId="Equation.DSMT4">
+                <p:oleObj spid="_x0000_s316696" name="Equation" r:id="rId13" imgW="177480" imgH="355320" progId="Equation.DSMT4">
                   <p:embed/>
                 </p:oleObj>
               </mc:Choice>
@@ -18638,7 +18619,7 @@
           <a:graphicData uri="http://schemas.openxmlformats.org/presentationml/2006/ole">
             <mc:AlternateContent xmlns:mc="http://schemas.openxmlformats.org/markup-compatibility/2006">
               <mc:Choice xmlns:v="urn:schemas-microsoft-com:vml" Requires="v">
-                <p:oleObj spid="_x0000_s316676" name="Equation" r:id="rId15" imgW="177480" imgH="355320" progId="Equation.DSMT4">
+                <p:oleObj spid="_x0000_s316697" name="Equation" r:id="rId15" imgW="177480" imgH="355320" progId="Equation.DSMT4">
                   <p:embed/>
                 </p:oleObj>
               </mc:Choice>
@@ -18956,7 +18937,7 @@
           <a:graphicData uri="http://schemas.openxmlformats.org/presentationml/2006/ole">
             <mc:AlternateContent xmlns:mc="http://schemas.openxmlformats.org/markup-compatibility/2006">
               <mc:Choice xmlns:v="urn:schemas-microsoft-com:vml" Requires="v">
-                <p:oleObj spid="_x0000_s317827" name="Equation" r:id="rId3" imgW="3441600" imgH="545760" progId="Equation.DSMT4">
+                <p:oleObj spid="_x0000_s317860" name="Equation" r:id="rId3" imgW="3441600" imgH="545760" progId="Equation.DSMT4">
                   <p:embed/>
                 </p:oleObj>
               </mc:Choice>
@@ -19026,7 +19007,7 @@
           <a:graphicData uri="http://schemas.openxmlformats.org/presentationml/2006/ole">
             <mc:AlternateContent xmlns:mc="http://schemas.openxmlformats.org/markup-compatibility/2006">
               <mc:Choice xmlns:v="urn:schemas-microsoft-com:vml" Requires="v">
-                <p:oleObj spid="_x0000_s317828" name="Equation" r:id="rId5" imgW="1473120" imgH="723600" progId="Equation.DSMT4">
+                <p:oleObj spid="_x0000_s317861" name="Equation" r:id="rId5" imgW="1473120" imgH="723600" progId="Equation.DSMT4">
                   <p:embed/>
                 </p:oleObj>
               </mc:Choice>
@@ -19096,7 +19077,7 @@
           <a:graphicData uri="http://schemas.openxmlformats.org/presentationml/2006/ole">
             <mc:AlternateContent xmlns:mc="http://schemas.openxmlformats.org/markup-compatibility/2006">
               <mc:Choice xmlns:v="urn:schemas-microsoft-com:vml" Requires="v">
-                <p:oleObj spid="_x0000_s317829" name="Equation" r:id="rId7" imgW="380880" imgH="355320" progId="Equation.DSMT4">
+                <p:oleObj spid="_x0000_s317862" name="Equation" r:id="rId7" imgW="380880" imgH="355320" progId="Equation.DSMT4">
                   <p:embed/>
                 </p:oleObj>
               </mc:Choice>
@@ -19158,7 +19139,7 @@
           <a:graphicData uri="http://schemas.openxmlformats.org/presentationml/2006/ole">
             <mc:AlternateContent xmlns:mc="http://schemas.openxmlformats.org/markup-compatibility/2006">
               <mc:Choice xmlns:v="urn:schemas-microsoft-com:vml" Requires="v">
-                <p:oleObj spid="_x0000_s317830" name="Equation" r:id="rId9" imgW="1371600" imgH="380880" progId="Equation.DSMT4">
+                <p:oleObj spid="_x0000_s317863" name="Equation" r:id="rId9" imgW="1371600" imgH="380880" progId="Equation.DSMT4">
                   <p:embed/>
                 </p:oleObj>
               </mc:Choice>
@@ -19220,7 +19201,7 @@
           <a:graphicData uri="http://schemas.openxmlformats.org/presentationml/2006/ole">
             <mc:AlternateContent xmlns:mc="http://schemas.openxmlformats.org/markup-compatibility/2006">
               <mc:Choice xmlns:v="urn:schemas-microsoft-com:vml" Requires="v">
-                <p:oleObj spid="_x0000_s317831" name="Equation" r:id="rId11" imgW="279360" imgH="380880" progId="Equation.DSMT4">
+                <p:oleObj spid="_x0000_s317864" name="Equation" r:id="rId11" imgW="279360" imgH="380880" progId="Equation.DSMT4">
                   <p:embed/>
                 </p:oleObj>
               </mc:Choice>
@@ -19697,7 +19678,7 @@
             <a:graphicData uri="http://schemas.openxmlformats.org/presentationml/2006/ole">
               <mc:AlternateContent xmlns:mc="http://schemas.openxmlformats.org/markup-compatibility/2006">
                 <mc:Choice xmlns:v="urn:schemas-microsoft-com:vml" Requires="v">
-                  <p:oleObj spid="_x0000_s317832" name="Equation" r:id="rId13" imgW="177480" imgH="241200" progId="Equation.DSMT4">
+                  <p:oleObj spid="_x0000_s317865" name="Equation" r:id="rId13" imgW="177480" imgH="241200" progId="Equation.DSMT4">
                     <p:embed/>
                   </p:oleObj>
                 </mc:Choice>
@@ -19903,7 +19884,7 @@
             <a:graphicData uri="http://schemas.openxmlformats.org/presentationml/2006/ole">
               <mc:AlternateContent xmlns:mc="http://schemas.openxmlformats.org/markup-compatibility/2006">
                 <mc:Choice xmlns:v="urn:schemas-microsoft-com:vml" Requires="v">
-                  <p:oleObj spid="_x0000_s317833" name="Equation" r:id="rId15" imgW="330120" imgH="304560" progId="Equation.DSMT4">
+                  <p:oleObj spid="_x0000_s317866" name="Equation" r:id="rId15" imgW="330120" imgH="304560" progId="Equation.DSMT4">
                     <p:embed/>
                   </p:oleObj>
                 </mc:Choice>
@@ -19965,7 +19946,7 @@
             <a:graphicData uri="http://schemas.openxmlformats.org/presentationml/2006/ole">
               <mc:AlternateContent xmlns:mc="http://schemas.openxmlformats.org/markup-compatibility/2006">
                 <mc:Choice xmlns:v="urn:schemas-microsoft-com:vml" Requires="v">
-                  <p:oleObj spid="_x0000_s317834" name="Equation" r:id="rId17" imgW="241200" imgH="317160" progId="Equation.DSMT4">
+                  <p:oleObj spid="_x0000_s317867" name="Equation" r:id="rId17" imgW="241200" imgH="317160" progId="Equation.DSMT4">
                     <p:embed/>
                   </p:oleObj>
                 </mc:Choice>
@@ -20027,7 +20008,7 @@
             <a:graphicData uri="http://schemas.openxmlformats.org/presentationml/2006/ole">
               <mc:AlternateContent xmlns:mc="http://schemas.openxmlformats.org/markup-compatibility/2006">
                 <mc:Choice xmlns:v="urn:schemas-microsoft-com:vml" Requires="v">
-                  <p:oleObj spid="_x0000_s317835" name="Equation" r:id="rId19" imgW="215640" imgH="317160" progId="Equation.DSMT4">
+                  <p:oleObj spid="_x0000_s317868" name="Equation" r:id="rId19" imgW="215640" imgH="317160" progId="Equation.DSMT4">
                     <p:embed/>
                   </p:oleObj>
                 </mc:Choice>
@@ -20164,7 +20145,7 @@
           <a:graphicData uri="http://schemas.openxmlformats.org/presentationml/2006/ole">
             <mc:AlternateContent xmlns:mc="http://schemas.openxmlformats.org/markup-compatibility/2006">
               <mc:Choice xmlns:v="urn:schemas-microsoft-com:vml" Requires="v">
-                <p:oleObj spid="_x0000_s317836" name="Equation" r:id="rId21" imgW="253800" imgH="380880" progId="Equation.DSMT4">
+                <p:oleObj spid="_x0000_s317869" name="Equation" r:id="rId21" imgW="253800" imgH="380880" progId="Equation.DSMT4">
                   <p:embed/>
                 </p:oleObj>
               </mc:Choice>
@@ -20226,7 +20207,7 @@
           <a:graphicData uri="http://schemas.openxmlformats.org/presentationml/2006/ole">
             <mc:AlternateContent xmlns:mc="http://schemas.openxmlformats.org/markup-compatibility/2006">
               <mc:Choice xmlns:v="urn:schemas-microsoft-com:vml" Requires="v">
-                <p:oleObj spid="_x0000_s317837" name="Equation" r:id="rId23" imgW="380880" imgH="355320" progId="Equation.DSMT4">
+                <p:oleObj spid="_x0000_s317870" name="Equation" r:id="rId23" imgW="380880" imgH="355320" progId="Equation.DSMT4">
                   <p:embed/>
                 </p:oleObj>
               </mc:Choice>
@@ -20887,7 +20868,7 @@
             <a:graphicData uri="http://schemas.openxmlformats.org/presentationml/2006/ole">
               <mc:AlternateContent xmlns:mc="http://schemas.openxmlformats.org/markup-compatibility/2006">
                 <mc:Choice xmlns:v="urn:schemas-microsoft-com:vml" Requires="v">
-                  <p:oleObj spid="_x0000_s318806" name="Equation" r:id="rId3" imgW="177480" imgH="241200" progId="Equation.DSMT4">
+                  <p:oleObj spid="_x0000_s318836" name="Equation" r:id="rId3" imgW="177480" imgH="241200" progId="Equation.DSMT4">
                     <p:embed/>
                   </p:oleObj>
                 </mc:Choice>
@@ -21093,7 +21074,7 @@
             <a:graphicData uri="http://schemas.openxmlformats.org/presentationml/2006/ole">
               <mc:AlternateContent xmlns:mc="http://schemas.openxmlformats.org/markup-compatibility/2006">
                 <mc:Choice xmlns:v="urn:schemas-microsoft-com:vml" Requires="v">
-                  <p:oleObj spid="_x0000_s318807" name="Equation" r:id="rId5" imgW="330120" imgH="304560" progId="Equation.DSMT4">
+                  <p:oleObj spid="_x0000_s318837" name="Equation" r:id="rId5" imgW="330120" imgH="304560" progId="Equation.DSMT4">
                     <p:embed/>
                   </p:oleObj>
                 </mc:Choice>
@@ -21155,7 +21136,7 @@
             <a:graphicData uri="http://schemas.openxmlformats.org/presentationml/2006/ole">
               <mc:AlternateContent xmlns:mc="http://schemas.openxmlformats.org/markup-compatibility/2006">
                 <mc:Choice xmlns:v="urn:schemas-microsoft-com:vml" Requires="v">
-                  <p:oleObj spid="_x0000_s318808" name="Equation" r:id="rId7" imgW="241200" imgH="317160" progId="Equation.DSMT4">
+                  <p:oleObj spid="_x0000_s318838" name="Equation" r:id="rId7" imgW="241200" imgH="317160" progId="Equation.DSMT4">
                     <p:embed/>
                   </p:oleObj>
                 </mc:Choice>
@@ -21217,7 +21198,7 @@
             <a:graphicData uri="http://schemas.openxmlformats.org/presentationml/2006/ole">
               <mc:AlternateContent xmlns:mc="http://schemas.openxmlformats.org/markup-compatibility/2006">
                 <mc:Choice xmlns:v="urn:schemas-microsoft-com:vml" Requires="v">
-                  <p:oleObj spid="_x0000_s318809" name="Equation" r:id="rId9" imgW="215640" imgH="317160" progId="Equation.DSMT4">
+                  <p:oleObj spid="_x0000_s318839" name="Equation" r:id="rId9" imgW="215640" imgH="317160" progId="Equation.DSMT4">
                     <p:embed/>
                   </p:oleObj>
                 </mc:Choice>
@@ -21390,7 +21371,7 @@
             <a:graphicData uri="http://schemas.openxmlformats.org/presentationml/2006/ole">
               <mc:AlternateContent xmlns:mc="http://schemas.openxmlformats.org/markup-compatibility/2006">
                 <mc:Choice xmlns:v="urn:schemas-microsoft-com:vml" Requires="v">
-                  <p:oleObj spid="_x0000_s318810" name="Equation" r:id="rId11" imgW="317160" imgH="330120" progId="Equation.DSMT4">
+                  <p:oleObj spid="_x0000_s318840" name="Equation" r:id="rId11" imgW="317160" imgH="330120" progId="Equation.DSMT4">
                     <p:embed/>
                   </p:oleObj>
                 </mc:Choice>
@@ -21453,7 +21434,7 @@
           <a:graphicData uri="http://schemas.openxmlformats.org/presentationml/2006/ole">
             <mc:AlternateContent xmlns:mc="http://schemas.openxmlformats.org/markup-compatibility/2006">
               <mc:Choice xmlns:v="urn:schemas-microsoft-com:vml" Requires="v">
-                <p:oleObj spid="_x0000_s318811" name="Equation" r:id="rId13" imgW="1066680" imgH="787320" progId="Equation.DSMT4">
+                <p:oleObj spid="_x0000_s318841" name="Equation" r:id="rId13" imgW="1066680" imgH="787320" progId="Equation.DSMT4">
                   <p:embed/>
                 </p:oleObj>
               </mc:Choice>
@@ -21523,7 +21504,7 @@
           <a:graphicData uri="http://schemas.openxmlformats.org/presentationml/2006/ole">
             <mc:AlternateContent xmlns:mc="http://schemas.openxmlformats.org/markup-compatibility/2006">
               <mc:Choice xmlns:v="urn:schemas-microsoft-com:vml" Requires="v">
-                <p:oleObj spid="_x0000_s318812" name="Equation" r:id="rId15" imgW="2171520" imgH="583920" progId="Equation.DSMT4">
+                <p:oleObj spid="_x0000_s318842" name="Equation" r:id="rId15" imgW="2171520" imgH="583920" progId="Equation.DSMT4">
                   <p:embed/>
                 </p:oleObj>
               </mc:Choice>
@@ -21593,7 +21574,7 @@
           <a:graphicData uri="http://schemas.openxmlformats.org/presentationml/2006/ole">
             <mc:AlternateContent xmlns:mc="http://schemas.openxmlformats.org/markup-compatibility/2006">
               <mc:Choice xmlns:v="urn:schemas-microsoft-com:vml" Requires="v">
-                <p:oleObj spid="_x0000_s318813" name="Equation" r:id="rId17" imgW="380880" imgH="355320" progId="Equation.DSMT4">
+                <p:oleObj spid="_x0000_s318843" name="Equation" r:id="rId17" imgW="380880" imgH="355320" progId="Equation.DSMT4">
                   <p:embed/>
                 </p:oleObj>
               </mc:Choice>
@@ -21663,7 +21644,7 @@
           <a:graphicData uri="http://schemas.openxmlformats.org/presentationml/2006/ole">
             <mc:AlternateContent xmlns:mc="http://schemas.openxmlformats.org/markup-compatibility/2006">
               <mc:Choice xmlns:v="urn:schemas-microsoft-com:vml" Requires="v">
-                <p:oleObj spid="_x0000_s318814" name="Equation" r:id="rId19" imgW="368280" imgH="380880" progId="Equation.DSMT4">
+                <p:oleObj spid="_x0000_s318844" name="Equation" r:id="rId19" imgW="368280" imgH="380880" progId="Equation.DSMT4">
                   <p:embed/>
                 </p:oleObj>
               </mc:Choice>
@@ -21725,7 +21706,7 @@
           <a:graphicData uri="http://schemas.openxmlformats.org/presentationml/2006/ole">
             <mc:AlternateContent xmlns:mc="http://schemas.openxmlformats.org/markup-compatibility/2006">
               <mc:Choice xmlns:v="urn:schemas-microsoft-com:vml" Requires="v">
-                <p:oleObj spid="_x0000_s318815" name="Equation" r:id="rId21" imgW="368280" imgH="380880" progId="Equation.DSMT4">
+                <p:oleObj spid="_x0000_s318845" name="Equation" r:id="rId21" imgW="368280" imgH="380880" progId="Equation.DSMT4">
                   <p:embed/>
                 </p:oleObj>
               </mc:Choice>
@@ -22009,7 +21990,7 @@
           <a:graphicData uri="http://schemas.openxmlformats.org/presentationml/2006/ole">
             <mc:AlternateContent xmlns:mc="http://schemas.openxmlformats.org/markup-compatibility/2006">
               <mc:Choice xmlns:v="urn:schemas-microsoft-com:vml" Requires="v">
-                <p:oleObj spid="_x0000_s319589" name="Equation" r:id="rId4" imgW="1968480" imgH="787320" progId="Equation.DSMT4">
+                <p:oleObj spid="_x0000_s319598" name="Equation" r:id="rId4" imgW="1968480" imgH="787320" progId="Equation.DSMT4">
                   <p:embed/>
                 </p:oleObj>
               </mc:Choice>
@@ -22079,7 +22060,7 @@
           <a:graphicData uri="http://schemas.openxmlformats.org/presentationml/2006/ole">
             <mc:AlternateContent xmlns:mc="http://schemas.openxmlformats.org/markup-compatibility/2006">
               <mc:Choice xmlns:v="urn:schemas-microsoft-com:vml" Requires="v">
-                <p:oleObj spid="_x0000_s319590" name="Equation" r:id="rId6" imgW="1968480" imgH="444240" progId="Equation.DSMT4">
+                <p:oleObj spid="_x0000_s319599" name="Equation" r:id="rId6" imgW="1968480" imgH="444240" progId="Equation.DSMT4">
                   <p:embed/>
                 </p:oleObj>
               </mc:Choice>
@@ -22149,7 +22130,7 @@
           <a:graphicData uri="http://schemas.openxmlformats.org/presentationml/2006/ole">
             <mc:AlternateContent xmlns:mc="http://schemas.openxmlformats.org/markup-compatibility/2006">
               <mc:Choice xmlns:v="urn:schemas-microsoft-com:vml" Requires="v">
-                <p:oleObj spid="_x0000_s319591" name="Equation" r:id="rId8" imgW="177480" imgH="368280" progId="Equation.DSMT4">
+                <p:oleObj spid="_x0000_s319600" name="Equation" r:id="rId8" imgW="177480" imgH="368280" progId="Equation.DSMT4">
                   <p:embed/>
                 </p:oleObj>
               </mc:Choice>
@@ -22771,7 +22752,7 @@
           <a:graphicData uri="http://schemas.openxmlformats.org/presentationml/2006/ole">
             <mc:AlternateContent xmlns:mc="http://schemas.openxmlformats.org/markup-compatibility/2006">
               <mc:Choice xmlns:v="urn:schemas-microsoft-com:vml" Requires="v">
-                <p:oleObj spid="_x0000_s320574" name="Equation" r:id="rId3" imgW="2184120" imgH="863280" progId="Equation.DSMT4">
+                <p:oleObj spid="_x0000_s320580" name="Equation" r:id="rId3" imgW="2184120" imgH="863280" progId="Equation.DSMT4">
                   <p:embed/>
                 </p:oleObj>
               </mc:Choice>
@@ -22841,7 +22822,7 @@
           <a:graphicData uri="http://schemas.openxmlformats.org/presentationml/2006/ole">
             <mc:AlternateContent xmlns:mc="http://schemas.openxmlformats.org/markup-compatibility/2006">
               <mc:Choice xmlns:v="urn:schemas-microsoft-com:vml" Requires="v">
-                <p:oleObj spid="_x0000_s320575" name="Equation" r:id="rId5" imgW="380880" imgH="368280" progId="Equation.DSMT4">
+                <p:oleObj spid="_x0000_s320581" name="Equation" r:id="rId5" imgW="380880" imgH="368280" progId="Equation.DSMT4">
                   <p:embed/>
                 </p:oleObj>
               </mc:Choice>
@@ -23120,7 +23101,7 @@
           <a:graphicData uri="http://schemas.openxmlformats.org/presentationml/2006/ole">
             <mc:AlternateContent xmlns:mc="http://schemas.openxmlformats.org/markup-compatibility/2006">
               <mc:Choice xmlns:v="urn:schemas-microsoft-com:vml" Requires="v">
-                <p:oleObj spid="_x0000_s324662" name="Equation" r:id="rId3" imgW="2743200" imgH="863280" progId="Equation.DSMT4">
+                <p:oleObj spid="_x0000_s324668" name="Equation" r:id="rId3" imgW="2743200" imgH="863280" progId="Equation.DSMT4">
                   <p:embed/>
                 </p:oleObj>
               </mc:Choice>
@@ -23214,7 +23195,7 @@
           <a:graphicData uri="http://schemas.openxmlformats.org/presentationml/2006/ole">
             <mc:AlternateContent xmlns:mc="http://schemas.openxmlformats.org/markup-compatibility/2006">
               <mc:Choice xmlns:v="urn:schemas-microsoft-com:vml" Requires="v">
-                <p:oleObj spid="_x0000_s324663" name="Equation" r:id="rId6" imgW="3733560" imgH="1473120" progId="Equation.DSMT4">
+                <p:oleObj spid="_x0000_s324669" name="Equation" r:id="rId6" imgW="3733560" imgH="1473120" progId="Equation.DSMT4">
                   <p:embed/>
                 </p:oleObj>
               </mc:Choice>
@@ -23441,7 +23422,7 @@
                   <a:srgbClr val="FF0000"/>
                 </a:solidFill>
               </a:rPr>
-              <a:t>vector     </a:t>
+              <a:t>vector      </a:t>
             </a:r>
             <a:r>
               <a:rPr lang="en-US" sz="2400" dirty="0">
@@ -23795,7 +23776,7 @@
             <a:graphicData uri="http://schemas.openxmlformats.org/presentationml/2006/ole">
               <mc:AlternateContent xmlns:mc="http://schemas.openxmlformats.org/markup-compatibility/2006">
                 <mc:Choice xmlns:v="urn:schemas-microsoft-com:vml" Requires="v">
-                  <p:oleObj spid="_x0000_s264314" name="Equation" r:id="rId3" imgW="177480" imgH="317160" progId="Equation.DSMT4">
+                  <p:oleObj spid="_x0000_s264320" name="Equation" r:id="rId3" imgW="177480" imgH="317160" progId="Equation.DSMT4">
                     <p:embed/>
                   </p:oleObj>
                 </mc:Choice>
@@ -23846,20 +23827,20 @@
           <p:nvPr>
             <p:extLst>
               <p:ext uri="{D42A27DB-BD31-4B8C-83A1-F6EECF244321}">
-                <p14:modId xmlns:p14="http://schemas.microsoft.com/office/powerpoint/2010/main" val="1972861305"/>
+                <p14:modId xmlns:p14="http://schemas.microsoft.com/office/powerpoint/2010/main" val="529120703"/>
               </p:ext>
             </p:extLst>
           </p:nvPr>
         </p:nvGraphicFramePr>
         <p:xfrm>
-          <a:off x="5484813" y="3303242"/>
-          <a:ext cx="190500" cy="368300"/>
+          <a:off x="5448824" y="3031304"/>
+          <a:ext cx="397854" cy="640238"/>
         </p:xfrm>
         <a:graphic>
           <a:graphicData uri="http://schemas.openxmlformats.org/presentationml/2006/ole">
             <mc:AlternateContent xmlns:mc="http://schemas.openxmlformats.org/markup-compatibility/2006">
               <mc:Choice xmlns:v="urn:schemas-microsoft-com:vml" Requires="v">
-                <p:oleObj spid="_x0000_s264315" name="Equation" r:id="rId5" imgW="190440" imgH="368280" progId="Equation.DSMT4">
+                <p:oleObj spid="_x0000_s264321" name="Equation" r:id="rId5" imgW="190440" imgH="368280" progId="Equation.DSMT4">
                   <p:embed/>
                 </p:oleObj>
               </mc:Choice>
@@ -23883,8 +23864,8 @@
                     </p:blipFill>
                     <p:spPr bwMode="auto">
                       <a:xfrm>
-                        <a:off x="5484813" y="3303242"/>
-                        <a:ext cx="190500" cy="368300"/>
+                        <a:off x="5448824" y="3031304"/>
+                        <a:ext cx="397854" cy="640238"/>
                       </a:xfrm>
                       <a:prstGeom prst="rect">
                         <a:avLst/>
@@ -24160,7 +24141,7 @@
           <a:graphicData uri="http://schemas.openxmlformats.org/presentationml/2006/ole">
             <mc:AlternateContent xmlns:mc="http://schemas.openxmlformats.org/markup-compatibility/2006">
               <mc:Choice xmlns:v="urn:schemas-microsoft-com:vml" Requires="v">
-                <p:oleObj spid="_x0000_s321568" name="Equation" r:id="rId4" imgW="1765080" imgH="838080" progId="Equation.DSMT4">
+                <p:oleObj spid="_x0000_s321571" name="Equation" r:id="rId4" imgW="1765080" imgH="838080" progId="Equation.DSMT4">
                   <p:embed/>
                 </p:oleObj>
               </mc:Choice>
@@ -24592,7 +24573,7 @@
           <a:graphicData uri="http://schemas.openxmlformats.org/presentationml/2006/ole">
             <mc:AlternateContent xmlns:mc="http://schemas.openxmlformats.org/markup-compatibility/2006">
               <mc:Choice xmlns:v="urn:schemas-microsoft-com:vml" Requires="v">
-                <p:oleObj spid="_x0000_s322620" name="Equation" r:id="rId4" imgW="1930320" imgH="444240" progId="Equation.DSMT4">
+                <p:oleObj spid="_x0000_s322626" name="Equation" r:id="rId4" imgW="1930320" imgH="444240" progId="Equation.DSMT4">
                   <p:embed/>
                 </p:oleObj>
               </mc:Choice>
@@ -24662,7 +24643,7 @@
           <a:graphicData uri="http://schemas.openxmlformats.org/presentationml/2006/ole">
             <mc:AlternateContent xmlns:mc="http://schemas.openxmlformats.org/markup-compatibility/2006">
               <mc:Choice xmlns:v="urn:schemas-microsoft-com:vml" Requires="v">
-                <p:oleObj spid="_x0000_s322621" name="Equation" r:id="rId6" imgW="2057400" imgH="444240" progId="Equation.DSMT4">
+                <p:oleObj spid="_x0000_s322627" name="Equation" r:id="rId6" imgW="2057400" imgH="444240" progId="Equation.DSMT4">
                   <p:embed/>
                 </p:oleObj>
               </mc:Choice>
@@ -25023,7 +25004,7 @@
           <a:graphicData uri="http://schemas.openxmlformats.org/presentationml/2006/ole">
             <mc:AlternateContent xmlns:mc="http://schemas.openxmlformats.org/markup-compatibility/2006">
               <mc:Choice xmlns:v="urn:schemas-microsoft-com:vml" Requires="v">
-                <p:oleObj spid="_x0000_s323642" name="Equation" r:id="rId4" imgW="1422360" imgH="380880" progId="Equation.DSMT4">
+                <p:oleObj spid="_x0000_s323648" name="Equation" r:id="rId4" imgW="1422360" imgH="380880" progId="Equation.DSMT4">
                   <p:embed/>
                 </p:oleObj>
               </mc:Choice>
@@ -25085,7 +25066,7 @@
           <a:graphicData uri="http://schemas.openxmlformats.org/presentationml/2006/ole">
             <mc:AlternateContent xmlns:mc="http://schemas.openxmlformats.org/markup-compatibility/2006">
               <mc:Choice xmlns:v="urn:schemas-microsoft-com:vml" Requires="v">
-                <p:oleObj spid="_x0000_s323643" name="Equation" r:id="rId6" imgW="1054080" imgH="787320" progId="Equation.DSMT4">
+                <p:oleObj spid="_x0000_s323649" name="Equation" r:id="rId6" imgW="1054080" imgH="787320" progId="Equation.DSMT4">
                   <p:embed/>
                 </p:oleObj>
               </mc:Choice>
@@ -25289,7 +25270,7 @@
           <a:graphicData uri="http://schemas.openxmlformats.org/presentationml/2006/ole">
             <mc:AlternateContent xmlns:mc="http://schemas.openxmlformats.org/markup-compatibility/2006">
               <mc:Choice xmlns:v="urn:schemas-microsoft-com:vml" Requires="v">
-                <p:oleObj spid="_x0000_s325660" name="Equation" r:id="rId3" imgW="3581280" imgH="2743200" progId="Equation.DSMT4">
+                <p:oleObj spid="_x0000_s325663" name="Equation" r:id="rId3" imgW="3581280" imgH="2743200" progId="Equation.DSMT4">
                   <p:embed/>
                 </p:oleObj>
               </mc:Choice>
@@ -25532,7 +25513,7 @@
           <a:graphicData uri="http://schemas.openxmlformats.org/presentationml/2006/ole">
             <mc:AlternateContent xmlns:mc="http://schemas.openxmlformats.org/markup-compatibility/2006">
               <mc:Choice xmlns:v="urn:schemas-microsoft-com:vml" Requires="v">
-                <p:oleObj spid="_x0000_s326708" name="Equation" r:id="rId3" imgW="2349360" imgH="1295280" progId="Equation.DSMT4">
+                <p:oleObj spid="_x0000_s326714" name="Equation" r:id="rId3" imgW="2349360" imgH="1295280" progId="Equation.DSMT4">
                   <p:embed/>
                 </p:oleObj>
               </mc:Choice>
@@ -25595,7 +25576,7 @@
           <a:graphicData uri="http://schemas.openxmlformats.org/presentationml/2006/ole">
             <mc:AlternateContent xmlns:mc="http://schemas.openxmlformats.org/markup-compatibility/2006">
               <mc:Choice xmlns:v="urn:schemas-microsoft-com:vml" Requires="v">
-                <p:oleObj spid="_x0000_s326709" name="Equation" r:id="rId5" imgW="2019240" imgH="583920" progId="Equation.DSMT4">
+                <p:oleObj spid="_x0000_s326715" name="Equation" r:id="rId5" imgW="2019240" imgH="583920" progId="Equation.DSMT4">
                   <p:embed/>
                 </p:oleObj>
               </mc:Choice>
@@ -25852,7 +25833,7 @@
           <a:graphicData uri="http://schemas.openxmlformats.org/presentationml/2006/ole">
             <mc:AlternateContent xmlns:mc="http://schemas.openxmlformats.org/markup-compatibility/2006">
               <mc:Choice xmlns:v="urn:schemas-microsoft-com:vml" Requires="v">
-                <p:oleObj spid="_x0000_s327728" name="Equation" r:id="rId3" imgW="2184120" imgH="863280" progId="Equation.DSMT4">
+                <p:oleObj spid="_x0000_s327734" name="Equation" r:id="rId3" imgW="2184120" imgH="863280" progId="Equation.DSMT4">
                   <p:embed/>
                 </p:oleObj>
               </mc:Choice>
@@ -25922,7 +25903,7 @@
           <a:graphicData uri="http://schemas.openxmlformats.org/presentationml/2006/ole">
             <mc:AlternateContent xmlns:mc="http://schemas.openxmlformats.org/markup-compatibility/2006">
               <mc:Choice xmlns:v="urn:schemas-microsoft-com:vml" Requires="v">
-                <p:oleObj spid="_x0000_s327729" name="Equation" r:id="rId5" imgW="380880" imgH="368280" progId="Equation.DSMT4">
+                <p:oleObj spid="_x0000_s327735" name="Equation" r:id="rId5" imgW="380880" imgH="368280" progId="Equation.DSMT4">
                   <p:embed/>
                 </p:oleObj>
               </mc:Choice>
@@ -26199,7 +26180,7 @@
           <a:graphicData uri="http://schemas.openxmlformats.org/presentationml/2006/ole">
             <mc:AlternateContent xmlns:mc="http://schemas.openxmlformats.org/markup-compatibility/2006">
               <mc:Choice xmlns:v="urn:schemas-microsoft-com:vml" Requires="v">
-                <p:oleObj spid="_x0000_s328798" name="Equation" r:id="rId3" imgW="2920680" imgH="2336760" progId="Equation.DSMT4">
+                <p:oleObj spid="_x0000_s328810" name="Equation" r:id="rId3" imgW="2920680" imgH="2336760" progId="Equation.DSMT4">
                   <p:embed/>
                 </p:oleObj>
               </mc:Choice>
@@ -26262,7 +26243,7 @@
           <a:graphicData uri="http://schemas.openxmlformats.org/presentationml/2006/ole">
             <mc:AlternateContent xmlns:mc="http://schemas.openxmlformats.org/markup-compatibility/2006">
               <mc:Choice xmlns:v="urn:schemas-microsoft-com:vml" Requires="v">
-                <p:oleObj spid="_x0000_s328799" name="Equation" r:id="rId5" imgW="2158920" imgH="583920" progId="Equation.DSMT4">
+                <p:oleObj spid="_x0000_s328811" name="Equation" r:id="rId5" imgW="2158920" imgH="583920" progId="Equation.DSMT4">
                   <p:embed/>
                 </p:oleObj>
               </mc:Choice>
@@ -26325,7 +26306,7 @@
           <a:graphicData uri="http://schemas.openxmlformats.org/presentationml/2006/ole">
             <mc:AlternateContent xmlns:mc="http://schemas.openxmlformats.org/markup-compatibility/2006">
               <mc:Choice xmlns:v="urn:schemas-microsoft-com:vml" Requires="v">
-                <p:oleObj spid="_x0000_s328800" name="Equation" r:id="rId7" imgW="1981080" imgH="787320" progId="Equation.DSMT4">
+                <p:oleObj spid="_x0000_s328812" name="Equation" r:id="rId7" imgW="1981080" imgH="787320" progId="Equation.DSMT4">
                   <p:embed/>
                 </p:oleObj>
               </mc:Choice>
@@ -26395,7 +26376,7 @@
           <a:graphicData uri="http://schemas.openxmlformats.org/presentationml/2006/ole">
             <mc:AlternateContent xmlns:mc="http://schemas.openxmlformats.org/markup-compatibility/2006">
               <mc:Choice xmlns:v="urn:schemas-microsoft-com:vml" Requires="v">
-                <p:oleObj spid="_x0000_s328801" name="Equation" r:id="rId9" imgW="203040" imgH="368280" progId="Equation.DSMT4">
+                <p:oleObj spid="_x0000_s328813" name="Equation" r:id="rId9" imgW="203040" imgH="368280" progId="Equation.DSMT4">
                   <p:embed/>
                 </p:oleObj>
               </mc:Choice>
@@ -26796,7 +26777,7 @@
           <a:graphicData uri="http://schemas.openxmlformats.org/presentationml/2006/ole">
             <mc:AlternateContent xmlns:mc="http://schemas.openxmlformats.org/markup-compatibility/2006">
               <mc:Choice xmlns:v="urn:schemas-microsoft-com:vml" Requires="v">
-                <p:oleObj spid="_x0000_s333850" name="Equation" r:id="rId3" imgW="1765080" imgH="888840" progId="Equation.DSMT4">
+                <p:oleObj spid="_x0000_s333856" name="Equation" r:id="rId3" imgW="1765080" imgH="888840" progId="Equation.DSMT4">
                   <p:embed/>
                 </p:oleObj>
               </mc:Choice>
@@ -26937,7 +26918,7 @@
             <a:graphicData uri="http://schemas.openxmlformats.org/presentationml/2006/ole">
               <mc:AlternateContent xmlns:mc="http://schemas.openxmlformats.org/markup-compatibility/2006">
                 <mc:Choice xmlns:v="urn:schemas-microsoft-com:vml" Requires="v">
-                  <p:oleObj spid="_x0000_s333851" name="Equation" r:id="rId6" imgW="355320" imgH="330120" progId="Equation.DSMT4">
+                  <p:oleObj spid="_x0000_s333857" name="Equation" r:id="rId6" imgW="355320" imgH="330120" progId="Equation.DSMT4">
                     <p:embed/>
                   </p:oleObj>
                 </mc:Choice>
@@ -27230,7 +27211,7 @@
           <a:graphicData uri="http://schemas.openxmlformats.org/presentationml/2006/ole">
             <mc:AlternateContent xmlns:mc="http://schemas.openxmlformats.org/markup-compatibility/2006">
               <mc:Choice xmlns:v="urn:schemas-microsoft-com:vml" Requires="v">
-                <p:oleObj spid="_x0000_s334908" name="Equation" r:id="rId3" imgW="2730240" imgH="660240" progId="Equation.DSMT4">
+                <p:oleObj spid="_x0000_s334923" name="Equation" r:id="rId3" imgW="2730240" imgH="660240" progId="Equation.DSMT4">
                   <p:embed/>
                 </p:oleObj>
               </mc:Choice>
@@ -27293,7 +27274,7 @@
           <a:graphicData uri="http://schemas.openxmlformats.org/presentationml/2006/ole">
             <mc:AlternateContent xmlns:mc="http://schemas.openxmlformats.org/markup-compatibility/2006">
               <mc:Choice xmlns:v="urn:schemas-microsoft-com:vml" Requires="v">
-                <p:oleObj spid="_x0000_s334909" name="Equation" r:id="rId5" imgW="3746160" imgH="850680" progId="Equation.DSMT4">
+                <p:oleObj spid="_x0000_s334924" name="Equation" r:id="rId5" imgW="3746160" imgH="850680" progId="Equation.DSMT4">
                   <p:embed/>
                 </p:oleObj>
               </mc:Choice>
@@ -27356,7 +27337,7 @@
           <a:graphicData uri="http://schemas.openxmlformats.org/presentationml/2006/ole">
             <mc:AlternateContent xmlns:mc="http://schemas.openxmlformats.org/markup-compatibility/2006">
               <mc:Choice xmlns:v="urn:schemas-microsoft-com:vml" Requires="v">
-                <p:oleObj spid="_x0000_s334910" name="Equation" r:id="rId7" imgW="1054080" imgH="380880" progId="Equation.DSMT4">
+                <p:oleObj spid="_x0000_s334925" name="Equation" r:id="rId7" imgW="1054080" imgH="380880" progId="Equation.DSMT4">
                   <p:embed/>
                 </p:oleObj>
               </mc:Choice>
@@ -27419,7 +27400,7 @@
           <a:graphicData uri="http://schemas.openxmlformats.org/presentationml/2006/ole">
             <mc:AlternateContent xmlns:mc="http://schemas.openxmlformats.org/markup-compatibility/2006">
               <mc:Choice xmlns:v="urn:schemas-microsoft-com:vml" Requires="v">
-                <p:oleObj spid="_x0000_s334911" name="Equation" r:id="rId9" imgW="1917360" imgH="380880" progId="Equation.DSMT4">
+                <p:oleObj spid="_x0000_s334926" name="Equation" r:id="rId9" imgW="1917360" imgH="380880" progId="Equation.DSMT4">
                   <p:embed/>
                 </p:oleObj>
               </mc:Choice>
@@ -27482,7 +27463,7 @@
           <a:graphicData uri="http://schemas.openxmlformats.org/presentationml/2006/ole">
             <mc:AlternateContent xmlns:mc="http://schemas.openxmlformats.org/markup-compatibility/2006">
               <mc:Choice xmlns:v="urn:schemas-microsoft-com:vml" Requires="v">
-                <p:oleObj spid="_x0000_s334912" name="Equation" r:id="rId11" imgW="2527200" imgH="419040" progId="Equation.DSMT4">
+                <p:oleObj spid="_x0000_s334927" name="Equation" r:id="rId11" imgW="2527200" imgH="419040" progId="Equation.DSMT4">
                   <p:embed/>
                 </p:oleObj>
               </mc:Choice>
@@ -28371,7 +28352,7 @@
           <a:graphicData uri="http://schemas.openxmlformats.org/presentationml/2006/ole">
             <mc:AlternateContent xmlns:mc="http://schemas.openxmlformats.org/markup-compatibility/2006">
               <mc:Choice xmlns:v="urn:schemas-microsoft-com:vml" Requires="v">
-                <p:oleObj spid="_x0000_s265518" name="Equation" r:id="rId3" imgW="1485720" imgH="380880" progId="Equation.DSMT4">
+                <p:oleObj spid="_x0000_s265533" name="Equation" r:id="rId3" imgW="1485720" imgH="380880" progId="Equation.DSMT4">
                   <p:embed/>
                 </p:oleObj>
               </mc:Choice>
@@ -28434,7 +28415,7 @@
           <a:graphicData uri="http://schemas.openxmlformats.org/presentationml/2006/ole">
             <mc:AlternateContent xmlns:mc="http://schemas.openxmlformats.org/markup-compatibility/2006">
               <mc:Choice xmlns:v="urn:schemas-microsoft-com:vml" Requires="v">
-                <p:oleObj spid="_x0000_s265519" name="Equation" r:id="rId5" imgW="393480" imgH="368280" progId="Equation.DSMT4">
+                <p:oleObj spid="_x0000_s265534" name="Equation" r:id="rId5" imgW="393480" imgH="368280" progId="Equation.DSMT4">
                   <p:embed/>
                 </p:oleObj>
               </mc:Choice>
@@ -28963,7 +28944,7 @@
             <a:graphicData uri="http://schemas.openxmlformats.org/presentationml/2006/ole">
               <mc:AlternateContent xmlns:mc="http://schemas.openxmlformats.org/markup-compatibility/2006">
                 <mc:Choice xmlns:v="urn:schemas-microsoft-com:vml" Requires="v">
-                  <p:oleObj spid="_x0000_s265520" name="Equation" r:id="rId7" imgW="342720" imgH="317160" progId="Equation.DSMT4">
+                  <p:oleObj spid="_x0000_s265535" name="Equation" r:id="rId7" imgW="342720" imgH="317160" progId="Equation.DSMT4">
                     <p:embed/>
                   </p:oleObj>
                 </mc:Choice>
@@ -29026,7 +29007,7 @@
             <a:graphicData uri="http://schemas.openxmlformats.org/presentationml/2006/ole">
               <mc:AlternateContent xmlns:mc="http://schemas.openxmlformats.org/markup-compatibility/2006">
                 <mc:Choice xmlns:v="urn:schemas-microsoft-com:vml" Requires="v">
-                  <p:oleObj spid="_x0000_s265521" name="Equation" r:id="rId9" imgW="228600" imgH="330120" progId="Equation.DSMT4">
+                  <p:oleObj spid="_x0000_s265536" name="Equation" r:id="rId9" imgW="228600" imgH="330120" progId="Equation.DSMT4">
                     <p:embed/>
                   </p:oleObj>
                 </mc:Choice>
@@ -29089,7 +29070,7 @@
             <a:graphicData uri="http://schemas.openxmlformats.org/presentationml/2006/ole">
               <mc:AlternateContent xmlns:mc="http://schemas.openxmlformats.org/markup-compatibility/2006">
                 <mc:Choice xmlns:v="urn:schemas-microsoft-com:vml" Requires="v">
-                  <p:oleObj spid="_x0000_s265522" name="Equation" r:id="rId11" imgW="253800" imgH="330120" progId="Equation.DSMT4">
+                  <p:oleObj spid="_x0000_s265537" name="Equation" r:id="rId11" imgW="253800" imgH="330120" progId="Equation.DSMT4">
                     <p:embed/>
                   </p:oleObj>
                 </mc:Choice>
@@ -29898,7 +29879,7 @@
           <a:graphicData uri="http://schemas.openxmlformats.org/presentationml/2006/ole">
             <mc:AlternateContent xmlns:mc="http://schemas.openxmlformats.org/markup-compatibility/2006">
               <mc:Choice xmlns:v="urn:schemas-microsoft-com:vml" Requires="v">
-                <p:oleObj spid="_x0000_s332817" name="Equation" r:id="rId3" imgW="4305240" imgH="2743200" progId="Equation.DSMT4">
+                <p:oleObj spid="_x0000_s332820" name="Equation" r:id="rId3" imgW="4305240" imgH="2743200" progId="Equation.DSMT4">
                   <p:embed/>
                 </p:oleObj>
               </mc:Choice>
@@ -31007,7 +30988,7 @@
           <a:graphicData uri="http://schemas.openxmlformats.org/presentationml/2006/ole">
             <mc:AlternateContent xmlns:mc="http://schemas.openxmlformats.org/markup-compatibility/2006">
               <mc:Choice xmlns:v="urn:schemas-microsoft-com:vml" Requires="v">
-                <p:oleObj spid="_x0000_s266547" name="Equation" r:id="rId3" imgW="1485720" imgH="380880" progId="Equation.DSMT4">
+                <p:oleObj spid="_x0000_s266562" name="Equation" r:id="rId3" imgW="1485720" imgH="380880" progId="Equation.DSMT4">
                   <p:embed/>
                 </p:oleObj>
               </mc:Choice>
@@ -31070,7 +31051,7 @@
           <a:graphicData uri="http://schemas.openxmlformats.org/presentationml/2006/ole">
             <mc:AlternateContent xmlns:mc="http://schemas.openxmlformats.org/markup-compatibility/2006">
               <mc:Choice xmlns:v="urn:schemas-microsoft-com:vml" Requires="v">
-                <p:oleObj spid="_x0000_s266548" name="Equation" r:id="rId5" imgW="393480" imgH="368280" progId="Equation.DSMT4">
+                <p:oleObj spid="_x0000_s266563" name="Equation" r:id="rId5" imgW="393480" imgH="368280" progId="Equation.DSMT4">
                   <p:embed/>
                 </p:oleObj>
               </mc:Choice>
@@ -31526,7 +31507,7 @@
             <a:graphicData uri="http://schemas.openxmlformats.org/presentationml/2006/ole">
               <mc:AlternateContent xmlns:mc="http://schemas.openxmlformats.org/markup-compatibility/2006">
                 <mc:Choice xmlns:v="urn:schemas-microsoft-com:vml" Requires="v">
-                  <p:oleObj spid="_x0000_s266549" name="Equation" r:id="rId7" imgW="482400" imgH="317160" progId="Equation.DSMT4">
+                  <p:oleObj spid="_x0000_s266564" name="Equation" r:id="rId7" imgW="482400" imgH="317160" progId="Equation.DSMT4">
                     <p:embed/>
                   </p:oleObj>
                 </mc:Choice>
@@ -31589,7 +31570,7 @@
             <a:graphicData uri="http://schemas.openxmlformats.org/presentationml/2006/ole">
               <mc:AlternateContent xmlns:mc="http://schemas.openxmlformats.org/markup-compatibility/2006">
                 <mc:Choice xmlns:v="urn:schemas-microsoft-com:vml" Requires="v">
-                  <p:oleObj spid="_x0000_s266550" name="Equation" r:id="rId9" imgW="253800" imgH="330120" progId="Equation.DSMT4">
+                  <p:oleObj spid="_x0000_s266565" name="Equation" r:id="rId9" imgW="253800" imgH="330120" progId="Equation.DSMT4">
                     <p:embed/>
                   </p:oleObj>
                 </mc:Choice>
@@ -31652,7 +31633,7 @@
             <a:graphicData uri="http://schemas.openxmlformats.org/presentationml/2006/ole">
               <mc:AlternateContent xmlns:mc="http://schemas.openxmlformats.org/markup-compatibility/2006">
                 <mc:Choice xmlns:v="urn:schemas-microsoft-com:vml" Requires="v">
-                  <p:oleObj spid="_x0000_s266551" name="Equation" r:id="rId11" imgW="228600" imgH="330120" progId="Equation.DSMT4">
+                  <p:oleObj spid="_x0000_s266566" name="Equation" r:id="rId11" imgW="228600" imgH="330120" progId="Equation.DSMT4">
                     <p:embed/>
                   </p:oleObj>
                 </mc:Choice>
@@ -32421,7 +32402,7 @@
             <a:graphicData uri="http://schemas.openxmlformats.org/presentationml/2006/ole">
               <mc:AlternateContent xmlns:mc="http://schemas.openxmlformats.org/markup-compatibility/2006">
                 <mc:Choice xmlns:v="urn:schemas-microsoft-com:vml" Requires="v">
-                  <p:oleObj spid="_x0000_s302200" name="Equation" r:id="rId3" imgW="342720" imgH="317160" progId="Equation.DSMT4">
+                  <p:oleObj spid="_x0000_s302206" name="Equation" r:id="rId3" imgW="342720" imgH="317160" progId="Equation.DSMT4">
                     <p:embed/>
                   </p:oleObj>
                 </mc:Choice>
@@ -32484,7 +32465,7 @@
             <a:graphicData uri="http://schemas.openxmlformats.org/presentationml/2006/ole">
               <mc:AlternateContent xmlns:mc="http://schemas.openxmlformats.org/markup-compatibility/2006">
                 <mc:Choice xmlns:v="urn:schemas-microsoft-com:vml" Requires="v">
-                  <p:oleObj spid="_x0000_s302201" name="Equation" r:id="rId5" imgW="482400" imgH="317160" progId="Equation.DSMT4">
+                  <p:oleObj spid="_x0000_s302207" name="Equation" r:id="rId5" imgW="482400" imgH="317160" progId="Equation.DSMT4">
                     <p:embed/>
                   </p:oleObj>
                 </mc:Choice>
@@ -32817,7 +32798,7 @@
           <a:graphicData uri="http://schemas.openxmlformats.org/presentationml/2006/ole">
             <mc:AlternateContent xmlns:mc="http://schemas.openxmlformats.org/markup-compatibility/2006">
               <mc:Choice xmlns:v="urn:schemas-microsoft-com:vml" Requires="v">
-                <p:oleObj spid="_x0000_s303406" name="Equation" r:id="rId3" imgW="2438280" imgH="863280" progId="Equation.DSMT4">
+                <p:oleObj spid="_x0000_s303421" name="Equation" r:id="rId3" imgW="2438280" imgH="863280" progId="Equation.DSMT4">
                   <p:embed/>
                 </p:oleObj>
               </mc:Choice>
@@ -32880,7 +32861,7 @@
           <a:graphicData uri="http://schemas.openxmlformats.org/presentationml/2006/ole">
             <mc:AlternateContent xmlns:mc="http://schemas.openxmlformats.org/markup-compatibility/2006">
               <mc:Choice xmlns:v="urn:schemas-microsoft-com:vml" Requires="v">
-                <p:oleObj spid="_x0000_s303407" name="Equation" r:id="rId5" imgW="393480" imgH="368280" progId="Equation.DSMT4">
+                <p:oleObj spid="_x0000_s303422" name="Equation" r:id="rId5" imgW="393480" imgH="368280" progId="Equation.DSMT4">
                   <p:embed/>
                 </p:oleObj>
               </mc:Choice>
@@ -32943,7 +32924,7 @@
           <a:graphicData uri="http://schemas.openxmlformats.org/presentationml/2006/ole">
             <mc:AlternateContent xmlns:mc="http://schemas.openxmlformats.org/markup-compatibility/2006">
               <mc:Choice xmlns:v="urn:schemas-microsoft-com:vml" Requires="v">
-                <p:oleObj spid="_x0000_s303408" name="Equation" r:id="rId7" imgW="507960" imgH="380880" progId="Equation.DSMT4">
+                <p:oleObj spid="_x0000_s303423" name="Equation" r:id="rId7" imgW="507960" imgH="380880" progId="Equation.DSMT4">
                   <p:embed/>
                 </p:oleObj>
               </mc:Choice>
@@ -33513,7 +33494,7 @@
             <a:graphicData uri="http://schemas.openxmlformats.org/presentationml/2006/ole">
               <mc:AlternateContent xmlns:mc="http://schemas.openxmlformats.org/markup-compatibility/2006">
                 <mc:Choice xmlns:v="urn:schemas-microsoft-com:vml" Requires="v">
-                  <p:oleObj spid="_x0000_s303409" name="Equation" r:id="rId10" imgW="342720" imgH="317160" progId="Equation.DSMT4">
+                  <p:oleObj spid="_x0000_s303424" name="Equation" r:id="rId10" imgW="342720" imgH="317160" progId="Equation.DSMT4">
                     <p:embed/>
                   </p:oleObj>
                 </mc:Choice>
@@ -33576,7 +33557,7 @@
             <a:graphicData uri="http://schemas.openxmlformats.org/presentationml/2006/ole">
               <mc:AlternateContent xmlns:mc="http://schemas.openxmlformats.org/markup-compatibility/2006">
                 <mc:Choice xmlns:v="urn:schemas-microsoft-com:vml" Requires="v">
-                  <p:oleObj spid="_x0000_s303410" name="Equation" r:id="rId12" imgW="431640" imgH="330120" progId="Equation.DSMT4">
+                  <p:oleObj spid="_x0000_s303425" name="Equation" r:id="rId12" imgW="431640" imgH="330120" progId="Equation.DSMT4">
                     <p:embed/>
                   </p:oleObj>
                 </mc:Choice>
@@ -33904,7 +33885,7 @@
           <a:graphicData uri="http://schemas.openxmlformats.org/presentationml/2006/ole">
             <mc:AlternateContent xmlns:mc="http://schemas.openxmlformats.org/markup-compatibility/2006">
               <mc:Choice xmlns:v="urn:schemas-microsoft-com:vml" Requires="v">
-                <p:oleObj spid="_x0000_s304310" name="Equation" r:id="rId3" imgW="2705040" imgH="863280" progId="Equation.DSMT4">
+                <p:oleObj spid="_x0000_s304319" name="Equation" r:id="rId3" imgW="2705040" imgH="863280" progId="Equation.DSMT4">
                   <p:embed/>
                 </p:oleObj>
               </mc:Choice>
@@ -34473,7 +34454,7 @@
             <a:graphicData uri="http://schemas.openxmlformats.org/presentationml/2006/ole">
               <mc:AlternateContent xmlns:mc="http://schemas.openxmlformats.org/markup-compatibility/2006">
                 <mc:Choice xmlns:v="urn:schemas-microsoft-com:vml" Requires="v">
-                  <p:oleObj spid="_x0000_s304311" name="Equation" r:id="rId6" imgW="482400" imgH="317160" progId="Equation.DSMT4">
+                  <p:oleObj spid="_x0000_s304320" name="Equation" r:id="rId6" imgW="482400" imgH="317160" progId="Equation.DSMT4">
                     <p:embed/>
                   </p:oleObj>
                 </mc:Choice>
@@ -34536,7 +34517,7 @@
             <a:graphicData uri="http://schemas.openxmlformats.org/presentationml/2006/ole">
               <mc:AlternateContent xmlns:mc="http://schemas.openxmlformats.org/markup-compatibility/2006">
                 <mc:Choice xmlns:v="urn:schemas-microsoft-com:vml" Requires="v">
-                  <p:oleObj spid="_x0000_s304312" name="Equation" r:id="rId8" imgW="583920" imgH="330120" progId="Equation.DSMT4">
+                  <p:oleObj spid="_x0000_s304321" name="Equation" r:id="rId8" imgW="583920" imgH="330120" progId="Equation.DSMT4">
                     <p:embed/>
                   </p:oleObj>
                 </mc:Choice>
